--- a/Genomische Epidemiologie.pptx
+++ b/Genomische Epidemiologie.pptx
@@ -5,29 +5,26 @@
     <p:sldMasterId id="2147483648" r:id="rId1"/>
   </p:sldMasterIdLst>
   <p:notesMasterIdLst>
-    <p:notesMasterId r:id="rId22"/>
+    <p:notesMasterId r:id="rId19"/>
   </p:notesMasterIdLst>
   <p:sldIdLst>
     <p:sldId id="260" r:id="rId2"/>
     <p:sldId id="447" r:id="rId3"/>
-    <p:sldId id="448" r:id="rId4"/>
-    <p:sldId id="450" r:id="rId5"/>
+    <p:sldId id="450" r:id="rId4"/>
+    <p:sldId id="448" r:id="rId5"/>
     <p:sldId id="454" r:id="rId6"/>
     <p:sldId id="455" r:id="rId7"/>
     <p:sldId id="457" r:id="rId8"/>
     <p:sldId id="458" r:id="rId9"/>
     <p:sldId id="459" r:id="rId10"/>
-    <p:sldId id="461" r:id="rId11"/>
-    <p:sldId id="460" r:id="rId12"/>
-    <p:sldId id="462" r:id="rId13"/>
-    <p:sldId id="463" r:id="rId14"/>
-    <p:sldId id="449" r:id="rId15"/>
-    <p:sldId id="464" r:id="rId16"/>
-    <p:sldId id="465" r:id="rId17"/>
-    <p:sldId id="456" r:id="rId18"/>
-    <p:sldId id="467" r:id="rId19"/>
-    <p:sldId id="466" r:id="rId20"/>
-    <p:sldId id="453" r:id="rId21"/>
+    <p:sldId id="460" r:id="rId11"/>
+    <p:sldId id="462" r:id="rId12"/>
+    <p:sldId id="463" r:id="rId13"/>
+    <p:sldId id="449" r:id="rId14"/>
+    <p:sldId id="464" r:id="rId15"/>
+    <p:sldId id="468" r:id="rId16"/>
+    <p:sldId id="466" r:id="rId17"/>
+    <p:sldId id="453" r:id="rId18"/>
   </p:sldIdLst>
   <p:sldSz cx="12192000" cy="6858000"/>
   <p:notesSz cx="6858000" cy="9144000"/>
@@ -228,7 +225,7 @@
           <a:p>
             <a:fld id="{90125487-2951-412F-BF00-0F1F8A87B753}" type="datetimeFigureOut">
               <a:rPr lang="de-DE" smtClean="0"/>
-              <a:t>17.06.2020</a:t>
+              <a:t>30.06.2020</a:t>
             </a:fld>
             <a:endParaRPr lang="de-DE"/>
           </a:p>
@@ -623,7 +620,10 @@
           <a:bodyPr/>
           <a:lstStyle/>
           <a:p>
-            <a:endParaRPr lang="de-DE" dirty="0"/>
+            <a:r>
+              <a:rPr lang="de-DE" dirty="0"/>
+              <a:t>Annahme: plausible Transmissionskette ist eine, bei der es zu wenig Mutationen gekommen ist</a:t>
+            </a:r>
           </a:p>
         </p:txBody>
       </p:sp>
@@ -653,7 +653,7 @@
     </p:spTree>
     <p:extLst>
       <p:ext uri="{BB962C8B-B14F-4D97-AF65-F5344CB8AC3E}">
-        <p14:creationId xmlns:p14="http://schemas.microsoft.com/office/powerpoint/2010/main" val="1243224565"/>
+        <p14:creationId xmlns:p14="http://schemas.microsoft.com/office/powerpoint/2010/main" val="1092398757"/>
       </p:ext>
     </p:extLst>
   </p:cSld>
@@ -794,10 +794,7 @@
           <a:bodyPr/>
           <a:lstStyle/>
           <a:p>
-            <a:r>
-              <a:rPr lang="de-DE" dirty="0"/>
-              <a:t>Annahme: plausible Transmissionskette ist eine, bei der es zu wenig Mutationen gekommen ist</a:t>
-            </a:r>
+            <a:endParaRPr lang="de-DE" dirty="0"/>
           </a:p>
         </p:txBody>
       </p:sp>
@@ -816,348 +813,9 @@
           <a:bodyPr/>
           <a:lstStyle/>
           <a:p>
-            <a:fld id="{A18E9089-A251-47A3-91D1-6D5A5E89A3F0}" type="slidenum">
-              <a:rPr lang="de-DE" smtClean="0"/>
-              <a:t>15</a:t>
-            </a:fld>
-            <a:endParaRPr lang="de-DE"/>
-          </a:p>
-        </p:txBody>
-      </p:sp>
-    </p:spTree>
-    <p:extLst>
-      <p:ext uri="{BB962C8B-B14F-4D97-AF65-F5344CB8AC3E}">
-        <p14:creationId xmlns:p14="http://schemas.microsoft.com/office/powerpoint/2010/main" val="1092398757"/>
-      </p:ext>
-    </p:extLst>
-  </p:cSld>
-  <p:clrMapOvr>
-    <a:masterClrMapping/>
-  </p:clrMapOvr>
-</p:notes>
-</file>
-
-<file path=ppt/notesSlides/notesSlide13.xml><?xml version="1.0" encoding="utf-8"?>
-<p:notes xmlns:a="http://schemas.openxmlformats.org/drawingml/2006/main" xmlns:r="http://schemas.openxmlformats.org/officeDocument/2006/relationships" xmlns:p="http://schemas.openxmlformats.org/presentationml/2006/main">
-  <p:cSld>
-    <p:spTree>
-      <p:nvGrpSpPr>
-        <p:cNvPr id="1" name=""/>
-        <p:cNvGrpSpPr/>
-        <p:nvPr/>
-      </p:nvGrpSpPr>
-      <p:grpSpPr>
-        <a:xfrm>
-          <a:off x="0" y="0"/>
-          <a:ext cx="0" cy="0"/>
-          <a:chOff x="0" y="0"/>
-          <a:chExt cx="0" cy="0"/>
-        </a:xfrm>
-      </p:grpSpPr>
-      <p:sp>
-        <p:nvSpPr>
-          <p:cNvPr id="2" name="Folienbildplatzhalter 1"/>
-          <p:cNvSpPr>
-            <a:spLocks noGrp="1" noRot="1" noChangeAspect="1"/>
-          </p:cNvSpPr>
-          <p:nvPr>
-            <p:ph type="sldImg"/>
-          </p:nvPr>
-        </p:nvSpPr>
-        <p:spPr/>
-      </p:sp>
-      <p:sp>
-        <p:nvSpPr>
-          <p:cNvPr id="3" name="Notizenplatzhalter 2"/>
-          <p:cNvSpPr>
-            <a:spLocks noGrp="1"/>
-          </p:cNvSpPr>
-          <p:nvPr>
-            <p:ph type="body" idx="1"/>
-          </p:nvPr>
-        </p:nvSpPr>
-        <p:spPr/>
-        <p:txBody>
-          <a:bodyPr/>
-          <a:lstStyle/>
-          <a:p>
-            <a:r>
-              <a:rPr lang="de-DE" dirty="0"/>
-              <a:t>Annahme: plausible Transmissionskette ist eine, bei der es zu wenig Mutationen gekommen ist</a:t>
-            </a:r>
-          </a:p>
-        </p:txBody>
-      </p:sp>
-      <p:sp>
-        <p:nvSpPr>
-          <p:cNvPr id="4" name="Foliennummernplatzhalter 3"/>
-          <p:cNvSpPr>
-            <a:spLocks noGrp="1"/>
-          </p:cNvSpPr>
-          <p:nvPr>
-            <p:ph type="sldNum" sz="quarter" idx="5"/>
-          </p:nvPr>
-        </p:nvSpPr>
-        <p:spPr/>
-        <p:txBody>
-          <a:bodyPr/>
-          <a:lstStyle/>
-          <a:p>
-            <a:fld id="{A18E9089-A251-47A3-91D1-6D5A5E89A3F0}" type="slidenum">
+            <a:fld id="{B21766F1-F53B-466F-9EE6-EF041DF14708}" type="slidenum">
               <a:rPr lang="de-DE" smtClean="0"/>
               <a:t>16</a:t>
-            </a:fld>
-            <a:endParaRPr lang="de-DE"/>
-          </a:p>
-        </p:txBody>
-      </p:sp>
-    </p:spTree>
-    <p:extLst>
-      <p:ext uri="{BB962C8B-B14F-4D97-AF65-F5344CB8AC3E}">
-        <p14:creationId xmlns:p14="http://schemas.microsoft.com/office/powerpoint/2010/main" val="1092398757"/>
-      </p:ext>
-    </p:extLst>
-  </p:cSld>
-  <p:clrMapOvr>
-    <a:masterClrMapping/>
-  </p:clrMapOvr>
-</p:notes>
-</file>
-
-<file path=ppt/notesSlides/notesSlide14.xml><?xml version="1.0" encoding="utf-8"?>
-<p:notes xmlns:a="http://schemas.openxmlformats.org/drawingml/2006/main" xmlns:r="http://schemas.openxmlformats.org/officeDocument/2006/relationships" xmlns:p="http://schemas.openxmlformats.org/presentationml/2006/main">
-  <p:cSld>
-    <p:spTree>
-      <p:nvGrpSpPr>
-        <p:cNvPr id="1" name=""/>
-        <p:cNvGrpSpPr/>
-        <p:nvPr/>
-      </p:nvGrpSpPr>
-      <p:grpSpPr>
-        <a:xfrm>
-          <a:off x="0" y="0"/>
-          <a:ext cx="0" cy="0"/>
-          <a:chOff x="0" y="0"/>
-          <a:chExt cx="0" cy="0"/>
-        </a:xfrm>
-      </p:grpSpPr>
-      <p:sp>
-        <p:nvSpPr>
-          <p:cNvPr id="2" name="Folienbildplatzhalter 1"/>
-          <p:cNvSpPr>
-            <a:spLocks noGrp="1" noRot="1" noChangeAspect="1"/>
-          </p:cNvSpPr>
-          <p:nvPr>
-            <p:ph type="sldImg"/>
-          </p:nvPr>
-        </p:nvSpPr>
-        <p:spPr/>
-      </p:sp>
-      <p:sp>
-        <p:nvSpPr>
-          <p:cNvPr id="3" name="Notizenplatzhalter 2"/>
-          <p:cNvSpPr>
-            <a:spLocks noGrp="1"/>
-          </p:cNvSpPr>
-          <p:nvPr>
-            <p:ph type="body" idx="1"/>
-          </p:nvPr>
-        </p:nvSpPr>
-        <p:spPr/>
-        <p:txBody>
-          <a:bodyPr/>
-          <a:lstStyle/>
-          <a:p>
-            <a:endParaRPr lang="de-DE" dirty="0"/>
-          </a:p>
-        </p:txBody>
-      </p:sp>
-      <p:sp>
-        <p:nvSpPr>
-          <p:cNvPr id="4" name="Foliennummernplatzhalter 3"/>
-          <p:cNvSpPr>
-            <a:spLocks noGrp="1"/>
-          </p:cNvSpPr>
-          <p:nvPr>
-            <p:ph type="sldNum" sz="quarter" idx="5"/>
-          </p:nvPr>
-        </p:nvSpPr>
-        <p:spPr/>
-        <p:txBody>
-          <a:bodyPr/>
-          <a:lstStyle/>
-          <a:p>
-            <a:fld id="{B21766F1-F53B-466F-9EE6-EF041DF14708}" type="slidenum">
-              <a:rPr lang="de-DE" smtClean="0"/>
-              <a:t>17</a:t>
-            </a:fld>
-            <a:endParaRPr lang="de-DE"/>
-          </a:p>
-        </p:txBody>
-      </p:sp>
-    </p:spTree>
-    <p:extLst>
-      <p:ext uri="{BB962C8B-B14F-4D97-AF65-F5344CB8AC3E}">
-        <p14:creationId xmlns:p14="http://schemas.microsoft.com/office/powerpoint/2010/main" val="2724149698"/>
-      </p:ext>
-    </p:extLst>
-  </p:cSld>
-  <p:clrMapOvr>
-    <a:masterClrMapping/>
-  </p:clrMapOvr>
-</p:notes>
-</file>
-
-<file path=ppt/notesSlides/notesSlide15.xml><?xml version="1.0" encoding="utf-8"?>
-<p:notes xmlns:a="http://schemas.openxmlformats.org/drawingml/2006/main" xmlns:r="http://schemas.openxmlformats.org/officeDocument/2006/relationships" xmlns:p="http://schemas.openxmlformats.org/presentationml/2006/main">
-  <p:cSld>
-    <p:spTree>
-      <p:nvGrpSpPr>
-        <p:cNvPr id="1" name=""/>
-        <p:cNvGrpSpPr/>
-        <p:nvPr/>
-      </p:nvGrpSpPr>
-      <p:grpSpPr>
-        <a:xfrm>
-          <a:off x="0" y="0"/>
-          <a:ext cx="0" cy="0"/>
-          <a:chOff x="0" y="0"/>
-          <a:chExt cx="0" cy="0"/>
-        </a:xfrm>
-      </p:grpSpPr>
-      <p:sp>
-        <p:nvSpPr>
-          <p:cNvPr id="2" name="Folienbildplatzhalter 1"/>
-          <p:cNvSpPr>
-            <a:spLocks noGrp="1" noRot="1" noChangeAspect="1"/>
-          </p:cNvSpPr>
-          <p:nvPr>
-            <p:ph type="sldImg"/>
-          </p:nvPr>
-        </p:nvSpPr>
-        <p:spPr/>
-      </p:sp>
-      <p:sp>
-        <p:nvSpPr>
-          <p:cNvPr id="3" name="Notizenplatzhalter 2"/>
-          <p:cNvSpPr>
-            <a:spLocks noGrp="1"/>
-          </p:cNvSpPr>
-          <p:nvPr>
-            <p:ph type="body" idx="1"/>
-          </p:nvPr>
-        </p:nvSpPr>
-        <p:spPr/>
-        <p:txBody>
-          <a:bodyPr/>
-          <a:lstStyle/>
-          <a:p>
-            <a:endParaRPr lang="de-DE" dirty="0"/>
-          </a:p>
-        </p:txBody>
-      </p:sp>
-      <p:sp>
-        <p:nvSpPr>
-          <p:cNvPr id="4" name="Foliennummernplatzhalter 3"/>
-          <p:cNvSpPr>
-            <a:spLocks noGrp="1"/>
-          </p:cNvSpPr>
-          <p:nvPr>
-            <p:ph type="sldNum" sz="quarter" idx="5"/>
-          </p:nvPr>
-        </p:nvSpPr>
-        <p:spPr/>
-        <p:txBody>
-          <a:bodyPr/>
-          <a:lstStyle/>
-          <a:p>
-            <a:fld id="{B21766F1-F53B-466F-9EE6-EF041DF14708}" type="slidenum">
-              <a:rPr lang="de-DE" smtClean="0"/>
-              <a:t>18</a:t>
-            </a:fld>
-            <a:endParaRPr lang="de-DE"/>
-          </a:p>
-        </p:txBody>
-      </p:sp>
-    </p:spTree>
-    <p:extLst>
-      <p:ext uri="{BB962C8B-B14F-4D97-AF65-F5344CB8AC3E}">
-        <p14:creationId xmlns:p14="http://schemas.microsoft.com/office/powerpoint/2010/main" val="2724149698"/>
-      </p:ext>
-    </p:extLst>
-  </p:cSld>
-  <p:clrMapOvr>
-    <a:masterClrMapping/>
-  </p:clrMapOvr>
-</p:notes>
-</file>
-
-<file path=ppt/notesSlides/notesSlide16.xml><?xml version="1.0" encoding="utf-8"?>
-<p:notes xmlns:a="http://schemas.openxmlformats.org/drawingml/2006/main" xmlns:r="http://schemas.openxmlformats.org/officeDocument/2006/relationships" xmlns:p="http://schemas.openxmlformats.org/presentationml/2006/main">
-  <p:cSld>
-    <p:spTree>
-      <p:nvGrpSpPr>
-        <p:cNvPr id="1" name=""/>
-        <p:cNvGrpSpPr/>
-        <p:nvPr/>
-      </p:nvGrpSpPr>
-      <p:grpSpPr>
-        <a:xfrm>
-          <a:off x="0" y="0"/>
-          <a:ext cx="0" cy="0"/>
-          <a:chOff x="0" y="0"/>
-          <a:chExt cx="0" cy="0"/>
-        </a:xfrm>
-      </p:grpSpPr>
-      <p:sp>
-        <p:nvSpPr>
-          <p:cNvPr id="2" name="Folienbildplatzhalter 1"/>
-          <p:cNvSpPr>
-            <a:spLocks noGrp="1" noRot="1" noChangeAspect="1"/>
-          </p:cNvSpPr>
-          <p:nvPr>
-            <p:ph type="sldImg"/>
-          </p:nvPr>
-        </p:nvSpPr>
-        <p:spPr/>
-      </p:sp>
-      <p:sp>
-        <p:nvSpPr>
-          <p:cNvPr id="3" name="Notizenplatzhalter 2"/>
-          <p:cNvSpPr>
-            <a:spLocks noGrp="1"/>
-          </p:cNvSpPr>
-          <p:nvPr>
-            <p:ph type="body" idx="1"/>
-          </p:nvPr>
-        </p:nvSpPr>
-        <p:spPr/>
-        <p:txBody>
-          <a:bodyPr/>
-          <a:lstStyle/>
-          <a:p>
-            <a:endParaRPr lang="de-DE" dirty="0"/>
-          </a:p>
-        </p:txBody>
-      </p:sp>
-      <p:sp>
-        <p:nvSpPr>
-          <p:cNvPr id="4" name="Foliennummernplatzhalter 3"/>
-          <p:cNvSpPr>
-            <a:spLocks noGrp="1"/>
-          </p:cNvSpPr>
-          <p:nvPr>
-            <p:ph type="sldNum" sz="quarter" idx="5"/>
-          </p:nvPr>
-        </p:nvSpPr>
-        <p:spPr/>
-        <p:txBody>
-          <a:bodyPr/>
-          <a:lstStyle/>
-          <a:p>
-            <a:fld id="{B21766F1-F53B-466F-9EE6-EF041DF14708}" type="slidenum">
-              <a:rPr lang="de-DE" smtClean="0"/>
-              <a:t>19</a:t>
             </a:fld>
             <a:endParaRPr lang="de-DE"/>
           </a:p>
@@ -1244,7 +902,7 @@
           <a:p>
             <a:fld id="{B21766F1-F53B-466F-9EE6-EF041DF14708}" type="slidenum">
               <a:rPr lang="de-DE" smtClean="0"/>
-              <a:t>4</a:t>
+              <a:t>3</a:t>
             </a:fld>
             <a:endParaRPr lang="de-DE"/>
           </a:p>
@@ -1643,16 +1301,7 @@
           <a:bodyPr/>
           <a:lstStyle/>
           <a:p>
-            <a:r>
-              <a:rPr lang="de-DE" dirty="0"/>
-              <a:t>Wir können nicht ein komplett zirkuläres Genom fehlerfrei sequenzieren</a:t>
-            </a:r>
-          </a:p>
-          <a:p>
-            <a:r>
-              <a:rPr lang="de-DE" dirty="0"/>
-              <a:t>Alternative PCR</a:t>
-            </a:r>
+            <a:endParaRPr lang="de-DE" dirty="0"/>
           </a:p>
         </p:txBody>
       </p:sp>
@@ -2018,7 +1667,7 @@
             <a:fld id="{7332F416-639E-497D-B5FD-696A85E596F7}" type="datetimeFigureOut">
               <a:rPr lang="de-DE" smtClean="0"/>
               <a:pPr/>
-              <a:t>17.06.2020</a:t>
+              <a:t>30.06.2020</a:t>
             </a:fld>
             <a:endParaRPr lang="de-DE"/>
           </a:p>
@@ -2229,7 +1878,7 @@
           <a:p>
             <a:fld id="{7332F416-639E-497D-B5FD-696A85E596F7}" type="datetimeFigureOut">
               <a:rPr lang="de-DE" smtClean="0"/>
-              <a:t>17.06.2020</a:t>
+              <a:t>30.06.2020</a:t>
             </a:fld>
             <a:endParaRPr lang="de-DE"/>
           </a:p>
@@ -2437,7 +2086,7 @@
           <a:p>
             <a:fld id="{7332F416-639E-497D-B5FD-696A85E596F7}" type="datetimeFigureOut">
               <a:rPr lang="de-DE" smtClean="0"/>
-              <a:t>17.06.2020</a:t>
+              <a:t>30.06.2020</a:t>
             </a:fld>
             <a:endParaRPr lang="de-DE"/>
           </a:p>
@@ -2674,7 +2323,7 @@
             <a:fld id="{7332F416-639E-497D-B5FD-696A85E596F7}" type="datetimeFigureOut">
               <a:rPr lang="de-DE" smtClean="0"/>
               <a:pPr/>
-              <a:t>17.06.2020</a:t>
+              <a:t>30.06.2020</a:t>
             </a:fld>
             <a:endParaRPr lang="de-DE"/>
           </a:p>
@@ -2962,7 +2611,7 @@
           <a:p>
             <a:fld id="{7332F416-639E-497D-B5FD-696A85E596F7}" type="datetimeFigureOut">
               <a:rPr lang="de-DE" smtClean="0"/>
-              <a:t>17.06.2020</a:t>
+              <a:t>30.06.2020</a:t>
             </a:fld>
             <a:endParaRPr lang="de-DE"/>
           </a:p>
@@ -3227,7 +2876,7 @@
           <a:p>
             <a:fld id="{7332F416-639E-497D-B5FD-696A85E596F7}" type="datetimeFigureOut">
               <a:rPr lang="de-DE" smtClean="0"/>
-              <a:t>17.06.2020</a:t>
+              <a:t>30.06.2020</a:t>
             </a:fld>
             <a:endParaRPr lang="de-DE"/>
           </a:p>
@@ -3639,7 +3288,7 @@
           <a:p>
             <a:fld id="{7332F416-639E-497D-B5FD-696A85E596F7}" type="datetimeFigureOut">
               <a:rPr lang="de-DE" smtClean="0"/>
-              <a:t>17.06.2020</a:t>
+              <a:t>30.06.2020</a:t>
             </a:fld>
             <a:endParaRPr lang="de-DE"/>
           </a:p>
@@ -3780,7 +3429,7 @@
           <a:p>
             <a:fld id="{7332F416-639E-497D-B5FD-696A85E596F7}" type="datetimeFigureOut">
               <a:rPr lang="de-DE" smtClean="0"/>
-              <a:t>17.06.2020</a:t>
+              <a:t>30.06.2020</a:t>
             </a:fld>
             <a:endParaRPr lang="de-DE"/>
           </a:p>
@@ -3893,7 +3542,7 @@
           <a:p>
             <a:fld id="{7332F416-639E-497D-B5FD-696A85E596F7}" type="datetimeFigureOut">
               <a:rPr lang="de-DE" smtClean="0"/>
-              <a:t>17.06.2020</a:t>
+              <a:t>30.06.2020</a:t>
             </a:fld>
             <a:endParaRPr lang="de-DE"/>
           </a:p>
@@ -4204,7 +3853,7 @@
           <a:p>
             <a:fld id="{7332F416-639E-497D-B5FD-696A85E596F7}" type="datetimeFigureOut">
               <a:rPr lang="de-DE" smtClean="0"/>
-              <a:t>17.06.2020</a:t>
+              <a:t>30.06.2020</a:t>
             </a:fld>
             <a:endParaRPr lang="de-DE"/>
           </a:p>
@@ -4492,7 +4141,7 @@
           <a:p>
             <a:fld id="{7332F416-639E-497D-B5FD-696A85E596F7}" type="datetimeFigureOut">
               <a:rPr lang="de-DE" smtClean="0"/>
-              <a:t>17.06.2020</a:t>
+              <a:t>30.06.2020</a:t>
             </a:fld>
             <a:endParaRPr lang="de-DE"/>
           </a:p>
@@ -4733,7 +4382,7 @@
           <a:p>
             <a:fld id="{7332F416-639E-497D-B5FD-696A85E596F7}" type="datetimeFigureOut">
               <a:rPr lang="de-DE" smtClean="0"/>
-              <a:t>17.06.2020</a:t>
+              <a:t>30.06.2020</a:t>
             </a:fld>
             <a:endParaRPr lang="de-DE"/>
           </a:p>
@@ -5262,891 +4911,10 @@
       </p:grpSpPr>
       <p:sp>
         <p:nvSpPr>
-          <p:cNvPr id="2" name="Titel 1">
+          <p:cNvPr id="19" name="Textfeld 18">
             <a:extLst>
               <a:ext uri="{FF2B5EF4-FFF2-40B4-BE49-F238E27FC236}">
-                <a16:creationId xmlns:a16="http://schemas.microsoft.com/office/drawing/2014/main" id="{48CE88C7-DF8C-431E-8EBD-4C3F7AA0E7D2}"/>
-              </a:ext>
-            </a:extLst>
-          </p:cNvPr>
-          <p:cNvSpPr>
-            <a:spLocks noGrp="1"/>
-          </p:cNvSpPr>
-          <p:nvPr>
-            <p:ph type="title"/>
-          </p:nvPr>
-        </p:nvSpPr>
-        <p:spPr/>
-        <p:txBody>
-          <a:bodyPr>
-            <a:normAutofit/>
-          </a:bodyPr>
-          <a:lstStyle/>
-          <a:p>
-            <a:r>
-              <a:rPr lang="de-DE" sz="4000" dirty="0"/>
-              <a:t>2. Sequenzierung</a:t>
-            </a:r>
-          </a:p>
-        </p:txBody>
-      </p:sp>
-      <p:grpSp>
-        <p:nvGrpSpPr>
-          <p:cNvPr id="59" name="Gruppieren 58">
-            <a:extLst>
-              <a:ext uri="{FF2B5EF4-FFF2-40B4-BE49-F238E27FC236}">
-                <a16:creationId xmlns:a16="http://schemas.microsoft.com/office/drawing/2014/main" id="{F49225F3-A646-4356-A4F9-866F664BDBDD}"/>
-              </a:ext>
-            </a:extLst>
-          </p:cNvPr>
-          <p:cNvGrpSpPr/>
-          <p:nvPr/>
-        </p:nvGrpSpPr>
-        <p:grpSpPr>
-          <a:xfrm>
-            <a:off x="4979352" y="4404605"/>
-            <a:ext cx="2165547" cy="866023"/>
-            <a:chOff x="4393094" y="4085357"/>
-            <a:chExt cx="2165547" cy="866023"/>
-          </a:xfrm>
-        </p:grpSpPr>
-        <p:cxnSp>
-          <p:nvCxnSpPr>
-            <p:cNvPr id="28" name="Gerader Verbinder 27">
-              <a:extLst>
-                <a:ext uri="{FF2B5EF4-FFF2-40B4-BE49-F238E27FC236}">
-                  <a16:creationId xmlns:a16="http://schemas.microsoft.com/office/drawing/2014/main" id="{AF3337F2-8DE0-4131-BA52-D9EDA06ABF50}"/>
-                </a:ext>
-              </a:extLst>
-            </p:cNvPr>
-            <p:cNvCxnSpPr/>
-            <p:nvPr/>
-          </p:nvCxnSpPr>
-          <p:spPr>
-            <a:xfrm>
-              <a:off x="5046686" y="4085357"/>
-              <a:ext cx="697584" cy="0"/>
-            </a:xfrm>
-            <a:prstGeom prst="line">
-              <a:avLst/>
-            </a:prstGeom>
-            <a:ln w="50800">
-              <a:solidFill>
-                <a:srgbClr val="2F528F"/>
-              </a:solidFill>
-            </a:ln>
-          </p:spPr>
-          <p:style>
-            <a:lnRef idx="1">
-              <a:schemeClr val="accent1"/>
-            </a:lnRef>
-            <a:fillRef idx="0">
-              <a:schemeClr val="accent1"/>
-            </a:fillRef>
-            <a:effectRef idx="0">
-              <a:schemeClr val="accent1"/>
-            </a:effectRef>
-            <a:fontRef idx="minor">
-              <a:schemeClr val="tx1"/>
-            </a:fontRef>
-          </p:style>
-        </p:cxnSp>
-        <p:cxnSp>
-          <p:nvCxnSpPr>
-            <p:cNvPr id="29" name="Gerader Verbinder 28">
-              <a:extLst>
-                <a:ext uri="{FF2B5EF4-FFF2-40B4-BE49-F238E27FC236}">
-                  <a16:creationId xmlns:a16="http://schemas.microsoft.com/office/drawing/2014/main" id="{D24EA584-930E-41FA-B313-3656BF5FC979}"/>
-                </a:ext>
-              </a:extLst>
-            </p:cNvPr>
-            <p:cNvCxnSpPr/>
-            <p:nvPr/>
-          </p:nvCxnSpPr>
-          <p:spPr>
-            <a:xfrm>
-              <a:off x="5556257" y="4334477"/>
-              <a:ext cx="697584" cy="0"/>
-            </a:xfrm>
-            <a:prstGeom prst="line">
-              <a:avLst/>
-            </a:prstGeom>
-            <a:ln w="50800">
-              <a:solidFill>
-                <a:srgbClr val="2F528F"/>
-              </a:solidFill>
-            </a:ln>
-          </p:spPr>
-          <p:style>
-            <a:lnRef idx="1">
-              <a:schemeClr val="accent1"/>
-            </a:lnRef>
-            <a:fillRef idx="0">
-              <a:schemeClr val="accent1"/>
-            </a:fillRef>
-            <a:effectRef idx="0">
-              <a:schemeClr val="accent1"/>
-            </a:effectRef>
-            <a:fontRef idx="minor">
-              <a:schemeClr val="tx1"/>
-            </a:fontRef>
-          </p:style>
-        </p:cxnSp>
-        <p:cxnSp>
-          <p:nvCxnSpPr>
-            <p:cNvPr id="30" name="Gerader Verbinder 29">
-              <a:extLst>
-                <a:ext uri="{FF2B5EF4-FFF2-40B4-BE49-F238E27FC236}">
-                  <a16:creationId xmlns:a16="http://schemas.microsoft.com/office/drawing/2014/main" id="{1A2AF922-5CCD-4C9F-9C95-3D2029C7C62B}"/>
-                </a:ext>
-              </a:extLst>
-            </p:cNvPr>
-            <p:cNvCxnSpPr>
-              <a:cxnSpLocks/>
-            </p:cNvCxnSpPr>
-            <p:nvPr/>
-          </p:nvCxnSpPr>
-          <p:spPr>
-            <a:xfrm>
-              <a:off x="4393094" y="4417517"/>
-              <a:ext cx="1002384" cy="0"/>
-            </a:xfrm>
-            <a:prstGeom prst="line">
-              <a:avLst/>
-            </a:prstGeom>
-            <a:ln w="50800">
-              <a:solidFill>
-                <a:srgbClr val="2F528F"/>
-              </a:solidFill>
-            </a:ln>
-          </p:spPr>
-          <p:style>
-            <a:lnRef idx="1">
-              <a:schemeClr val="accent1"/>
-            </a:lnRef>
-            <a:fillRef idx="0">
-              <a:schemeClr val="accent1"/>
-            </a:fillRef>
-            <a:effectRef idx="0">
-              <a:schemeClr val="accent1"/>
-            </a:effectRef>
-            <a:fontRef idx="minor">
-              <a:schemeClr val="tx1"/>
-            </a:fontRef>
-          </p:style>
-        </p:cxnSp>
-        <p:cxnSp>
-          <p:nvCxnSpPr>
-            <p:cNvPr id="31" name="Gerader Verbinder 30">
-              <a:extLst>
-                <a:ext uri="{FF2B5EF4-FFF2-40B4-BE49-F238E27FC236}">
-                  <a16:creationId xmlns:a16="http://schemas.microsoft.com/office/drawing/2014/main" id="{9653171C-34C3-4655-959F-E8E9549351AF}"/>
-                </a:ext>
-              </a:extLst>
-            </p:cNvPr>
-            <p:cNvCxnSpPr>
-              <a:cxnSpLocks/>
-            </p:cNvCxnSpPr>
-            <p:nvPr/>
-          </p:nvCxnSpPr>
-          <p:spPr>
-            <a:xfrm>
-              <a:off x="5180622" y="4694389"/>
-              <a:ext cx="550421" cy="0"/>
-            </a:xfrm>
-            <a:prstGeom prst="line">
-              <a:avLst/>
-            </a:prstGeom>
-            <a:ln w="50800">
-              <a:solidFill>
-                <a:srgbClr val="2F528F"/>
-              </a:solidFill>
-            </a:ln>
-          </p:spPr>
-          <p:style>
-            <a:lnRef idx="1">
-              <a:schemeClr val="accent1"/>
-            </a:lnRef>
-            <a:fillRef idx="0">
-              <a:schemeClr val="accent1"/>
-            </a:fillRef>
-            <a:effectRef idx="0">
-              <a:schemeClr val="accent1"/>
-            </a:effectRef>
-            <a:fontRef idx="minor">
-              <a:schemeClr val="tx1"/>
-            </a:fontRef>
-          </p:style>
-        </p:cxnSp>
-        <p:cxnSp>
-          <p:nvCxnSpPr>
-            <p:cNvPr id="32" name="Gerader Verbinder 31">
-              <a:extLst>
-                <a:ext uri="{FF2B5EF4-FFF2-40B4-BE49-F238E27FC236}">
-                  <a16:creationId xmlns:a16="http://schemas.microsoft.com/office/drawing/2014/main" id="{2B35AAB4-F44B-4FEA-92AA-E84700874E9E}"/>
-                </a:ext>
-              </a:extLst>
-            </p:cNvPr>
-            <p:cNvCxnSpPr/>
-            <p:nvPr/>
-          </p:nvCxnSpPr>
-          <p:spPr>
-            <a:xfrm>
-              <a:off x="4758249" y="4199978"/>
-              <a:ext cx="697584" cy="0"/>
-            </a:xfrm>
-            <a:prstGeom prst="line">
-              <a:avLst/>
-            </a:prstGeom>
-            <a:ln w="50800">
-              <a:solidFill>
-                <a:srgbClr val="70AD47"/>
-              </a:solidFill>
-            </a:ln>
-          </p:spPr>
-          <p:style>
-            <a:lnRef idx="1">
-              <a:schemeClr val="accent1"/>
-            </a:lnRef>
-            <a:fillRef idx="0">
-              <a:schemeClr val="accent1"/>
-            </a:fillRef>
-            <a:effectRef idx="0">
-              <a:schemeClr val="accent1"/>
-            </a:effectRef>
-            <a:fontRef idx="minor">
-              <a:schemeClr val="tx1"/>
-            </a:fontRef>
-          </p:style>
-        </p:cxnSp>
-        <p:cxnSp>
-          <p:nvCxnSpPr>
-            <p:cNvPr id="33" name="Gerader Verbinder 32">
-              <a:extLst>
-                <a:ext uri="{FF2B5EF4-FFF2-40B4-BE49-F238E27FC236}">
-                  <a16:creationId xmlns:a16="http://schemas.microsoft.com/office/drawing/2014/main" id="{5CCB7938-954C-4E4F-913C-116223455ADB}"/>
-                </a:ext>
-              </a:extLst>
-            </p:cNvPr>
-            <p:cNvCxnSpPr>
-              <a:cxnSpLocks/>
-            </p:cNvCxnSpPr>
-            <p:nvPr/>
-          </p:nvCxnSpPr>
-          <p:spPr>
-            <a:xfrm>
-              <a:off x="4845574" y="4951380"/>
-              <a:ext cx="476053" cy="0"/>
-            </a:xfrm>
-            <a:prstGeom prst="line">
-              <a:avLst/>
-            </a:prstGeom>
-            <a:ln w="50800">
-              <a:solidFill>
-                <a:srgbClr val="70AD47"/>
-              </a:solidFill>
-            </a:ln>
-          </p:spPr>
-          <p:style>
-            <a:lnRef idx="1">
-              <a:schemeClr val="accent1"/>
-            </a:lnRef>
-            <a:fillRef idx="0">
-              <a:schemeClr val="accent1"/>
-            </a:fillRef>
-            <a:effectRef idx="0">
-              <a:schemeClr val="accent1"/>
-            </a:effectRef>
-            <a:fontRef idx="minor">
-              <a:schemeClr val="tx1"/>
-            </a:fontRef>
-          </p:style>
-        </p:cxnSp>
-        <p:cxnSp>
-          <p:nvCxnSpPr>
-            <p:cNvPr id="34" name="Gerader Verbinder 33">
-              <a:extLst>
-                <a:ext uri="{FF2B5EF4-FFF2-40B4-BE49-F238E27FC236}">
-                  <a16:creationId xmlns:a16="http://schemas.microsoft.com/office/drawing/2014/main" id="{40ACCC26-8DB7-4FF9-966A-BA8FC2A746DE}"/>
-                </a:ext>
-              </a:extLst>
-            </p:cNvPr>
-            <p:cNvCxnSpPr>
-              <a:cxnSpLocks/>
-            </p:cNvCxnSpPr>
-            <p:nvPr/>
-          </p:nvCxnSpPr>
-          <p:spPr>
-            <a:xfrm>
-              <a:off x="4582409" y="4829583"/>
-              <a:ext cx="1002384" cy="0"/>
-            </a:xfrm>
-            <a:prstGeom prst="line">
-              <a:avLst/>
-            </a:prstGeom>
-            <a:ln w="50800">
-              <a:solidFill>
-                <a:srgbClr val="70AD47"/>
-              </a:solidFill>
-            </a:ln>
-          </p:spPr>
-          <p:style>
-            <a:lnRef idx="1">
-              <a:schemeClr val="accent1"/>
-            </a:lnRef>
-            <a:fillRef idx="0">
-              <a:schemeClr val="accent1"/>
-            </a:fillRef>
-            <a:effectRef idx="0">
-              <a:schemeClr val="accent1"/>
-            </a:effectRef>
-            <a:fontRef idx="minor">
-              <a:schemeClr val="tx1"/>
-            </a:fontRef>
-          </p:style>
-        </p:cxnSp>
-        <p:cxnSp>
-          <p:nvCxnSpPr>
-            <p:cNvPr id="35" name="Gerader Verbinder 34">
-              <a:extLst>
-                <a:ext uri="{FF2B5EF4-FFF2-40B4-BE49-F238E27FC236}">
-                  <a16:creationId xmlns:a16="http://schemas.microsoft.com/office/drawing/2014/main" id="{894B16CA-4899-4D0E-848B-13657F431579}"/>
-                </a:ext>
-              </a:extLst>
-            </p:cNvPr>
-            <p:cNvCxnSpPr/>
-            <p:nvPr/>
-          </p:nvCxnSpPr>
-          <p:spPr>
-            <a:xfrm>
-              <a:off x="4697894" y="4563526"/>
-              <a:ext cx="697584" cy="0"/>
-            </a:xfrm>
-            <a:prstGeom prst="line">
-              <a:avLst/>
-            </a:prstGeom>
-            <a:ln w="50800">
-              <a:solidFill>
-                <a:srgbClr val="ED7D31"/>
-              </a:solidFill>
-            </a:ln>
-          </p:spPr>
-          <p:style>
-            <a:lnRef idx="1">
-              <a:schemeClr val="accent1"/>
-            </a:lnRef>
-            <a:fillRef idx="0">
-              <a:schemeClr val="accent1"/>
-            </a:fillRef>
-            <a:effectRef idx="0">
-              <a:schemeClr val="accent1"/>
-            </a:effectRef>
-            <a:fontRef idx="minor">
-              <a:schemeClr val="tx1"/>
-            </a:fontRef>
-          </p:style>
-        </p:cxnSp>
-        <p:cxnSp>
-          <p:nvCxnSpPr>
-            <p:cNvPr id="36" name="Gerader Verbinder 35">
-              <a:extLst>
-                <a:ext uri="{FF2B5EF4-FFF2-40B4-BE49-F238E27FC236}">
-                  <a16:creationId xmlns:a16="http://schemas.microsoft.com/office/drawing/2014/main" id="{8718DE6F-7E5D-4630-9205-038046EABE5D}"/>
-                </a:ext>
-              </a:extLst>
-            </p:cNvPr>
-            <p:cNvCxnSpPr>
-              <a:cxnSpLocks/>
-            </p:cNvCxnSpPr>
-            <p:nvPr/>
-          </p:nvCxnSpPr>
-          <p:spPr>
-            <a:xfrm>
-              <a:off x="5556257" y="4199978"/>
-              <a:ext cx="1002384" cy="0"/>
-            </a:xfrm>
-            <a:prstGeom prst="line">
-              <a:avLst/>
-            </a:prstGeom>
-            <a:ln w="50800">
-              <a:solidFill>
-                <a:srgbClr val="ED7D31"/>
-              </a:solidFill>
-            </a:ln>
-          </p:spPr>
-          <p:style>
-            <a:lnRef idx="1">
-              <a:schemeClr val="accent1"/>
-            </a:lnRef>
-            <a:fillRef idx="0">
-              <a:schemeClr val="accent1"/>
-            </a:fillRef>
-            <a:effectRef idx="0">
-              <a:schemeClr val="accent1"/>
-            </a:effectRef>
-            <a:fontRef idx="minor">
-              <a:schemeClr val="tx1"/>
-            </a:fontRef>
-          </p:style>
-        </p:cxnSp>
-      </p:grpSp>
-      <p:sp>
-        <p:nvSpPr>
-          <p:cNvPr id="38" name="Inhaltsplatzhalter 2">
-            <a:extLst>
-              <a:ext uri="{FF2B5EF4-FFF2-40B4-BE49-F238E27FC236}">
-                <a16:creationId xmlns:a16="http://schemas.microsoft.com/office/drawing/2014/main" id="{BD2B543B-6697-4540-A630-D079756774E3}"/>
-              </a:ext>
-            </a:extLst>
-          </p:cNvPr>
-          <p:cNvSpPr>
-            <a:spLocks noGrp="1"/>
-          </p:cNvSpPr>
-          <p:nvPr>
-            <p:ph idx="1"/>
-          </p:nvPr>
-        </p:nvSpPr>
-        <p:spPr>
-          <a:xfrm>
-            <a:off x="838200" y="1851907"/>
-            <a:ext cx="10515600" cy="1523609"/>
-          </a:xfrm>
-        </p:spPr>
-        <p:txBody>
-          <a:bodyPr>
-            <a:normAutofit/>
-          </a:bodyPr>
-          <a:lstStyle/>
-          <a:p>
-            <a:r>
-              <a:rPr lang="de-DE" sz="2400" dirty="0"/>
-              <a:t>Der Prozess der DNA-Extraktion führt zu einer Fragmentierung der DNA</a:t>
-            </a:r>
-          </a:p>
-          <a:p>
-            <a:r>
-              <a:rPr lang="de-DE" sz="2400" dirty="0"/>
-              <a:t>DNA-Sequenzierung ist nicht fehlerfrei</a:t>
-            </a:r>
-          </a:p>
-          <a:p>
-            <a:r>
-              <a:rPr lang="de-DE" sz="2400" dirty="0"/>
-              <a:t>Lösung: das Pathogen-Genom wird mehrfach sequenziert</a:t>
-            </a:r>
-          </a:p>
-        </p:txBody>
-      </p:sp>
-      <p:grpSp>
-        <p:nvGrpSpPr>
-          <p:cNvPr id="63" name="Gruppieren 62">
-            <a:extLst>
-              <a:ext uri="{FF2B5EF4-FFF2-40B4-BE49-F238E27FC236}">
-                <a16:creationId xmlns:a16="http://schemas.microsoft.com/office/drawing/2014/main" id="{EC473F65-2181-4F75-A50A-A70250FE1C90}"/>
-              </a:ext>
-            </a:extLst>
-          </p:cNvPr>
-          <p:cNvGrpSpPr/>
-          <p:nvPr/>
-        </p:nvGrpSpPr>
-        <p:grpSpPr>
-          <a:xfrm>
-            <a:off x="862204" y="4380514"/>
-            <a:ext cx="2459741" cy="914204"/>
-            <a:chOff x="304267" y="4026694"/>
-            <a:chExt cx="2459741" cy="914204"/>
-          </a:xfrm>
-        </p:grpSpPr>
-        <p:grpSp>
-          <p:nvGrpSpPr>
-            <p:cNvPr id="49" name="Gruppieren 48">
-              <a:extLst>
-                <a:ext uri="{FF2B5EF4-FFF2-40B4-BE49-F238E27FC236}">
-                  <a16:creationId xmlns:a16="http://schemas.microsoft.com/office/drawing/2014/main" id="{08175D12-3699-4F5D-8140-2C52F5E1BBE5}"/>
-                </a:ext>
-              </a:extLst>
-            </p:cNvPr>
-            <p:cNvGrpSpPr/>
-            <p:nvPr/>
-          </p:nvGrpSpPr>
-          <p:grpSpPr>
-            <a:xfrm rot="1261647" flipV="1">
-              <a:off x="304267" y="4026694"/>
-              <a:ext cx="1226593" cy="371415"/>
-              <a:chOff x="1192202" y="2818318"/>
-              <a:chExt cx="1988577" cy="602145"/>
-            </a:xfrm>
-          </p:grpSpPr>
-          <p:sp>
-            <p:nvSpPr>
-              <p:cNvPr id="48" name="Rechteck: abgerundete Ecken 47">
-                <a:extLst>
-                  <a:ext uri="{FF2B5EF4-FFF2-40B4-BE49-F238E27FC236}">
-                    <a16:creationId xmlns:a16="http://schemas.microsoft.com/office/drawing/2014/main" id="{812DCFB4-1EFA-4653-A28A-14F35A625969}"/>
-                  </a:ext>
-                </a:extLst>
-              </p:cNvPr>
-              <p:cNvSpPr/>
-              <p:nvPr/>
-            </p:nvSpPr>
-            <p:spPr>
-              <a:xfrm>
-                <a:off x="1192202" y="2818318"/>
-                <a:ext cx="1988577" cy="602145"/>
-              </a:xfrm>
-              <a:prstGeom prst="roundRect">
-                <a:avLst>
-                  <a:gd name="adj" fmla="val 40102"/>
-                </a:avLst>
-              </a:prstGeom>
-              <a:solidFill>
-                <a:schemeClr val="bg1">
-                  <a:lumMod val="85000"/>
-                </a:schemeClr>
-              </a:solidFill>
-              <a:ln>
-                <a:noFill/>
-              </a:ln>
-            </p:spPr>
-            <p:style>
-              <a:lnRef idx="2">
-                <a:schemeClr val="accent1">
-                  <a:shade val="50000"/>
-                </a:schemeClr>
-              </a:lnRef>
-              <a:fillRef idx="1">
-                <a:schemeClr val="accent1"/>
-              </a:fillRef>
-              <a:effectRef idx="0">
-                <a:schemeClr val="accent1"/>
-              </a:effectRef>
-              <a:fontRef idx="minor">
-                <a:schemeClr val="lt1"/>
-              </a:fontRef>
-            </p:style>
-            <p:txBody>
-              <a:bodyPr rtlCol="0" anchor="ctr"/>
-              <a:lstStyle/>
-              <a:p>
-                <a:pPr algn="ctr"/>
-                <a:endParaRPr lang="de-DE"/>
-              </a:p>
-            </p:txBody>
-          </p:sp>
-          <p:sp>
-            <p:nvSpPr>
-              <p:cNvPr id="26" name="Oval 8">
-                <a:extLst>
-                  <a:ext uri="{FF2B5EF4-FFF2-40B4-BE49-F238E27FC236}">
-                    <a16:creationId xmlns:a16="http://schemas.microsoft.com/office/drawing/2014/main" id="{08BC0D97-1234-4260-BCE3-3081F12E83F5}"/>
-                  </a:ext>
-                </a:extLst>
-              </p:cNvPr>
-              <p:cNvSpPr/>
-              <p:nvPr/>
-            </p:nvSpPr>
-            <p:spPr>
-              <a:xfrm>
-                <a:off x="1656995" y="2868432"/>
-                <a:ext cx="488246" cy="488246"/>
-              </a:xfrm>
-              <a:prstGeom prst="ellipse">
-                <a:avLst/>
-              </a:prstGeom>
-              <a:noFill/>
-              <a:ln w="47625">
-                <a:solidFill>
-                  <a:schemeClr val="accent2"/>
-                </a:solidFill>
-              </a:ln>
-            </p:spPr>
-            <p:style>
-              <a:lnRef idx="2">
-                <a:schemeClr val="accent1">
-                  <a:shade val="50000"/>
-                </a:schemeClr>
-              </a:lnRef>
-              <a:fillRef idx="1">
-                <a:schemeClr val="accent1"/>
-              </a:fillRef>
-              <a:effectRef idx="0">
-                <a:schemeClr val="accent1"/>
-              </a:effectRef>
-              <a:fontRef idx="minor">
-                <a:schemeClr val="lt1"/>
-              </a:fontRef>
-            </p:style>
-            <p:txBody>
-              <a:bodyPr rtlCol="0" anchor="ctr"/>
-              <a:lstStyle/>
-              <a:p>
-                <a:pPr algn="ctr"/>
-                <a:endParaRPr lang="en-US"/>
-              </a:p>
-            </p:txBody>
-          </p:sp>
-        </p:grpSp>
-        <p:grpSp>
-          <p:nvGrpSpPr>
-            <p:cNvPr id="46" name="Gruppieren 45">
-              <a:extLst>
-                <a:ext uri="{FF2B5EF4-FFF2-40B4-BE49-F238E27FC236}">
-                  <a16:creationId xmlns:a16="http://schemas.microsoft.com/office/drawing/2014/main" id="{F5008444-9973-4929-BD37-A9B51F2A0A46}"/>
-                </a:ext>
-              </a:extLst>
-            </p:cNvPr>
-            <p:cNvGrpSpPr/>
-            <p:nvPr/>
-          </p:nvGrpSpPr>
-          <p:grpSpPr>
-            <a:xfrm flipV="1">
-              <a:off x="641105" y="4569483"/>
-              <a:ext cx="1226593" cy="371415"/>
-              <a:chOff x="1247867" y="4345525"/>
-              <a:chExt cx="1988577" cy="602145"/>
-            </a:xfrm>
-          </p:grpSpPr>
-          <p:sp>
-            <p:nvSpPr>
-              <p:cNvPr id="44" name="Rechteck: abgerundete Ecken 43">
-                <a:extLst>
-                  <a:ext uri="{FF2B5EF4-FFF2-40B4-BE49-F238E27FC236}">
-                    <a16:creationId xmlns:a16="http://schemas.microsoft.com/office/drawing/2014/main" id="{60899B00-65C6-4499-A872-4687082649BC}"/>
-                  </a:ext>
-                </a:extLst>
-              </p:cNvPr>
-              <p:cNvSpPr/>
-              <p:nvPr/>
-            </p:nvSpPr>
-            <p:spPr>
-              <a:xfrm>
-                <a:off x="1247867" y="4345525"/>
-                <a:ext cx="1988577" cy="602145"/>
-              </a:xfrm>
-              <a:prstGeom prst="roundRect">
-                <a:avLst>
-                  <a:gd name="adj" fmla="val 40102"/>
-                </a:avLst>
-              </a:prstGeom>
-              <a:solidFill>
-                <a:schemeClr val="bg1">
-                  <a:lumMod val="85000"/>
-                </a:schemeClr>
-              </a:solidFill>
-              <a:ln>
-                <a:noFill/>
-              </a:ln>
-            </p:spPr>
-            <p:style>
-              <a:lnRef idx="2">
-                <a:schemeClr val="accent1">
-                  <a:shade val="50000"/>
-                </a:schemeClr>
-              </a:lnRef>
-              <a:fillRef idx="1">
-                <a:schemeClr val="accent1"/>
-              </a:fillRef>
-              <a:effectRef idx="0">
-                <a:schemeClr val="accent1"/>
-              </a:effectRef>
-              <a:fontRef idx="minor">
-                <a:schemeClr val="lt1"/>
-              </a:fontRef>
-            </p:style>
-            <p:txBody>
-              <a:bodyPr rtlCol="0" anchor="ctr"/>
-              <a:lstStyle/>
-              <a:p>
-                <a:pPr algn="ctr"/>
-                <a:endParaRPr lang="de-DE"/>
-              </a:p>
-            </p:txBody>
-          </p:sp>
-          <p:sp>
-            <p:nvSpPr>
-              <p:cNvPr id="27" name="Oval 13">
-                <a:extLst>
-                  <a:ext uri="{FF2B5EF4-FFF2-40B4-BE49-F238E27FC236}">
-                    <a16:creationId xmlns:a16="http://schemas.microsoft.com/office/drawing/2014/main" id="{E9AEF865-1AEB-4EB1-8F5F-48ACBFF7D0A1}"/>
-                  </a:ext>
-                </a:extLst>
-              </p:cNvPr>
-              <p:cNvSpPr/>
-              <p:nvPr/>
-            </p:nvSpPr>
-            <p:spPr>
-              <a:xfrm>
-                <a:off x="1453877" y="4404406"/>
-                <a:ext cx="484382" cy="484382"/>
-              </a:xfrm>
-              <a:prstGeom prst="ellipse">
-                <a:avLst/>
-              </a:prstGeom>
-              <a:noFill/>
-              <a:ln w="47625">
-                <a:solidFill>
-                  <a:schemeClr val="accent6"/>
-                </a:solidFill>
-              </a:ln>
-            </p:spPr>
-            <p:style>
-              <a:lnRef idx="2">
-                <a:schemeClr val="accent1">
-                  <a:shade val="50000"/>
-                </a:schemeClr>
-              </a:lnRef>
-              <a:fillRef idx="1">
-                <a:schemeClr val="accent1"/>
-              </a:fillRef>
-              <a:effectRef idx="0">
-                <a:schemeClr val="accent1"/>
-              </a:effectRef>
-              <a:fontRef idx="minor">
-                <a:schemeClr val="lt1"/>
-              </a:fontRef>
-            </p:style>
-            <p:txBody>
-              <a:bodyPr rtlCol="0" anchor="ctr"/>
-              <a:lstStyle/>
-              <a:p>
-                <a:pPr algn="ctr"/>
-                <a:endParaRPr lang="en-US"/>
-              </a:p>
-            </p:txBody>
-          </p:sp>
-        </p:grpSp>
-        <p:grpSp>
-          <p:nvGrpSpPr>
-            <p:cNvPr id="45" name="Gruppieren 44">
-              <a:extLst>
-                <a:ext uri="{FF2B5EF4-FFF2-40B4-BE49-F238E27FC236}">
-                  <a16:creationId xmlns:a16="http://schemas.microsoft.com/office/drawing/2014/main" id="{FBEF8F8D-A5F2-46A4-A2E8-BEE0D7E7FCF3}"/>
-                </a:ext>
-              </a:extLst>
-            </p:cNvPr>
-            <p:cNvGrpSpPr/>
-            <p:nvPr/>
-          </p:nvGrpSpPr>
-          <p:grpSpPr>
-            <a:xfrm rot="20789516" flipV="1">
-              <a:off x="1537415" y="4059939"/>
-              <a:ext cx="1226593" cy="371415"/>
-              <a:chOff x="2859320" y="3892416"/>
-              <a:chExt cx="1988577" cy="602145"/>
-            </a:xfrm>
-          </p:grpSpPr>
-          <p:sp>
-            <p:nvSpPr>
-              <p:cNvPr id="42" name="Rechteck: abgerundete Ecken 41">
-                <a:extLst>
-                  <a:ext uri="{FF2B5EF4-FFF2-40B4-BE49-F238E27FC236}">
-                    <a16:creationId xmlns:a16="http://schemas.microsoft.com/office/drawing/2014/main" id="{FB0AADD2-25D3-4D02-A8C4-A8F7BB4B1CC7}"/>
-                  </a:ext>
-                </a:extLst>
-              </p:cNvPr>
-              <p:cNvSpPr/>
-              <p:nvPr/>
-            </p:nvSpPr>
-            <p:spPr>
-              <a:xfrm>
-                <a:off x="2859320" y="3892416"/>
-                <a:ext cx="1988577" cy="602145"/>
-              </a:xfrm>
-              <a:prstGeom prst="roundRect">
-                <a:avLst>
-                  <a:gd name="adj" fmla="val 40102"/>
-                </a:avLst>
-              </a:prstGeom>
-              <a:solidFill>
-                <a:schemeClr val="bg1">
-                  <a:lumMod val="85000"/>
-                </a:schemeClr>
-              </a:solidFill>
-              <a:ln>
-                <a:noFill/>
-              </a:ln>
-            </p:spPr>
-            <p:style>
-              <a:lnRef idx="2">
-                <a:schemeClr val="accent1">
-                  <a:shade val="50000"/>
-                </a:schemeClr>
-              </a:lnRef>
-              <a:fillRef idx="1">
-                <a:schemeClr val="accent1"/>
-              </a:fillRef>
-              <a:effectRef idx="0">
-                <a:schemeClr val="accent1"/>
-              </a:effectRef>
-              <a:fontRef idx="minor">
-                <a:schemeClr val="lt1"/>
-              </a:fontRef>
-            </p:style>
-            <p:txBody>
-              <a:bodyPr rtlCol="0" anchor="ctr"/>
-              <a:lstStyle/>
-              <a:p>
-                <a:pPr algn="ctr"/>
-                <a:endParaRPr lang="de-DE"/>
-              </a:p>
-            </p:txBody>
-          </p:sp>
-          <p:sp>
-            <p:nvSpPr>
-              <p:cNvPr id="25" name="Oval 7">
-                <a:extLst>
-                  <a:ext uri="{FF2B5EF4-FFF2-40B4-BE49-F238E27FC236}">
-                    <a16:creationId xmlns:a16="http://schemas.microsoft.com/office/drawing/2014/main" id="{C051058D-8B77-4E86-8C4C-EC2282A0D7EE}"/>
-                  </a:ext>
-                </a:extLst>
-              </p:cNvPr>
-              <p:cNvSpPr/>
-              <p:nvPr/>
-            </p:nvSpPr>
-            <p:spPr>
-              <a:xfrm>
-                <a:off x="3513246" y="3953124"/>
-                <a:ext cx="488246" cy="488246"/>
-              </a:xfrm>
-              <a:prstGeom prst="ellipse">
-                <a:avLst/>
-              </a:prstGeom>
-              <a:noFill/>
-              <a:ln w="47625"/>
-            </p:spPr>
-            <p:style>
-              <a:lnRef idx="2">
-                <a:schemeClr val="accent1">
-                  <a:shade val="50000"/>
-                </a:schemeClr>
-              </a:lnRef>
-              <a:fillRef idx="1">
-                <a:schemeClr val="accent1"/>
-              </a:fillRef>
-              <a:effectRef idx="0">
-                <a:schemeClr val="accent1"/>
-              </a:effectRef>
-              <a:fontRef idx="minor">
-                <a:schemeClr val="lt1"/>
-              </a:fontRef>
-            </p:style>
-            <p:txBody>
-              <a:bodyPr rtlCol="0" anchor="ctr"/>
-              <a:lstStyle/>
-              <a:p>
-                <a:pPr algn="ctr"/>
-                <a:endParaRPr lang="en-US"/>
-              </a:p>
-            </p:txBody>
-          </p:sp>
-        </p:grpSp>
-      </p:grpSp>
-      <p:sp>
-        <p:nvSpPr>
-          <p:cNvPr id="50" name="Textfeld 49">
-            <a:extLst>
-              <a:ext uri="{FF2B5EF4-FFF2-40B4-BE49-F238E27FC236}">
-                <a16:creationId xmlns:a16="http://schemas.microsoft.com/office/drawing/2014/main" id="{01C27964-056F-4A28-A9E7-5F1F0391D356}"/>
+                <a16:creationId xmlns:a16="http://schemas.microsoft.com/office/drawing/2014/main" id="{E6836211-B399-4419-B736-DB63281F11F7}"/>
               </a:ext>
             </a:extLst>
           </p:cNvPr>
@@ -6155,8 +4923,8 @@
         </p:nvSpPr>
         <p:spPr>
           <a:xfrm>
-            <a:off x="987733" y="5634683"/>
-            <a:ext cx="2208682" cy="830997"/>
+            <a:off x="3479974" y="2858606"/>
+            <a:ext cx="7104900" cy="923330"/>
           </a:xfrm>
           <a:prstGeom prst="rect">
             <a:avLst/>
@@ -6164,32 +4932,53 @@
           <a:noFill/>
         </p:spPr>
         <p:txBody>
-          <a:bodyPr wrap="none" rtlCol="0">
+          <a:bodyPr wrap="square">
             <a:spAutoFit/>
           </a:bodyPr>
           <a:lstStyle/>
           <a:p>
-            <a:pPr algn="ctr"/>
-            <a:r>
-              <a:rPr lang="de-DE" sz="2400" dirty="0"/>
-              <a:t>Klonale Kolonie</a:t>
+            <a:r>
+              <a:rPr lang="de-DE" dirty="0">
+                <a:latin typeface="Courier New" panose="02070309020205020404" pitchFamily="49" charset="0"/>
+                <a:cs typeface="Courier New" panose="02070309020205020404" pitchFamily="49" charset="0"/>
+              </a:rPr>
+              <a:t>     CGAGC  GTCTCGTGC   CTTCGAGAAAC  TATCGAGA ATAG </a:t>
             </a:r>
             <a:br>
-              <a:rPr lang="de-DE" sz="2400" dirty="0"/>
+              <a:rPr lang="de-DE" dirty="0">
+                <a:latin typeface="Courier New" panose="02070309020205020404" pitchFamily="49" charset="0"/>
+                <a:cs typeface="Courier New" panose="02070309020205020404" pitchFamily="49" charset="0"/>
+              </a:rPr>
             </a:br>
             <a:r>
-              <a:rPr lang="de-DE" sz="2400" dirty="0"/>
-              <a:t>(ein Isolat)</a:t>
+              <a:rPr lang="de-DE" dirty="0">
+                <a:latin typeface="Courier New" panose="02070309020205020404" pitchFamily="49" charset="0"/>
+                <a:cs typeface="Courier New" panose="02070309020205020404" pitchFamily="49" charset="0"/>
+              </a:rPr>
+              <a:t> ACGACG  CGAG CTCGTGCGAGCTTC  AAACGATATCG ATATAG</a:t>
+            </a:r>
+            <a:br>
+              <a:rPr lang="de-DE" dirty="0">
+                <a:latin typeface="Courier New" panose="02070309020205020404" pitchFamily="49" charset="0"/>
+                <a:cs typeface="Courier New" panose="02070309020205020404" pitchFamily="49" charset="0"/>
+              </a:rPr>
+            </a:br>
+            <a:r>
+              <a:rPr lang="de-DE" dirty="0">
+                <a:latin typeface="Courier New" panose="02070309020205020404" pitchFamily="49" charset="0"/>
+                <a:cs typeface="Courier New" panose="02070309020205020404" pitchFamily="49" charset="0"/>
+              </a:rPr>
+              <a:t>    ACGAG GAGTCTCGTGCG CTTCGAGA CGATAT ATATAG</a:t>
             </a:r>
           </a:p>
         </p:txBody>
       </p:sp>
       <p:sp>
         <p:nvSpPr>
-          <p:cNvPr id="52" name="Textfeld 51">
+          <p:cNvPr id="39" name="Textfeld 38">
             <a:extLst>
               <a:ext uri="{FF2B5EF4-FFF2-40B4-BE49-F238E27FC236}">
-                <a16:creationId xmlns:a16="http://schemas.microsoft.com/office/drawing/2014/main" id="{4E1EBBC5-505E-43F1-A083-39A38291451A}"/>
+                <a16:creationId xmlns:a16="http://schemas.microsoft.com/office/drawing/2014/main" id="{BA7380E2-80E8-4FE4-AE7C-2F8DAEE4F3A5}"/>
               </a:ext>
             </a:extLst>
           </p:cNvPr>
@@ -6198,8 +4987,8 @@
         </p:nvSpPr>
         <p:spPr>
           <a:xfrm>
-            <a:off x="3573669" y="5109010"/>
-            <a:ext cx="907620" cy="523220"/>
+            <a:off x="3479974" y="2858606"/>
+            <a:ext cx="2337756" cy="369332"/>
           </a:xfrm>
           <a:prstGeom prst="rect">
             <a:avLst/>
@@ -6207,1028 +4996,21 @@
           <a:noFill/>
         </p:spPr>
         <p:txBody>
-          <a:bodyPr wrap="none" rtlCol="0">
+          <a:bodyPr wrap="square">
             <a:spAutoFit/>
           </a:bodyPr>
           <a:lstStyle/>
           <a:p>
-            <a:pPr algn="ctr"/>
-            <a:r>
-              <a:rPr lang="de-DE" sz="1400" dirty="0"/>
-              <a:t>DNA-</a:t>
-            </a:r>
-            <a:br>
-              <a:rPr lang="de-DE" sz="1400" dirty="0"/>
-            </a:br>
-            <a:r>
-              <a:rPr lang="de-DE" sz="1400" dirty="0"/>
-              <a:t>Extraktion</a:t>
-            </a:r>
-          </a:p>
-        </p:txBody>
-      </p:sp>
-      <p:sp>
-        <p:nvSpPr>
-          <p:cNvPr id="54" name="Textfeld 53">
-            <a:extLst>
-              <a:ext uri="{FF2B5EF4-FFF2-40B4-BE49-F238E27FC236}">
-                <a16:creationId xmlns:a16="http://schemas.microsoft.com/office/drawing/2014/main" id="{DB267D69-1F25-426F-88BB-EC883F355E9C}"/>
-              </a:ext>
-            </a:extLst>
-          </p:cNvPr>
-          <p:cNvSpPr txBox="1"/>
-          <p:nvPr/>
-        </p:nvSpPr>
-        <p:spPr>
-          <a:xfrm>
-            <a:off x="5441995" y="5634683"/>
-            <a:ext cx="813043" cy="461665"/>
-          </a:xfrm>
-          <a:prstGeom prst="rect">
-            <a:avLst/>
-          </a:prstGeom>
-          <a:noFill/>
-        </p:spPr>
-        <p:txBody>
-          <a:bodyPr wrap="none" rtlCol="0">
-            <a:spAutoFit/>
-          </a:bodyPr>
-          <a:lstStyle/>
-          <a:p>
-            <a:r>
-              <a:rPr lang="de-DE" sz="2400" dirty="0"/>
-              <a:t>DNA</a:t>
-            </a:r>
-          </a:p>
-        </p:txBody>
-      </p:sp>
-      <p:sp>
-        <p:nvSpPr>
-          <p:cNvPr id="56" name="Textfeld 55">
-            <a:extLst>
-              <a:ext uri="{FF2B5EF4-FFF2-40B4-BE49-F238E27FC236}">
-                <a16:creationId xmlns:a16="http://schemas.microsoft.com/office/drawing/2014/main" id="{F4760829-4720-4D3E-88BE-A69FAF761656}"/>
-              </a:ext>
-            </a:extLst>
-          </p:cNvPr>
-          <p:cNvSpPr txBox="1"/>
-          <p:nvPr/>
-        </p:nvSpPr>
-        <p:spPr>
-          <a:xfrm>
-            <a:off x="7682574" y="5634683"/>
-            <a:ext cx="2056973" cy="461665"/>
-          </a:xfrm>
-          <a:prstGeom prst="rect">
-            <a:avLst/>
-          </a:prstGeom>
-          <a:noFill/>
-        </p:spPr>
-        <p:txBody>
-          <a:bodyPr wrap="none" rtlCol="0">
-            <a:spAutoFit/>
-          </a:bodyPr>
-          <a:lstStyle/>
-          <a:p>
-            <a:r>
-              <a:rPr lang="de-DE" sz="2400" dirty="0"/>
-              <a:t>Sequenzierung</a:t>
-            </a:r>
-          </a:p>
-        </p:txBody>
-      </p:sp>
-      <p:sp>
-        <p:nvSpPr>
-          <p:cNvPr id="58" name="Textfeld 57">
-            <a:extLst>
-              <a:ext uri="{FF2B5EF4-FFF2-40B4-BE49-F238E27FC236}">
-                <a16:creationId xmlns:a16="http://schemas.microsoft.com/office/drawing/2014/main" id="{2C6E35C5-B344-4BEA-AF36-B9FB93A69F48}"/>
-              </a:ext>
-            </a:extLst>
-          </p:cNvPr>
-          <p:cNvSpPr txBox="1"/>
-          <p:nvPr/>
-        </p:nvSpPr>
-        <p:spPr>
-          <a:xfrm>
-            <a:off x="10366982" y="5634683"/>
-            <a:ext cx="943913" cy="461665"/>
-          </a:xfrm>
-          <a:prstGeom prst="rect">
-            <a:avLst/>
-          </a:prstGeom>
-          <a:noFill/>
-        </p:spPr>
-        <p:txBody>
-          <a:bodyPr wrap="none" rtlCol="0">
-            <a:spAutoFit/>
-          </a:bodyPr>
-          <a:lstStyle/>
-          <a:p>
-            <a:r>
-              <a:rPr lang="de-DE" sz="2400" dirty="0"/>
-              <a:t>Reads</a:t>
-            </a:r>
-          </a:p>
-        </p:txBody>
-      </p:sp>
-      <p:pic>
-        <p:nvPicPr>
-          <p:cNvPr id="61" name="Picture 7">
-            <a:extLst>
-              <a:ext uri="{FF2B5EF4-FFF2-40B4-BE49-F238E27FC236}">
-                <a16:creationId xmlns:a16="http://schemas.microsoft.com/office/drawing/2014/main" id="{750B9CAE-6711-44C6-B9DA-33164812939F}"/>
-              </a:ext>
-            </a:extLst>
-          </p:cNvPr>
-          <p:cNvPicPr>
-            <a:picLocks noChangeAspect="1" noChangeArrowheads="1"/>
-          </p:cNvPicPr>
-          <p:nvPr/>
-        </p:nvPicPr>
-        <p:blipFill>
-          <a:blip r:embed="rId3" cstate="print">
-            <a:extLst>
-              <a:ext uri="{28A0092B-C50C-407E-A947-70E740481C1C}">
-                <a14:useLocalDpi xmlns:a14="http://schemas.microsoft.com/office/drawing/2010/main" val="0"/>
-              </a:ext>
-            </a:extLst>
-          </a:blip>
-          <a:srcRect/>
-          <a:stretch>
-            <a:fillRect/>
-          </a:stretch>
-        </p:blipFill>
-        <p:spPr bwMode="auto">
-          <a:xfrm>
-            <a:off x="8116505" y="4312469"/>
-            <a:ext cx="1121825" cy="1050294"/>
-          </a:xfrm>
-          <a:prstGeom prst="rect">
-            <a:avLst/>
-          </a:prstGeom>
-          <a:noFill/>
-          <a:ln>
-            <a:noFill/>
-          </a:ln>
-          <a:extLst>
-            <a:ext uri="{909E8E84-426E-40DD-AFC4-6F175D3DCCD1}">
-              <a14:hiddenFill xmlns:a14="http://schemas.microsoft.com/office/drawing/2010/main">
-                <a:solidFill>
-                  <a:schemeClr val="accent1"/>
-                </a:solidFill>
-              </a14:hiddenFill>
-            </a:ext>
-            <a:ext uri="{91240B29-F687-4F45-9708-019B960494DF}">
-              <a14:hiddenLine xmlns:a14="http://schemas.microsoft.com/office/drawing/2010/main" w="9525">
-                <a:solidFill>
-                  <a:schemeClr val="tx1"/>
-                </a:solidFill>
-                <a:miter lim="800000"/>
-                <a:headEnd/>
-                <a:tailEnd/>
-              </a14:hiddenLine>
-            </a:ext>
-          </a:extLst>
-        </p:spPr>
-      </p:pic>
-      <p:sp>
-        <p:nvSpPr>
-          <p:cNvPr id="62" name="Textfeld 61">
-            <a:extLst>
-              <a:ext uri="{FF2B5EF4-FFF2-40B4-BE49-F238E27FC236}">
-                <a16:creationId xmlns:a16="http://schemas.microsoft.com/office/drawing/2014/main" id="{B09ABF54-2C03-416A-8B05-AE7702BFCD30}"/>
-              </a:ext>
-            </a:extLst>
-          </p:cNvPr>
-          <p:cNvSpPr txBox="1"/>
-          <p:nvPr/>
-        </p:nvSpPr>
-        <p:spPr>
-          <a:xfrm>
-            <a:off x="10286137" y="4237452"/>
-            <a:ext cx="1149674" cy="1200329"/>
-          </a:xfrm>
-          <a:prstGeom prst="rect">
-            <a:avLst/>
-          </a:prstGeom>
-          <a:noFill/>
-        </p:spPr>
-        <p:txBody>
-          <a:bodyPr wrap="none" rtlCol="0">
-            <a:spAutoFit/>
-          </a:bodyPr>
-          <a:lstStyle/>
-          <a:p>
-            <a:pPr algn="ctr"/>
             <a:r>
               <a:rPr lang="de-DE" dirty="0">
                 <a:latin typeface="Courier New" panose="02070309020205020404" pitchFamily="49" charset="0"/>
                 <a:cs typeface="Courier New" panose="02070309020205020404" pitchFamily="49" charset="0"/>
               </a:rPr>
-              <a:t>ACGT</a:t>
-            </a:r>
-            <a:br>
-              <a:rPr lang="de-DE" dirty="0">
-                <a:latin typeface="Courier New" panose="02070309020205020404" pitchFamily="49" charset="0"/>
-                <a:cs typeface="Courier New" panose="02070309020205020404" pitchFamily="49" charset="0"/>
-              </a:rPr>
-            </a:br>
-            <a:r>
-              <a:rPr lang="de-DE" dirty="0">
-                <a:latin typeface="Courier New" panose="02070309020205020404" pitchFamily="49" charset="0"/>
-                <a:cs typeface="Courier New" panose="02070309020205020404" pitchFamily="49" charset="0"/>
-              </a:rPr>
-              <a:t>CGAGAGC</a:t>
-            </a:r>
-          </a:p>
-          <a:p>
-            <a:pPr algn="ctr"/>
-            <a:r>
-              <a:rPr lang="de-DE" dirty="0">
-                <a:latin typeface="Courier New" panose="02070309020205020404" pitchFamily="49" charset="0"/>
-                <a:cs typeface="Courier New" panose="02070309020205020404" pitchFamily="49" charset="0"/>
-              </a:rPr>
-              <a:t>TACTAGA</a:t>
-            </a:r>
-          </a:p>
-          <a:p>
-            <a:pPr algn="ctr"/>
-            <a:r>
-              <a:rPr lang="de-DE" dirty="0">
-                <a:latin typeface="Courier New" panose="02070309020205020404" pitchFamily="49" charset="0"/>
-                <a:cs typeface="Courier New" panose="02070309020205020404" pitchFamily="49" charset="0"/>
-              </a:rPr>
-              <a:t>….</a:t>
+              <a:t>     CGAGC</a:t>
             </a:r>
           </a:p>
         </p:txBody>
       </p:sp>
-      <p:cxnSp>
-        <p:nvCxnSpPr>
-          <p:cNvPr id="69" name="Gerade Verbindung mit Pfeil 68">
-            <a:extLst>
-              <a:ext uri="{FF2B5EF4-FFF2-40B4-BE49-F238E27FC236}">
-                <a16:creationId xmlns:a16="http://schemas.microsoft.com/office/drawing/2014/main" id="{C4D201A5-0847-46F8-A8D0-EBF03F146A70}"/>
-              </a:ext>
-            </a:extLst>
-          </p:cNvPr>
-          <p:cNvCxnSpPr/>
-          <p:nvPr/>
-        </p:nvCxnSpPr>
-        <p:spPr>
-          <a:xfrm>
-            <a:off x="3580154" y="4837616"/>
-            <a:ext cx="894651" cy="0"/>
-          </a:xfrm>
-          <a:prstGeom prst="straightConnector1">
-            <a:avLst/>
-          </a:prstGeom>
-          <a:ln w="79375">
-            <a:solidFill>
-              <a:schemeClr val="bg1">
-                <a:lumMod val="50000"/>
-              </a:schemeClr>
-            </a:solidFill>
-            <a:tailEnd type="triangle"/>
-          </a:ln>
-        </p:spPr>
-        <p:style>
-          <a:lnRef idx="1">
-            <a:schemeClr val="accent1"/>
-          </a:lnRef>
-          <a:fillRef idx="0">
-            <a:schemeClr val="accent1"/>
-          </a:fillRef>
-          <a:effectRef idx="0">
-            <a:schemeClr val="accent1"/>
-          </a:effectRef>
-          <a:fontRef idx="minor">
-            <a:schemeClr val="tx1"/>
-          </a:fontRef>
-        </p:style>
-      </p:cxnSp>
-      <p:cxnSp>
-        <p:nvCxnSpPr>
-          <p:cNvPr id="71" name="Gerade Verbindung mit Pfeil 70">
-            <a:extLst>
-              <a:ext uri="{FF2B5EF4-FFF2-40B4-BE49-F238E27FC236}">
-                <a16:creationId xmlns:a16="http://schemas.microsoft.com/office/drawing/2014/main" id="{9442D6D5-21AE-440C-8312-D621A6FA8477}"/>
-              </a:ext>
-            </a:extLst>
-          </p:cNvPr>
-          <p:cNvCxnSpPr>
-            <a:cxnSpLocks/>
-          </p:cNvCxnSpPr>
-          <p:nvPr/>
-        </p:nvCxnSpPr>
-        <p:spPr>
-          <a:xfrm>
-            <a:off x="7436936" y="4837616"/>
-            <a:ext cx="613875" cy="0"/>
-          </a:xfrm>
-          <a:prstGeom prst="straightConnector1">
-            <a:avLst/>
-          </a:prstGeom>
-          <a:ln w="79375">
-            <a:solidFill>
-              <a:schemeClr val="bg1">
-                <a:lumMod val="50000"/>
-              </a:schemeClr>
-            </a:solidFill>
-            <a:tailEnd type="triangle"/>
-          </a:ln>
-        </p:spPr>
-        <p:style>
-          <a:lnRef idx="1">
-            <a:schemeClr val="accent1"/>
-          </a:lnRef>
-          <a:fillRef idx="0">
-            <a:schemeClr val="accent1"/>
-          </a:fillRef>
-          <a:effectRef idx="0">
-            <a:schemeClr val="accent1"/>
-          </a:effectRef>
-          <a:fontRef idx="minor">
-            <a:schemeClr val="tx1"/>
-          </a:fontRef>
-        </p:style>
-      </p:cxnSp>
-      <p:cxnSp>
-        <p:nvCxnSpPr>
-          <p:cNvPr id="74" name="Gerade Verbindung mit Pfeil 73">
-            <a:extLst>
-              <a:ext uri="{FF2B5EF4-FFF2-40B4-BE49-F238E27FC236}">
-                <a16:creationId xmlns:a16="http://schemas.microsoft.com/office/drawing/2014/main" id="{21EC23AE-9C8F-4C5F-B385-5FF9B28E6093}"/>
-              </a:ext>
-            </a:extLst>
-          </p:cNvPr>
-          <p:cNvCxnSpPr>
-            <a:cxnSpLocks/>
-          </p:cNvCxnSpPr>
-          <p:nvPr/>
-        </p:nvCxnSpPr>
-        <p:spPr>
-          <a:xfrm>
-            <a:off x="9432609" y="4837616"/>
-            <a:ext cx="613875" cy="0"/>
-          </a:xfrm>
-          <a:prstGeom prst="straightConnector1">
-            <a:avLst/>
-          </a:prstGeom>
-          <a:ln w="79375">
-            <a:solidFill>
-              <a:schemeClr val="bg1">
-                <a:lumMod val="50000"/>
-              </a:schemeClr>
-            </a:solidFill>
-            <a:tailEnd type="triangle"/>
-          </a:ln>
-        </p:spPr>
-        <p:style>
-          <a:lnRef idx="1">
-            <a:schemeClr val="accent1"/>
-          </a:lnRef>
-          <a:fillRef idx="0">
-            <a:schemeClr val="accent1"/>
-          </a:fillRef>
-          <a:effectRef idx="0">
-            <a:schemeClr val="accent1"/>
-          </a:effectRef>
-          <a:fontRef idx="minor">
-            <a:schemeClr val="tx1"/>
-          </a:fontRef>
-        </p:style>
-      </p:cxnSp>
-    </p:spTree>
-    <p:extLst>
-      <p:ext uri="{BB962C8B-B14F-4D97-AF65-F5344CB8AC3E}">
-        <p14:creationId xmlns:p14="http://schemas.microsoft.com/office/powerpoint/2010/main" val="895055223"/>
-      </p:ext>
-    </p:extLst>
-  </p:cSld>
-  <p:clrMapOvr>
-    <a:masterClrMapping/>
-  </p:clrMapOvr>
-  <p:timing>
-    <p:tnLst>
-      <p:par>
-        <p:cTn id="1" dur="indefinite" restart="never" nodeType="tmRoot">
-          <p:childTnLst>
-            <p:seq concurrent="1" nextAc="seek">
-              <p:cTn id="2" dur="indefinite" nodeType="mainSeq">
-                <p:childTnLst>
-                  <p:par>
-                    <p:cTn id="3" fill="hold">
-                      <p:stCondLst>
-                        <p:cond delay="indefinite"/>
-                      </p:stCondLst>
-                      <p:childTnLst>
-                        <p:par>
-                          <p:cTn id="4" fill="hold">
-                            <p:stCondLst>
-                              <p:cond delay="0"/>
-                            </p:stCondLst>
-                            <p:childTnLst>
-                              <p:par>
-                                <p:cTn id="5" presetID="1" presetClass="entr" presetSubtype="0" fill="hold" nodeType="clickEffect">
-                                  <p:stCondLst>
-                                    <p:cond delay="0"/>
-                                  </p:stCondLst>
-                                  <p:childTnLst>
-                                    <p:set>
-                                      <p:cBhvr>
-                                        <p:cTn id="6" dur="1" fill="hold">
-                                          <p:stCondLst>
-                                            <p:cond delay="0"/>
-                                          </p:stCondLst>
-                                        </p:cTn>
-                                        <p:tgtEl>
-                                          <p:spTgt spid="38">
-                                            <p:txEl>
-                                              <p:pRg st="0" end="0"/>
-                                            </p:txEl>
-                                          </p:spTgt>
-                                        </p:tgtEl>
-                                        <p:attrNameLst>
-                                          <p:attrName>style.visibility</p:attrName>
-                                        </p:attrNameLst>
-                                      </p:cBhvr>
-                                      <p:to>
-                                        <p:strVal val="visible"/>
-                                      </p:to>
-                                    </p:set>
-                                  </p:childTnLst>
-                                </p:cTn>
-                              </p:par>
-                            </p:childTnLst>
-                          </p:cTn>
-                        </p:par>
-                      </p:childTnLst>
-                    </p:cTn>
-                  </p:par>
-                  <p:par>
-                    <p:cTn id="7" fill="hold">
-                      <p:stCondLst>
-                        <p:cond delay="indefinite"/>
-                      </p:stCondLst>
-                      <p:childTnLst>
-                        <p:par>
-                          <p:cTn id="8" fill="hold">
-                            <p:stCondLst>
-                              <p:cond delay="0"/>
-                            </p:stCondLst>
-                            <p:childTnLst>
-                              <p:par>
-                                <p:cTn id="9" presetID="1" presetClass="entr" presetSubtype="0" fill="hold" nodeType="clickEffect">
-                                  <p:stCondLst>
-                                    <p:cond delay="0"/>
-                                  </p:stCondLst>
-                                  <p:childTnLst>
-                                    <p:set>
-                                      <p:cBhvr>
-                                        <p:cTn id="10" dur="1" fill="hold">
-                                          <p:stCondLst>
-                                            <p:cond delay="0"/>
-                                          </p:stCondLst>
-                                        </p:cTn>
-                                        <p:tgtEl>
-                                          <p:spTgt spid="38">
-                                            <p:txEl>
-                                              <p:pRg st="1" end="1"/>
-                                            </p:txEl>
-                                          </p:spTgt>
-                                        </p:tgtEl>
-                                        <p:attrNameLst>
-                                          <p:attrName>style.visibility</p:attrName>
-                                        </p:attrNameLst>
-                                      </p:cBhvr>
-                                      <p:to>
-                                        <p:strVal val="visible"/>
-                                      </p:to>
-                                    </p:set>
-                                  </p:childTnLst>
-                                </p:cTn>
-                              </p:par>
-                            </p:childTnLst>
-                          </p:cTn>
-                        </p:par>
-                      </p:childTnLst>
-                    </p:cTn>
-                  </p:par>
-                  <p:par>
-                    <p:cTn id="11" fill="hold">
-                      <p:stCondLst>
-                        <p:cond delay="indefinite"/>
-                      </p:stCondLst>
-                      <p:childTnLst>
-                        <p:par>
-                          <p:cTn id="12" fill="hold">
-                            <p:stCondLst>
-                              <p:cond delay="0"/>
-                            </p:stCondLst>
-                            <p:childTnLst>
-                              <p:par>
-                                <p:cTn id="13" presetID="1" presetClass="entr" presetSubtype="0" fill="hold" nodeType="clickEffect">
-                                  <p:stCondLst>
-                                    <p:cond delay="0"/>
-                                  </p:stCondLst>
-                                  <p:childTnLst>
-                                    <p:set>
-                                      <p:cBhvr>
-                                        <p:cTn id="14" dur="1" fill="hold">
-                                          <p:stCondLst>
-                                            <p:cond delay="0"/>
-                                          </p:stCondLst>
-                                        </p:cTn>
-                                        <p:tgtEl>
-                                          <p:spTgt spid="38">
-                                            <p:txEl>
-                                              <p:pRg st="2" end="2"/>
-                                            </p:txEl>
-                                          </p:spTgt>
-                                        </p:tgtEl>
-                                        <p:attrNameLst>
-                                          <p:attrName>style.visibility</p:attrName>
-                                        </p:attrNameLst>
-                                      </p:cBhvr>
-                                      <p:to>
-                                        <p:strVal val="visible"/>
-                                      </p:to>
-                                    </p:set>
-                                  </p:childTnLst>
-                                </p:cTn>
-                              </p:par>
-                            </p:childTnLst>
-                          </p:cTn>
-                        </p:par>
-                      </p:childTnLst>
-                    </p:cTn>
-                  </p:par>
-                  <p:par>
-                    <p:cTn id="15" fill="hold">
-                      <p:stCondLst>
-                        <p:cond delay="indefinite"/>
-                      </p:stCondLst>
-                      <p:childTnLst>
-                        <p:par>
-                          <p:cTn id="16" fill="hold">
-                            <p:stCondLst>
-                              <p:cond delay="0"/>
-                            </p:stCondLst>
-                            <p:childTnLst>
-                              <p:par>
-                                <p:cTn id="17" presetID="1" presetClass="entr" presetSubtype="0" fill="hold" nodeType="clickEffect">
-                                  <p:stCondLst>
-                                    <p:cond delay="0"/>
-                                  </p:stCondLst>
-                                  <p:childTnLst>
-                                    <p:set>
-                                      <p:cBhvr>
-                                        <p:cTn id="18" dur="1" fill="hold">
-                                          <p:stCondLst>
-                                            <p:cond delay="0"/>
-                                          </p:stCondLst>
-                                        </p:cTn>
-                                        <p:tgtEl>
-                                          <p:spTgt spid="63"/>
-                                        </p:tgtEl>
-                                        <p:attrNameLst>
-                                          <p:attrName>style.visibility</p:attrName>
-                                        </p:attrNameLst>
-                                      </p:cBhvr>
-                                      <p:to>
-                                        <p:strVal val="visible"/>
-                                      </p:to>
-                                    </p:set>
-                                  </p:childTnLst>
-                                </p:cTn>
-                              </p:par>
-                              <p:par>
-                                <p:cTn id="19" presetID="1" presetClass="entr" presetSubtype="0" fill="hold" grpId="0" nodeType="withEffect">
-                                  <p:stCondLst>
-                                    <p:cond delay="0"/>
-                                  </p:stCondLst>
-                                  <p:childTnLst>
-                                    <p:set>
-                                      <p:cBhvr>
-                                        <p:cTn id="20" dur="1" fill="hold">
-                                          <p:stCondLst>
-                                            <p:cond delay="0"/>
-                                          </p:stCondLst>
-                                        </p:cTn>
-                                        <p:tgtEl>
-                                          <p:spTgt spid="50"/>
-                                        </p:tgtEl>
-                                        <p:attrNameLst>
-                                          <p:attrName>style.visibility</p:attrName>
-                                        </p:attrNameLst>
-                                      </p:cBhvr>
-                                      <p:to>
-                                        <p:strVal val="visible"/>
-                                      </p:to>
-                                    </p:set>
-                                  </p:childTnLst>
-                                </p:cTn>
-                              </p:par>
-                            </p:childTnLst>
-                          </p:cTn>
-                        </p:par>
-                      </p:childTnLst>
-                    </p:cTn>
-                  </p:par>
-                  <p:par>
-                    <p:cTn id="21" fill="hold">
-                      <p:stCondLst>
-                        <p:cond delay="indefinite"/>
-                      </p:stCondLst>
-                      <p:childTnLst>
-                        <p:par>
-                          <p:cTn id="22" fill="hold">
-                            <p:stCondLst>
-                              <p:cond delay="0"/>
-                            </p:stCondLst>
-                            <p:childTnLst>
-                              <p:par>
-                                <p:cTn id="23" presetID="1" presetClass="entr" presetSubtype="0" fill="hold" grpId="0" nodeType="clickEffect">
-                                  <p:stCondLst>
-                                    <p:cond delay="0"/>
-                                  </p:stCondLst>
-                                  <p:childTnLst>
-                                    <p:set>
-                                      <p:cBhvr>
-                                        <p:cTn id="24" dur="1" fill="hold">
-                                          <p:stCondLst>
-                                            <p:cond delay="0"/>
-                                          </p:stCondLst>
-                                        </p:cTn>
-                                        <p:tgtEl>
-                                          <p:spTgt spid="52"/>
-                                        </p:tgtEl>
-                                        <p:attrNameLst>
-                                          <p:attrName>style.visibility</p:attrName>
-                                        </p:attrNameLst>
-                                      </p:cBhvr>
-                                      <p:to>
-                                        <p:strVal val="visible"/>
-                                      </p:to>
-                                    </p:set>
-                                  </p:childTnLst>
-                                </p:cTn>
-                              </p:par>
-                              <p:par>
-                                <p:cTn id="25" presetID="1" presetClass="entr" presetSubtype="0" fill="hold" nodeType="withEffect">
-                                  <p:stCondLst>
-                                    <p:cond delay="0"/>
-                                  </p:stCondLst>
-                                  <p:childTnLst>
-                                    <p:set>
-                                      <p:cBhvr>
-                                        <p:cTn id="26" dur="1" fill="hold">
-                                          <p:stCondLst>
-                                            <p:cond delay="0"/>
-                                          </p:stCondLst>
-                                        </p:cTn>
-                                        <p:tgtEl>
-                                          <p:spTgt spid="69"/>
-                                        </p:tgtEl>
-                                        <p:attrNameLst>
-                                          <p:attrName>style.visibility</p:attrName>
-                                        </p:attrNameLst>
-                                      </p:cBhvr>
-                                      <p:to>
-                                        <p:strVal val="visible"/>
-                                      </p:to>
-                                    </p:set>
-                                  </p:childTnLst>
-                                </p:cTn>
-                              </p:par>
-                            </p:childTnLst>
-                          </p:cTn>
-                        </p:par>
-                      </p:childTnLst>
-                    </p:cTn>
-                  </p:par>
-                  <p:par>
-                    <p:cTn id="27" fill="hold">
-                      <p:stCondLst>
-                        <p:cond delay="indefinite"/>
-                      </p:stCondLst>
-                      <p:childTnLst>
-                        <p:par>
-                          <p:cTn id="28" fill="hold">
-                            <p:stCondLst>
-                              <p:cond delay="0"/>
-                            </p:stCondLst>
-                            <p:childTnLst>
-                              <p:par>
-                                <p:cTn id="29" presetID="1" presetClass="entr" presetSubtype="0" fill="hold" nodeType="clickEffect">
-                                  <p:stCondLst>
-                                    <p:cond delay="0"/>
-                                  </p:stCondLst>
-                                  <p:childTnLst>
-                                    <p:set>
-                                      <p:cBhvr>
-                                        <p:cTn id="30" dur="1" fill="hold">
-                                          <p:stCondLst>
-                                            <p:cond delay="0"/>
-                                          </p:stCondLst>
-                                        </p:cTn>
-                                        <p:tgtEl>
-                                          <p:spTgt spid="59"/>
-                                        </p:tgtEl>
-                                        <p:attrNameLst>
-                                          <p:attrName>style.visibility</p:attrName>
-                                        </p:attrNameLst>
-                                      </p:cBhvr>
-                                      <p:to>
-                                        <p:strVal val="visible"/>
-                                      </p:to>
-                                    </p:set>
-                                  </p:childTnLst>
-                                </p:cTn>
-                              </p:par>
-                              <p:par>
-                                <p:cTn id="31" presetID="1" presetClass="entr" presetSubtype="0" fill="hold" grpId="0" nodeType="withEffect">
-                                  <p:stCondLst>
-                                    <p:cond delay="0"/>
-                                  </p:stCondLst>
-                                  <p:childTnLst>
-                                    <p:set>
-                                      <p:cBhvr>
-                                        <p:cTn id="32" dur="1" fill="hold">
-                                          <p:stCondLst>
-                                            <p:cond delay="0"/>
-                                          </p:stCondLst>
-                                        </p:cTn>
-                                        <p:tgtEl>
-                                          <p:spTgt spid="54"/>
-                                        </p:tgtEl>
-                                        <p:attrNameLst>
-                                          <p:attrName>style.visibility</p:attrName>
-                                        </p:attrNameLst>
-                                      </p:cBhvr>
-                                      <p:to>
-                                        <p:strVal val="visible"/>
-                                      </p:to>
-                                    </p:set>
-                                  </p:childTnLst>
-                                </p:cTn>
-                              </p:par>
-                            </p:childTnLst>
-                          </p:cTn>
-                        </p:par>
-                      </p:childTnLst>
-                    </p:cTn>
-                  </p:par>
-                  <p:par>
-                    <p:cTn id="33" fill="hold">
-                      <p:stCondLst>
-                        <p:cond delay="indefinite"/>
-                      </p:stCondLst>
-                      <p:childTnLst>
-                        <p:par>
-                          <p:cTn id="34" fill="hold">
-                            <p:stCondLst>
-                              <p:cond delay="0"/>
-                            </p:stCondLst>
-                            <p:childTnLst>
-                              <p:par>
-                                <p:cTn id="35" presetID="1" presetClass="entr" presetSubtype="0" fill="hold" nodeType="clickEffect">
-                                  <p:stCondLst>
-                                    <p:cond delay="0"/>
-                                  </p:stCondLst>
-                                  <p:childTnLst>
-                                    <p:set>
-                                      <p:cBhvr>
-                                        <p:cTn id="36" dur="1" fill="hold">
-                                          <p:stCondLst>
-                                            <p:cond delay="0"/>
-                                          </p:stCondLst>
-                                        </p:cTn>
-                                        <p:tgtEl>
-                                          <p:spTgt spid="71"/>
-                                        </p:tgtEl>
-                                        <p:attrNameLst>
-                                          <p:attrName>style.visibility</p:attrName>
-                                        </p:attrNameLst>
-                                      </p:cBhvr>
-                                      <p:to>
-                                        <p:strVal val="visible"/>
-                                      </p:to>
-                                    </p:set>
-                                  </p:childTnLst>
-                                </p:cTn>
-                              </p:par>
-                              <p:par>
-                                <p:cTn id="37" presetID="1" presetClass="entr" presetSubtype="0" fill="hold" nodeType="withEffect">
-                                  <p:stCondLst>
-                                    <p:cond delay="0"/>
-                                  </p:stCondLst>
-                                  <p:childTnLst>
-                                    <p:set>
-                                      <p:cBhvr>
-                                        <p:cTn id="38" dur="1" fill="hold">
-                                          <p:stCondLst>
-                                            <p:cond delay="0"/>
-                                          </p:stCondLst>
-                                        </p:cTn>
-                                        <p:tgtEl>
-                                          <p:spTgt spid="61"/>
-                                        </p:tgtEl>
-                                        <p:attrNameLst>
-                                          <p:attrName>style.visibility</p:attrName>
-                                        </p:attrNameLst>
-                                      </p:cBhvr>
-                                      <p:to>
-                                        <p:strVal val="visible"/>
-                                      </p:to>
-                                    </p:set>
-                                  </p:childTnLst>
-                                </p:cTn>
-                              </p:par>
-                              <p:par>
-                                <p:cTn id="39" presetID="1" presetClass="entr" presetSubtype="0" fill="hold" grpId="0" nodeType="withEffect">
-                                  <p:stCondLst>
-                                    <p:cond delay="0"/>
-                                  </p:stCondLst>
-                                  <p:childTnLst>
-                                    <p:set>
-                                      <p:cBhvr>
-                                        <p:cTn id="40" dur="1" fill="hold">
-                                          <p:stCondLst>
-                                            <p:cond delay="0"/>
-                                          </p:stCondLst>
-                                        </p:cTn>
-                                        <p:tgtEl>
-                                          <p:spTgt spid="56"/>
-                                        </p:tgtEl>
-                                        <p:attrNameLst>
-                                          <p:attrName>style.visibility</p:attrName>
-                                        </p:attrNameLst>
-                                      </p:cBhvr>
-                                      <p:to>
-                                        <p:strVal val="visible"/>
-                                      </p:to>
-                                    </p:set>
-                                  </p:childTnLst>
-                                </p:cTn>
-                              </p:par>
-                            </p:childTnLst>
-                          </p:cTn>
-                        </p:par>
-                      </p:childTnLst>
-                    </p:cTn>
-                  </p:par>
-                  <p:par>
-                    <p:cTn id="41" fill="hold">
-                      <p:stCondLst>
-                        <p:cond delay="indefinite"/>
-                      </p:stCondLst>
-                      <p:childTnLst>
-                        <p:par>
-                          <p:cTn id="42" fill="hold">
-                            <p:stCondLst>
-                              <p:cond delay="0"/>
-                            </p:stCondLst>
-                            <p:childTnLst>
-                              <p:par>
-                                <p:cTn id="43" presetID="1" presetClass="entr" presetSubtype="0" fill="hold" grpId="0" nodeType="clickEffect">
-                                  <p:stCondLst>
-                                    <p:cond delay="0"/>
-                                  </p:stCondLst>
-                                  <p:childTnLst>
-                                    <p:set>
-                                      <p:cBhvr>
-                                        <p:cTn id="44" dur="1" fill="hold">
-                                          <p:stCondLst>
-                                            <p:cond delay="0"/>
-                                          </p:stCondLst>
-                                        </p:cTn>
-                                        <p:tgtEl>
-                                          <p:spTgt spid="62"/>
-                                        </p:tgtEl>
-                                        <p:attrNameLst>
-                                          <p:attrName>style.visibility</p:attrName>
-                                        </p:attrNameLst>
-                                      </p:cBhvr>
-                                      <p:to>
-                                        <p:strVal val="visible"/>
-                                      </p:to>
-                                    </p:set>
-                                  </p:childTnLst>
-                                </p:cTn>
-                              </p:par>
-                              <p:par>
-                                <p:cTn id="45" presetID="1" presetClass="entr" presetSubtype="0" fill="hold" nodeType="withEffect">
-                                  <p:stCondLst>
-                                    <p:cond delay="0"/>
-                                  </p:stCondLst>
-                                  <p:childTnLst>
-                                    <p:set>
-                                      <p:cBhvr>
-                                        <p:cTn id="46" dur="1" fill="hold">
-                                          <p:stCondLst>
-                                            <p:cond delay="0"/>
-                                          </p:stCondLst>
-                                        </p:cTn>
-                                        <p:tgtEl>
-                                          <p:spTgt spid="74"/>
-                                        </p:tgtEl>
-                                        <p:attrNameLst>
-                                          <p:attrName>style.visibility</p:attrName>
-                                        </p:attrNameLst>
-                                      </p:cBhvr>
-                                      <p:to>
-                                        <p:strVal val="visible"/>
-                                      </p:to>
-                                    </p:set>
-                                  </p:childTnLst>
-                                </p:cTn>
-                              </p:par>
-                              <p:par>
-                                <p:cTn id="47" presetID="1" presetClass="entr" presetSubtype="0" fill="hold" grpId="0" nodeType="withEffect">
-                                  <p:stCondLst>
-                                    <p:cond delay="0"/>
-                                  </p:stCondLst>
-                                  <p:childTnLst>
-                                    <p:set>
-                                      <p:cBhvr>
-                                        <p:cTn id="48" dur="1" fill="hold">
-                                          <p:stCondLst>
-                                            <p:cond delay="0"/>
-                                          </p:stCondLst>
-                                        </p:cTn>
-                                        <p:tgtEl>
-                                          <p:spTgt spid="58"/>
-                                        </p:tgtEl>
-                                        <p:attrNameLst>
-                                          <p:attrName>style.visibility</p:attrName>
-                                        </p:attrNameLst>
-                                      </p:cBhvr>
-                                      <p:to>
-                                        <p:strVal val="visible"/>
-                                      </p:to>
-                                    </p:set>
-                                  </p:childTnLst>
-                                </p:cTn>
-                              </p:par>
-                            </p:childTnLst>
-                          </p:cTn>
-                        </p:par>
-                      </p:childTnLst>
-                    </p:cTn>
-                  </p:par>
-                </p:childTnLst>
-              </p:cTn>
-              <p:prevCondLst>
-                <p:cond evt="onPrev" delay="0">
-                  <p:tgtEl>
-                    <p:sldTgt/>
-                  </p:tgtEl>
-                </p:cond>
-              </p:prevCondLst>
-              <p:nextCondLst>
-                <p:cond evt="onNext" delay="0">
-                  <p:tgtEl>
-                    <p:sldTgt/>
-                  </p:tgtEl>
-                </p:cond>
-              </p:nextCondLst>
-            </p:seq>
-          </p:childTnLst>
-        </p:cTn>
-      </p:par>
-    </p:tnLst>
-    <p:bldLst>
-      <p:bldP spid="50" grpId="0"/>
-      <p:bldP spid="52" grpId="0"/>
-      <p:bldP spid="54" grpId="0"/>
-      <p:bldP spid="56" grpId="0"/>
-      <p:bldP spid="58" grpId="0"/>
-      <p:bldP spid="62" grpId="0"/>
-    </p:bldLst>
-  </p:timing>
-</p:sld>
-</file>
-
-<file path=ppt/slides/slide11.xml><?xml version="1.0" encoding="utf-8"?>
-<p:sld xmlns:a="http://schemas.openxmlformats.org/drawingml/2006/main" xmlns:r="http://schemas.openxmlformats.org/officeDocument/2006/relationships" xmlns:p="http://schemas.openxmlformats.org/presentationml/2006/main">
-  <p:cSld>
-    <p:spTree>
-      <p:nvGrpSpPr>
-        <p:cNvPr id="1" name=""/>
-        <p:cNvGrpSpPr/>
-        <p:nvPr/>
-      </p:nvGrpSpPr>
-      <p:grpSpPr>
-        <a:xfrm>
-          <a:off x="0" y="0"/>
-          <a:ext cx="0" cy="0"/>
-          <a:chOff x="0" y="0"/>
-          <a:chExt cx="0" cy="0"/>
-        </a:xfrm>
-      </p:grpSpPr>
       <p:sp>
         <p:nvSpPr>
           <p:cNvPr id="2" name="Titel 1">
@@ -7331,7 +5113,7 @@
             </a:r>
             <a:r>
               <a:rPr lang="de-DE" sz="1400" baseline="30000" dirty="0"/>
-              <a:t>3 </a:t>
+              <a:t>4 </a:t>
             </a:r>
             <a:r>
               <a:rPr lang="de-DE" sz="1400" dirty="0"/>
@@ -7404,70 +5186,6 @@
       </p:sp>
       <p:sp>
         <p:nvSpPr>
-          <p:cNvPr id="19" name="Textfeld 18">
-            <a:extLst>
-              <a:ext uri="{FF2B5EF4-FFF2-40B4-BE49-F238E27FC236}">
-                <a16:creationId xmlns:a16="http://schemas.microsoft.com/office/drawing/2014/main" id="{E6836211-B399-4419-B736-DB63281F11F7}"/>
-              </a:ext>
-            </a:extLst>
-          </p:cNvPr>
-          <p:cNvSpPr txBox="1"/>
-          <p:nvPr/>
-        </p:nvSpPr>
-        <p:spPr>
-          <a:xfrm>
-            <a:off x="3479974" y="2858606"/>
-            <a:ext cx="7104900" cy="923330"/>
-          </a:xfrm>
-          <a:prstGeom prst="rect">
-            <a:avLst/>
-          </a:prstGeom>
-          <a:noFill/>
-        </p:spPr>
-        <p:txBody>
-          <a:bodyPr wrap="square">
-            <a:spAutoFit/>
-          </a:bodyPr>
-          <a:lstStyle/>
-          <a:p>
-            <a:r>
-              <a:rPr lang="de-DE" dirty="0">
-                <a:latin typeface="Courier New" panose="02070309020205020404" pitchFamily="49" charset="0"/>
-                <a:cs typeface="Courier New" panose="02070309020205020404" pitchFamily="49" charset="0"/>
-              </a:rPr>
-              <a:t>     CGAGC  GTCTCGTGC   CTTCGAGAAAC  TATCGAGA ATAG </a:t>
-            </a:r>
-            <a:br>
-              <a:rPr lang="de-DE" dirty="0">
-                <a:latin typeface="Courier New" panose="02070309020205020404" pitchFamily="49" charset="0"/>
-                <a:cs typeface="Courier New" panose="02070309020205020404" pitchFamily="49" charset="0"/>
-              </a:rPr>
-            </a:br>
-            <a:r>
-              <a:rPr lang="de-DE" dirty="0">
-                <a:latin typeface="Courier New" panose="02070309020205020404" pitchFamily="49" charset="0"/>
-                <a:cs typeface="Courier New" panose="02070309020205020404" pitchFamily="49" charset="0"/>
-              </a:rPr>
-              <a:t> ACGACG  CGAG CTCGTGCGAGCTTC  AAACGATATCG ATATAG</a:t>
-            </a:r>
-            <a:br>
-              <a:rPr lang="de-DE" dirty="0">
-                <a:latin typeface="Courier New" panose="02070309020205020404" pitchFamily="49" charset="0"/>
-                <a:cs typeface="Courier New" panose="02070309020205020404" pitchFamily="49" charset="0"/>
-              </a:rPr>
-            </a:br>
-            <a:r>
-              <a:rPr lang="de-DE" dirty="0">
-                <a:latin typeface="Courier New" panose="02070309020205020404" pitchFamily="49" charset="0"/>
-                <a:cs typeface="Courier New" panose="02070309020205020404" pitchFamily="49" charset="0"/>
-              </a:rPr>
-              <a:t>    ACGAG GAGTCTCGTGCG CTTCGAGA CGATAT ATATAG</a:t>
-            </a:r>
-          </a:p>
-        </p:txBody>
-      </p:sp>
-      <p:sp>
-        <p:nvSpPr>
           <p:cNvPr id="25" name="Textfeld 24">
             <a:extLst>
               <a:ext uri="{FF2B5EF4-FFF2-40B4-BE49-F238E27FC236}">
@@ -7725,10 +5443,92 @@
       </p:sp>
       <p:sp>
         <p:nvSpPr>
-          <p:cNvPr id="39" name="Textfeld 38">
+          <p:cNvPr id="40" name="Rectangle 9">
             <a:extLst>
               <a:ext uri="{FF2B5EF4-FFF2-40B4-BE49-F238E27FC236}">
-                <a16:creationId xmlns:a16="http://schemas.microsoft.com/office/drawing/2014/main" id="{BA7380E2-80E8-4FE4-AE7C-2F8DAEE4F3A5}"/>
+                <a16:creationId xmlns:a16="http://schemas.microsoft.com/office/drawing/2014/main" id="{C4BCEF3F-9F1E-48FF-9E15-2BBC20D94E6E}"/>
+              </a:ext>
+            </a:extLst>
+          </p:cNvPr>
+          <p:cNvSpPr/>
+          <p:nvPr/>
+        </p:nvSpPr>
+        <p:spPr>
+          <a:xfrm>
+            <a:off x="238339" y="6149796"/>
+            <a:ext cx="11403971" cy="461665"/>
+          </a:xfrm>
+          <a:prstGeom prst="rect">
+            <a:avLst/>
+          </a:prstGeom>
+        </p:spPr>
+        <p:txBody>
+          <a:bodyPr wrap="square">
+            <a:spAutoFit/>
+          </a:bodyPr>
+          <a:lstStyle/>
+          <a:p>
+            <a:pPr marL="342900" indent="-342900">
+              <a:buFont typeface="Calibri" panose="020F0502020204030204" pitchFamily="34" charset="0"/>
+              <a:buChar char="→"/>
+            </a:pPr>
+            <a:r>
+              <a:rPr lang="en-US" sz="2400" dirty="0" err="1">
+                <a:latin typeface="Futura Lt BT" panose="020B0402020204020303" pitchFamily="34" charset="0"/>
+              </a:rPr>
+              <a:t>Vergleich</a:t>
+            </a:r>
+            <a:r>
+              <a:rPr lang="en-US" sz="2400" dirty="0">
+                <a:latin typeface="Futura Lt BT" panose="020B0402020204020303" pitchFamily="34" charset="0"/>
+              </a:rPr>
+              <a:t> der </a:t>
+            </a:r>
+            <a:r>
+              <a:rPr lang="en-US" sz="2400" dirty="0" err="1">
+                <a:latin typeface="Futura Lt BT" panose="020B0402020204020303" pitchFamily="34" charset="0"/>
+              </a:rPr>
+              <a:t>Sequenzierungs</a:t>
+            </a:r>
+            <a:r>
+              <a:rPr lang="en-US" sz="2400" dirty="0">
+                <a:latin typeface="Futura Lt BT" panose="020B0402020204020303" pitchFamily="34" charset="0"/>
+              </a:rPr>
+              <a:t>-Reads </a:t>
+            </a:r>
+            <a:r>
+              <a:rPr lang="en-US" sz="2400" dirty="0" err="1">
+                <a:latin typeface="Futura Lt BT" panose="020B0402020204020303" pitchFamily="34" charset="0"/>
+              </a:rPr>
+              <a:t>mit</a:t>
+            </a:r>
+            <a:r>
+              <a:rPr lang="en-US" sz="2400" dirty="0">
+                <a:latin typeface="Futura Lt BT" panose="020B0402020204020303" pitchFamily="34" charset="0"/>
+              </a:rPr>
+              <a:t> dem </a:t>
+            </a:r>
+            <a:r>
+              <a:rPr lang="en-US" sz="2400" dirty="0" err="1">
+                <a:latin typeface="Futura Lt BT" panose="020B0402020204020303" pitchFamily="34" charset="0"/>
+              </a:rPr>
+              <a:t>Referenz-Genom</a:t>
+            </a:r>
+            <a:r>
+              <a:rPr lang="en-US" sz="2400" dirty="0">
+                <a:latin typeface="Futura Lt BT" panose="020B0402020204020303" pitchFamily="34" charset="0"/>
+              </a:rPr>
+              <a:t> (“Alignment”)</a:t>
+            </a:r>
+          </a:p>
+        </p:txBody>
+      </p:sp>
+      <p:sp>
+        <p:nvSpPr>
+          <p:cNvPr id="16" name="Textfeld 15">
+            <a:extLst>
+              <a:ext uri="{FF2B5EF4-FFF2-40B4-BE49-F238E27FC236}">
+                <a16:creationId xmlns:a16="http://schemas.microsoft.com/office/drawing/2014/main" id="{A8A4FA22-9DFA-4424-853D-3B53CF9C11BB}"/>
               </a:ext>
             </a:extLst>
           </p:cNvPr>
@@ -7756,89 +5556,7 @@
                 <a:latin typeface="Courier New" panose="02070309020205020404" pitchFamily="49" charset="0"/>
                 <a:cs typeface="Courier New" panose="02070309020205020404" pitchFamily="49" charset="0"/>
               </a:rPr>
-              <a:t>     CGAGC</a:t>
-            </a:r>
-          </a:p>
-        </p:txBody>
-      </p:sp>
-      <p:sp>
-        <p:nvSpPr>
-          <p:cNvPr id="40" name="Rectangle 9">
-            <a:extLst>
-              <a:ext uri="{FF2B5EF4-FFF2-40B4-BE49-F238E27FC236}">
-                <a16:creationId xmlns:a16="http://schemas.microsoft.com/office/drawing/2014/main" id="{C4BCEF3F-9F1E-48FF-9E15-2BBC20D94E6E}"/>
-              </a:ext>
-            </a:extLst>
-          </p:cNvPr>
-          <p:cNvSpPr/>
-          <p:nvPr/>
-        </p:nvSpPr>
-        <p:spPr>
-          <a:xfrm>
-            <a:off x="238339" y="6149796"/>
-            <a:ext cx="11403971" cy="461665"/>
-          </a:xfrm>
-          <a:prstGeom prst="rect">
-            <a:avLst/>
-          </a:prstGeom>
-        </p:spPr>
-        <p:txBody>
-          <a:bodyPr wrap="square">
-            <a:spAutoFit/>
-          </a:bodyPr>
-          <a:lstStyle/>
-          <a:p>
-            <a:pPr marL="342900" indent="-342900">
-              <a:buFont typeface="Calibri" panose="020F0502020204030204" pitchFamily="34" charset="0"/>
-              <a:buChar char="→"/>
-            </a:pPr>
-            <a:r>
-              <a:rPr lang="en-US" sz="2400" dirty="0" err="1">
-                <a:latin typeface="Futura Lt BT" panose="020B0402020204020303" pitchFamily="34" charset="0"/>
-              </a:rPr>
-              <a:t>Vergleich</a:t>
-            </a:r>
-            <a:r>
-              <a:rPr lang="en-US" sz="2400" dirty="0">
-                <a:latin typeface="Futura Lt BT" panose="020B0402020204020303" pitchFamily="34" charset="0"/>
-              </a:rPr>
-              <a:t> der </a:t>
-            </a:r>
-            <a:r>
-              <a:rPr lang="en-US" sz="2400" dirty="0" err="1">
-                <a:latin typeface="Futura Lt BT" panose="020B0402020204020303" pitchFamily="34" charset="0"/>
-              </a:rPr>
-              <a:t>Sequenzierungs</a:t>
-            </a:r>
-            <a:r>
-              <a:rPr lang="en-US" sz="2400" dirty="0">
-                <a:latin typeface="Futura Lt BT" panose="020B0402020204020303" pitchFamily="34" charset="0"/>
-              </a:rPr>
-              <a:t>-Reads </a:t>
-            </a:r>
-            <a:r>
-              <a:rPr lang="en-US" sz="2400" dirty="0" err="1">
-                <a:latin typeface="Futura Lt BT" panose="020B0402020204020303" pitchFamily="34" charset="0"/>
-              </a:rPr>
-              <a:t>mit</a:t>
-            </a:r>
-            <a:r>
-              <a:rPr lang="en-US" sz="2400" dirty="0">
-                <a:latin typeface="Futura Lt BT" panose="020B0402020204020303" pitchFamily="34" charset="0"/>
-              </a:rPr>
-              <a:t> dem </a:t>
-            </a:r>
-            <a:r>
-              <a:rPr lang="en-US" sz="2400" dirty="0" err="1">
-                <a:latin typeface="Futura Lt BT" panose="020B0402020204020303" pitchFamily="34" charset="0"/>
-              </a:rPr>
-              <a:t>Referenz-Genom</a:t>
-            </a:r>
-            <a:r>
-              <a:rPr lang="en-US" sz="2400" dirty="0">
-                <a:latin typeface="Futura Lt BT" panose="020B0402020204020303" pitchFamily="34" charset="0"/>
-              </a:rPr>
-              <a:t> (“Alignment”)</a:t>
+              <a:t>                        CTTCGAGAAAC</a:t>
             </a:r>
           </a:p>
         </p:txBody>
@@ -8030,7 +5748,7 @@
                                           </p:stCondLst>
                                         </p:cTn>
                                         <p:tgtEl>
-                                          <p:spTgt spid="19"/>
+                                          <p:spTgt spid="16"/>
                                         </p:tgtEl>
                                         <p:attrNameLst>
                                           <p:attrName>style.visibility</p:attrName>
@@ -8075,34 +5793,7 @@
                                           </p:stCondLst>
                                         </p:cTn>
                                         <p:tgtEl>
-                                          <p:spTgt spid="35"/>
-                                        </p:tgtEl>
-                                        <p:attrNameLst>
-                                          <p:attrName>style.visibility</p:attrName>
-                                        </p:attrNameLst>
-                                      </p:cBhvr>
-                                      <p:to>
-                                        <p:strVal val="visible"/>
-                                      </p:to>
-                                    </p:set>
-                                  </p:childTnLst>
-                                </p:cTn>
-                              </p:par>
-                              <p:par>
-                                <p:cTn id="24" presetID="1" presetClass="entr" presetSubtype="0" fill="hold" grpId="0" nodeType="withEffect">
-                                  <p:stCondLst>
-                                    <p:cond delay="0"/>
-                                  </p:stCondLst>
-                                  <p:childTnLst>
-                                    <p:set>
-                                      <p:cBhvr>
-                                        <p:cTn id="25" dur="1" fill="hold">
-                                          <p:stCondLst>
-                                            <p:cond delay="0"/>
-                                          </p:stCondLst>
-                                        </p:cTn>
-                                        <p:tgtEl>
-                                          <p:spTgt spid="25"/>
+                                          <p:spTgt spid="19"/>
                                         </p:tgtEl>
                                         <p:attrNameLst>
                                           <p:attrName>style.visibility</p:attrName>
@@ -8122,32 +5813,32 @@
                     </p:cTn>
                   </p:par>
                   <p:par>
-                    <p:cTn id="26" fill="hold">
+                    <p:cTn id="24" fill="hold">
                       <p:stCondLst>
                         <p:cond delay="indefinite"/>
                       </p:stCondLst>
                       <p:childTnLst>
                         <p:par>
-                          <p:cTn id="27" fill="hold">
+                          <p:cTn id="25" fill="hold">
                             <p:stCondLst>
                               <p:cond delay="0"/>
                             </p:stCondLst>
                             <p:childTnLst>
                               <p:par>
-                                <p:cTn id="28" presetID="1" presetClass="entr" presetSubtype="0" fill="hold" grpId="0" nodeType="clickEffect">
+                                <p:cTn id="26" presetID="1" presetClass="entr" presetSubtype="0" fill="hold" grpId="0" nodeType="clickEffect">
                                   <p:stCondLst>
                                     <p:cond delay="0"/>
                                   </p:stCondLst>
                                   <p:childTnLst>
                                     <p:set>
                                       <p:cBhvr>
-                                        <p:cTn id="29" dur="1" fill="hold">
+                                        <p:cTn id="27" dur="1" fill="hold">
                                           <p:stCondLst>
                                             <p:cond delay="0"/>
                                           </p:stCondLst>
                                         </p:cTn>
                                         <p:tgtEl>
-                                          <p:spTgt spid="37"/>
+                                          <p:spTgt spid="35"/>
                                         </p:tgtEl>
                                         <p:attrNameLst>
                                           <p:attrName>style.visibility</p:attrName>
@@ -8161,14 +5852,86 @@
                                 </p:cTn>
                               </p:par>
                               <p:par>
-                                <p:cTn id="30" presetID="1" presetClass="entr" presetSubtype="0" fill="hold" grpId="0" nodeType="withEffect">
+                                <p:cTn id="28" presetID="1" presetClass="entr" presetSubtype="0" fill="hold" grpId="0" nodeType="withEffect">
                                   <p:stCondLst>
                                     <p:cond delay="0"/>
                                   </p:stCondLst>
                                   <p:childTnLst>
                                     <p:set>
                                       <p:cBhvr>
-                                        <p:cTn id="31" dur="1" fill="hold">
+                                        <p:cTn id="29" dur="1" fill="hold">
+                                          <p:stCondLst>
+                                            <p:cond delay="0"/>
+                                          </p:stCondLst>
+                                        </p:cTn>
+                                        <p:tgtEl>
+                                          <p:spTgt spid="25"/>
+                                        </p:tgtEl>
+                                        <p:attrNameLst>
+                                          <p:attrName>style.visibility</p:attrName>
+                                        </p:attrNameLst>
+                                      </p:cBhvr>
+                                      <p:to>
+                                        <p:strVal val="visible"/>
+                                      </p:to>
+                                    </p:set>
+                                  </p:childTnLst>
+                                </p:cTn>
+                              </p:par>
+                            </p:childTnLst>
+                          </p:cTn>
+                        </p:par>
+                      </p:childTnLst>
+                    </p:cTn>
+                  </p:par>
+                  <p:par>
+                    <p:cTn id="30" fill="hold">
+                      <p:stCondLst>
+                        <p:cond delay="indefinite"/>
+                      </p:stCondLst>
+                      <p:childTnLst>
+                        <p:par>
+                          <p:cTn id="31" fill="hold">
+                            <p:stCondLst>
+                              <p:cond delay="0"/>
+                            </p:stCondLst>
+                            <p:childTnLst>
+                              <p:par>
+                                <p:cTn id="32" presetID="1" presetClass="entr" presetSubtype="0" fill="hold" grpId="0" nodeType="clickEffect">
+                                  <p:stCondLst>
+                                    <p:cond delay="0"/>
+                                  </p:stCondLst>
+                                  <p:childTnLst>
+                                    <p:set>
+                                      <p:cBhvr>
+                                        <p:cTn id="33" dur="1" fill="hold">
+                                          <p:stCondLst>
+                                            <p:cond delay="0"/>
+                                          </p:stCondLst>
+                                        </p:cTn>
+                                        <p:tgtEl>
+                                          <p:spTgt spid="37"/>
+                                        </p:tgtEl>
+                                        <p:attrNameLst>
+                                          <p:attrName>style.visibility</p:attrName>
+                                        </p:attrNameLst>
+                                      </p:cBhvr>
+                                      <p:to>
+                                        <p:strVal val="visible"/>
+                                      </p:to>
+                                    </p:set>
+                                  </p:childTnLst>
+                                </p:cTn>
+                              </p:par>
+                              <p:par>
+                                <p:cTn id="34" presetID="1" presetClass="entr" presetSubtype="0" fill="hold" grpId="0" nodeType="withEffect">
+                                  <p:stCondLst>
+                                    <p:cond delay="0"/>
+                                  </p:stCondLst>
+                                  <p:childTnLst>
+                                    <p:set>
+                                      <p:cBhvr>
+                                        <p:cTn id="35" dur="1" fill="hold">
                                           <p:stCondLst>
                                             <p:cond delay="0"/>
                                           </p:stCondLst>
@@ -8216,19 +5979,20 @@
     </p:tnLst>
     <p:bldLst>
       <p:bldP spid="19" grpId="0"/>
+      <p:bldP spid="39" grpId="0"/>
       <p:bldP spid="25" grpId="0"/>
       <p:bldP spid="31" grpId="0"/>
       <p:bldP spid="33" grpId="0"/>
       <p:bldP spid="35" grpId="0"/>
       <p:bldP spid="37" grpId="0"/>
-      <p:bldP spid="39" grpId="0"/>
       <p:bldP spid="40" grpId="0"/>
+      <p:bldP spid="16" grpId="0"/>
     </p:bldLst>
   </p:timing>
 </p:sld>
 </file>
 
-<file path=ppt/slides/slide12.xml><?xml version="1.0" encoding="utf-8"?>
+<file path=ppt/slides/slide11.xml><?xml version="1.0" encoding="utf-8"?>
 <p:sld xmlns:a="http://schemas.openxmlformats.org/drawingml/2006/main" xmlns:r="http://schemas.openxmlformats.org/officeDocument/2006/relationships" xmlns:p="http://schemas.openxmlformats.org/presentationml/2006/main">
   <p:cSld>
     <p:spTree>
@@ -8347,7 +6111,7 @@
             </a:r>
             <a:r>
               <a:rPr lang="de-DE" sz="1400" baseline="30000" dirty="0"/>
-              <a:t>3 </a:t>
+              <a:t>4 </a:t>
             </a:r>
             <a:r>
               <a:rPr lang="de-DE" sz="1400" dirty="0"/>
@@ -9100,7 +6864,7 @@
 </p:sld>
 </file>
 
-<file path=ppt/slides/slide13.xml><?xml version="1.0" encoding="utf-8"?>
+<file path=ppt/slides/slide12.xml><?xml version="1.0" encoding="utf-8"?>
 <p:sld xmlns:a="http://schemas.openxmlformats.org/drawingml/2006/main" xmlns:r="http://schemas.openxmlformats.org/officeDocument/2006/relationships" xmlns:p="http://schemas.openxmlformats.org/presentationml/2006/main">
   <p:cSld>
     <p:spTree>
@@ -9147,59 +6911,6 @@
           </a:p>
         </p:txBody>
       </p:sp>
-      <p:sp>
-        <p:nvSpPr>
-          <p:cNvPr id="16" name="Inhaltsplatzhalter 2">
-            <a:extLst>
-              <a:ext uri="{FF2B5EF4-FFF2-40B4-BE49-F238E27FC236}">
-                <a16:creationId xmlns:a16="http://schemas.microsoft.com/office/drawing/2014/main" id="{37B17B41-9697-4798-BB48-53B0354E3AD8}"/>
-              </a:ext>
-            </a:extLst>
-          </p:cNvPr>
-          <p:cNvSpPr>
-            <a:spLocks noGrp="1"/>
-          </p:cNvSpPr>
-          <p:nvPr>
-            <p:ph idx="1"/>
-          </p:nvPr>
-        </p:nvSpPr>
-        <p:spPr>
-          <a:xfrm>
-            <a:off x="838200" y="1825625"/>
-            <a:ext cx="10515600" cy="4351338"/>
-          </a:xfrm>
-        </p:spPr>
-        <p:txBody>
-          <a:bodyPr>
-            <a:normAutofit/>
-          </a:bodyPr>
-          <a:lstStyle/>
-          <a:p>
-            <a:r>
-              <a:rPr lang="de-DE" sz="2000" dirty="0"/>
-              <a:t>Nach dem Variant Calling wissen wir, welche Isolate wo von der Referenz abweichen – und welche nicht.</a:t>
-            </a:r>
-          </a:p>
-          <a:p>
-            <a:r>
-              <a:rPr lang="de-DE" sz="2000" dirty="0"/>
-              <a:t>Daraus ergibt sich eine Distanzmatrix, die die paarweisen Unterschiede für alle Isolate auflistet.</a:t>
-            </a:r>
-          </a:p>
-          <a:p>
-            <a:r>
-              <a:rPr lang="de-DE" sz="2000" dirty="0"/>
-              <a:t>Ein Unterschied zählt dabei als 1.</a:t>
-            </a:r>
-          </a:p>
-          <a:p>
-            <a:pPr marL="0" indent="0">
-              <a:buNone/>
-            </a:pPr>
-            <a:endParaRPr lang="de-DE" sz="1800" dirty="0"/>
-          </a:p>
-        </p:txBody>
-      </p:sp>
       <p:graphicFrame>
         <p:nvGraphicFramePr>
           <p:cNvPr id="5" name="Tabelle 6">
@@ -9215,13 +6926,13 @@
           <p:nvPr>
             <p:extLst>
               <p:ext uri="{D42A27DB-BD31-4B8C-83A1-F6EECF244321}">
-                <p14:modId xmlns:p14="http://schemas.microsoft.com/office/powerpoint/2010/main" val="934082475"/>
+                <p14:modId xmlns:p14="http://schemas.microsoft.com/office/powerpoint/2010/main" val="2726658887"/>
               </p:ext>
             </p:extLst>
           </p:nvPr>
         </p:nvGraphicFramePr>
         <p:xfrm>
-          <a:off x="1216991" y="4001294"/>
+          <a:off x="2928000" y="2291764"/>
           <a:ext cx="6336000" cy="1483360"/>
         </p:xfrm>
         <a:graphic>
@@ -9397,6 +7108,15 @@
                       <a:headEnd type="none" w="med" len="med"/>
                       <a:tailEnd type="none" w="med" len="med"/>
                     </a:lnL>
+                    <a:lnR w="12700" cap="flat" cmpd="sng" algn="ctr">
+                      <a:solidFill>
+                        <a:schemeClr val="tx1"/>
+                      </a:solidFill>
+                      <a:prstDash val="solid"/>
+                      <a:round/>
+                      <a:headEnd type="none" w="med" len="med"/>
+                      <a:tailEnd type="none" w="med" len="med"/>
+                    </a:lnR>
                     <a:lnB w="12700" cap="flat" cmpd="sng" algn="ctr">
                       <a:solidFill>
                         <a:schemeClr val="tx1"/>
@@ -9575,6 +7295,15 @@
                       <a:headEnd type="none" w="med" len="med"/>
                       <a:tailEnd type="none" w="med" len="med"/>
                     </a:lnL>
+                    <a:lnR w="12700" cap="flat" cmpd="sng" algn="ctr">
+                      <a:solidFill>
+                        <a:schemeClr val="tx1"/>
+                      </a:solidFill>
+                      <a:prstDash val="solid"/>
+                      <a:round/>
+                      <a:headEnd type="none" w="med" len="med"/>
+                      <a:tailEnd type="none" w="med" len="med"/>
+                    </a:lnR>
                     <a:lnT w="12700" cap="flat" cmpd="sng" algn="ctr">
                       <a:solidFill>
                         <a:schemeClr val="tx1"/>
@@ -9765,6 +7494,15 @@
                       <a:headEnd type="none" w="med" len="med"/>
                       <a:tailEnd type="none" w="med" len="med"/>
                     </a:lnL>
+                    <a:lnR w="12700" cap="flat" cmpd="sng" algn="ctr">
+                      <a:solidFill>
+                        <a:schemeClr val="tx1"/>
+                      </a:solidFill>
+                      <a:prstDash val="solid"/>
+                      <a:round/>
+                      <a:headEnd type="none" w="med" len="med"/>
+                      <a:tailEnd type="none" w="med" len="med"/>
+                    </a:lnR>
                     <a:lnT w="12700" cap="flat" cmpd="sng" algn="ctr">
                       <a:solidFill>
                         <a:schemeClr val="tx1"/>
@@ -9823,6 +7561,15 @@
                       <a:headEnd type="none" w="med" len="med"/>
                       <a:tailEnd type="none" w="med" len="med"/>
                     </a:lnT>
+                    <a:lnB w="12700" cap="flat" cmpd="sng" algn="ctr">
+                      <a:solidFill>
+                        <a:schemeClr val="tx1"/>
+                      </a:solidFill>
+                      <a:prstDash val="solid"/>
+                      <a:round/>
+                      <a:headEnd type="none" w="med" len="med"/>
+                      <a:tailEnd type="none" w="med" len="med"/>
+                    </a:lnB>
                   </a:tcPr>
                 </a:tc>
                 <a:tc>
@@ -9865,6 +7612,15 @@
                       <a:headEnd type="none" w="med" len="med"/>
                       <a:tailEnd type="none" w="med" len="med"/>
                     </a:lnT>
+                    <a:lnB w="12700" cap="flat" cmpd="sng" algn="ctr">
+                      <a:solidFill>
+                        <a:schemeClr val="tx1"/>
+                      </a:solidFill>
+                      <a:prstDash val="solid"/>
+                      <a:round/>
+                      <a:headEnd type="none" w="med" len="med"/>
+                      <a:tailEnd type="none" w="med" len="med"/>
+                    </a:lnB>
                   </a:tcPr>
                 </a:tc>
                 <a:tc>
@@ -9907,6 +7663,15 @@
                       <a:headEnd type="none" w="med" len="med"/>
                       <a:tailEnd type="none" w="med" len="med"/>
                     </a:lnT>
+                    <a:lnB w="12700" cap="flat" cmpd="sng" algn="ctr">
+                      <a:solidFill>
+                        <a:schemeClr val="tx1"/>
+                      </a:solidFill>
+                      <a:prstDash val="solid"/>
+                      <a:round/>
+                      <a:headEnd type="none" w="med" len="med"/>
+                      <a:tailEnd type="none" w="med" len="med"/>
+                    </a:lnB>
                   </a:tcPr>
                 </a:tc>
                 <a:tc>
@@ -9931,6 +7696,15 @@
                       <a:headEnd type="none" w="med" len="med"/>
                       <a:tailEnd type="none" w="med" len="med"/>
                     </a:lnL>
+                    <a:lnR w="12700" cap="flat" cmpd="sng" algn="ctr">
+                      <a:solidFill>
+                        <a:schemeClr val="tx1"/>
+                      </a:solidFill>
+                      <a:prstDash val="solid"/>
+                      <a:round/>
+                      <a:headEnd type="none" w="med" len="med"/>
+                      <a:tailEnd type="none" w="med" len="med"/>
+                    </a:lnR>
                     <a:lnT w="12700" cap="flat" cmpd="sng" algn="ctr">
                       <a:solidFill>
                         <a:schemeClr val="tx1"/>
@@ -9940,6 +7714,15 @@
                       <a:headEnd type="none" w="med" len="med"/>
                       <a:tailEnd type="none" w="med" len="med"/>
                     </a:lnT>
+                    <a:lnB w="12700" cap="flat" cmpd="sng" algn="ctr">
+                      <a:solidFill>
+                        <a:schemeClr val="tx1"/>
+                      </a:solidFill>
+                      <a:prstDash val="solid"/>
+                      <a:round/>
+                      <a:headEnd type="none" w="med" len="med"/>
+                      <a:tailEnd type="none" w="med" len="med"/>
+                    </a:lnB>
                   </a:tcPr>
                 </a:tc>
                 <a:extLst>
@@ -9966,8 +7749,8 @@
         </p:nvSpPr>
         <p:spPr>
           <a:xfrm>
-            <a:off x="238339" y="6149796"/>
-            <a:ext cx="11788009" cy="461665"/>
+            <a:off x="559804" y="4559535"/>
+            <a:ext cx="11788009" cy="830997"/>
           </a:xfrm>
           <a:prstGeom prst="rect">
             <a:avLst/>
@@ -9978,6 +7761,63 @@
             <a:spAutoFit/>
           </a:bodyPr>
           <a:lstStyle/>
+          <a:p>
+            <a:pPr marL="342900" indent="-342900">
+              <a:buFont typeface="Calibri" panose="020F0502020204030204" pitchFamily="34" charset="0"/>
+              <a:buChar char="→"/>
+            </a:pPr>
+            <a:r>
+              <a:rPr lang="en-US" sz="2400" dirty="0">
+                <a:latin typeface="Futura Lt BT" panose="020B0402020204020303" pitchFamily="34" charset="0"/>
+              </a:rPr>
+              <a:t>Ein </a:t>
+            </a:r>
+            <a:r>
+              <a:rPr lang="en-US" sz="2400" dirty="0" err="1">
+                <a:latin typeface="Futura Lt BT" panose="020B0402020204020303" pitchFamily="34" charset="0"/>
+              </a:rPr>
+              <a:t>Unterschied</a:t>
+            </a:r>
+            <a:r>
+              <a:rPr lang="en-US" sz="2400" dirty="0">
+                <a:latin typeface="Futura Lt BT" panose="020B0402020204020303" pitchFamily="34" charset="0"/>
+              </a:rPr>
+              <a:t> </a:t>
+            </a:r>
+            <a:r>
+              <a:rPr lang="en-US" sz="2400" dirty="0" err="1">
+                <a:latin typeface="Futura Lt BT" panose="020B0402020204020303" pitchFamily="34" charset="0"/>
+              </a:rPr>
+              <a:t>zählt</a:t>
+            </a:r>
+            <a:r>
+              <a:rPr lang="en-US" sz="2400" dirty="0">
+                <a:latin typeface="Futura Lt BT" panose="020B0402020204020303" pitchFamily="34" charset="0"/>
+              </a:rPr>
+              <a:t> </a:t>
+            </a:r>
+            <a:r>
+              <a:rPr lang="en-US" sz="2400" dirty="0" err="1">
+                <a:latin typeface="Futura Lt BT" panose="020B0402020204020303" pitchFamily="34" charset="0"/>
+              </a:rPr>
+              <a:t>als</a:t>
+            </a:r>
+            <a:r>
+              <a:rPr lang="en-US" sz="2400" dirty="0">
+                <a:latin typeface="Futura Lt BT" panose="020B0402020204020303" pitchFamily="34" charset="0"/>
+              </a:rPr>
+              <a:t> 1 in der </a:t>
+            </a:r>
+            <a:r>
+              <a:rPr lang="en-US" sz="2400" dirty="0" err="1">
+                <a:latin typeface="Futura Lt BT" panose="020B0402020204020303" pitchFamily="34" charset="0"/>
+              </a:rPr>
+              <a:t>Distanzmatrix</a:t>
+            </a:r>
+            <a:endParaRPr lang="en-US" sz="2400" dirty="0">
+              <a:latin typeface="Futura Lt BT" panose="020B0402020204020303" pitchFamily="34" charset="0"/>
+            </a:endParaRPr>
+          </a:p>
           <a:p>
             <a:pPr marL="342900" indent="-342900">
               <a:buFont typeface="Calibri" panose="020F0502020204030204" pitchFamily="34" charset="0"/>
@@ -10132,11 +7972,7 @@
                                           </p:stCondLst>
                                         </p:cTn>
                                         <p:tgtEl>
-                                          <p:spTgt spid="16">
-                                            <p:txEl>
-                                              <p:pRg st="0" end="0"/>
-                                            </p:txEl>
-                                          </p:spTgt>
+                                          <p:spTgt spid="5"/>
                                         </p:tgtEl>
                                         <p:attrNameLst>
                                           <p:attrName>style.visibility</p:attrName>
@@ -10150,11 +7986,7 @@
                                       <p:cBhvr>
                                         <p:cTn id="7" dur="500"/>
                                         <p:tgtEl>
-                                          <p:spTgt spid="16">
-                                            <p:txEl>
-                                              <p:pRg st="0" end="0"/>
-                                            </p:txEl>
-                                          </p:spTgt>
+                                          <p:spTgt spid="5"/>
                                         </p:tgtEl>
                                       </p:cBhvr>
                                     </p:animEffect>
@@ -10180,7 +8012,7 @@
                             </p:stCondLst>
                             <p:childTnLst>
                               <p:par>
-                                <p:cTn id="10" presetID="10" presetClass="entr" presetSubtype="0" fill="hold" nodeType="clickEffect">
+                                <p:cTn id="10" presetID="10" presetClass="entr" presetSubtype="0" fill="hold" grpId="0" nodeType="clickEffect">
                                   <p:stCondLst>
                                     <p:cond delay="0"/>
                                   </p:stCondLst>
@@ -10193,11 +8025,7 @@
                                           </p:stCondLst>
                                         </p:cTn>
                                         <p:tgtEl>
-                                          <p:spTgt spid="16">
-                                            <p:txEl>
-                                              <p:pRg st="1" end="1"/>
-                                            </p:txEl>
-                                          </p:spTgt>
+                                          <p:spTgt spid="7"/>
                                         </p:tgtEl>
                                         <p:attrNameLst>
                                           <p:attrName>style.visibility</p:attrName>
@@ -10210,177 +8038,6 @@
                                     <p:animEffect transition="in" filter="fade">
                                       <p:cBhvr>
                                         <p:cTn id="12" dur="500"/>
-                                        <p:tgtEl>
-                                          <p:spTgt spid="16">
-                                            <p:txEl>
-                                              <p:pRg st="1" end="1"/>
-                                            </p:txEl>
-                                          </p:spTgt>
-                                        </p:tgtEl>
-                                      </p:cBhvr>
-                                    </p:animEffect>
-                                  </p:childTnLst>
-                                </p:cTn>
-                              </p:par>
-                            </p:childTnLst>
-                          </p:cTn>
-                        </p:par>
-                      </p:childTnLst>
-                    </p:cTn>
-                  </p:par>
-                  <p:par>
-                    <p:cTn id="13" fill="hold">
-                      <p:stCondLst>
-                        <p:cond delay="indefinite"/>
-                      </p:stCondLst>
-                      <p:childTnLst>
-                        <p:par>
-                          <p:cTn id="14" fill="hold">
-                            <p:stCondLst>
-                              <p:cond delay="0"/>
-                            </p:stCondLst>
-                            <p:childTnLst>
-                              <p:par>
-                                <p:cTn id="15" presetID="10" presetClass="entr" presetSubtype="0" fill="hold" nodeType="clickEffect">
-                                  <p:stCondLst>
-                                    <p:cond delay="0"/>
-                                  </p:stCondLst>
-                                  <p:childTnLst>
-                                    <p:set>
-                                      <p:cBhvr>
-                                        <p:cTn id="16" dur="1" fill="hold">
-                                          <p:stCondLst>
-                                            <p:cond delay="0"/>
-                                          </p:stCondLst>
-                                        </p:cTn>
-                                        <p:tgtEl>
-                                          <p:spTgt spid="16">
-                                            <p:txEl>
-                                              <p:pRg st="2" end="2"/>
-                                            </p:txEl>
-                                          </p:spTgt>
-                                        </p:tgtEl>
-                                        <p:attrNameLst>
-                                          <p:attrName>style.visibility</p:attrName>
-                                        </p:attrNameLst>
-                                      </p:cBhvr>
-                                      <p:to>
-                                        <p:strVal val="visible"/>
-                                      </p:to>
-                                    </p:set>
-                                    <p:animEffect transition="in" filter="fade">
-                                      <p:cBhvr>
-                                        <p:cTn id="17" dur="500"/>
-                                        <p:tgtEl>
-                                          <p:spTgt spid="16">
-                                            <p:txEl>
-                                              <p:pRg st="2" end="2"/>
-                                            </p:txEl>
-                                          </p:spTgt>
-                                        </p:tgtEl>
-                                      </p:cBhvr>
-                                    </p:animEffect>
-                                  </p:childTnLst>
-                                </p:cTn>
-                              </p:par>
-                            </p:childTnLst>
-                          </p:cTn>
-                        </p:par>
-                      </p:childTnLst>
-                    </p:cTn>
-                  </p:par>
-                  <p:par>
-                    <p:cTn id="18" fill="hold">
-                      <p:stCondLst>
-                        <p:cond delay="indefinite"/>
-                      </p:stCondLst>
-                      <p:childTnLst>
-                        <p:par>
-                          <p:cTn id="19" fill="hold">
-                            <p:stCondLst>
-                              <p:cond delay="0"/>
-                            </p:stCondLst>
-                            <p:childTnLst>
-                              <p:par>
-                                <p:cTn id="20" presetID="10" presetClass="entr" presetSubtype="0" fill="hold" nodeType="clickEffect">
-                                  <p:stCondLst>
-                                    <p:cond delay="0"/>
-                                  </p:stCondLst>
-                                  <p:childTnLst>
-                                    <p:set>
-                                      <p:cBhvr>
-                                        <p:cTn id="21" dur="1" fill="hold">
-                                          <p:stCondLst>
-                                            <p:cond delay="0"/>
-                                          </p:stCondLst>
-                                        </p:cTn>
-                                        <p:tgtEl>
-                                          <p:spTgt spid="5"/>
-                                        </p:tgtEl>
-                                        <p:attrNameLst>
-                                          <p:attrName>style.visibility</p:attrName>
-                                        </p:attrNameLst>
-                                      </p:cBhvr>
-                                      <p:to>
-                                        <p:strVal val="visible"/>
-                                      </p:to>
-                                    </p:set>
-                                    <p:animEffect transition="in" filter="fade">
-                                      <p:cBhvr>
-                                        <p:cTn id="22" dur="500"/>
-                                        <p:tgtEl>
-                                          <p:spTgt spid="5"/>
-                                        </p:tgtEl>
-                                      </p:cBhvr>
-                                    </p:animEffect>
-                                  </p:childTnLst>
-                                </p:cTn>
-                              </p:par>
-                            </p:childTnLst>
-                          </p:cTn>
-                        </p:par>
-                      </p:childTnLst>
-                    </p:cTn>
-                  </p:par>
-                  <p:par>
-                    <p:cTn id="23" fill="hold">
-                      <p:stCondLst>
-                        <p:cond delay="indefinite"/>
-                      </p:stCondLst>
-                      <p:childTnLst>
-                        <p:par>
-                          <p:cTn id="24" fill="hold">
-                            <p:stCondLst>
-                              <p:cond delay="0"/>
-                            </p:stCondLst>
-                            <p:childTnLst>
-                              <p:par>
-                                <p:cTn id="25" presetID="10" presetClass="entr" presetSubtype="0" fill="hold" grpId="0" nodeType="clickEffect">
-                                  <p:stCondLst>
-                                    <p:cond delay="0"/>
-                                  </p:stCondLst>
-                                  <p:childTnLst>
-                                    <p:set>
-                                      <p:cBhvr>
-                                        <p:cTn id="26" dur="1" fill="hold">
-                                          <p:stCondLst>
-                                            <p:cond delay="0"/>
-                                          </p:stCondLst>
-                                        </p:cTn>
-                                        <p:tgtEl>
-                                          <p:spTgt spid="7"/>
-                                        </p:tgtEl>
-                                        <p:attrNameLst>
-                                          <p:attrName>style.visibility</p:attrName>
-                                        </p:attrNameLst>
-                                      </p:cBhvr>
-                                      <p:to>
-                                        <p:strVal val="visible"/>
-                                      </p:to>
-                                    </p:set>
-                                    <p:animEffect transition="in" filter="fade">
-                                      <p:cBhvr>
-                                        <p:cTn id="27" dur="500"/>
                                         <p:tgtEl>
                                           <p:spTgt spid="7"/>
                                         </p:tgtEl>
@@ -10423,7 +8080,7 @@
 </p:sld>
 </file>
 
-<file path=ppt/slides/slide14.xml><?xml version="1.0" encoding="utf-8"?>
+<file path=ppt/slides/slide13.xml><?xml version="1.0" encoding="utf-8"?>
 <p:sld xmlns:a="http://schemas.openxmlformats.org/drawingml/2006/main" xmlns:r="http://schemas.openxmlformats.org/officeDocument/2006/relationships" xmlns:p="http://schemas.openxmlformats.org/presentationml/2006/main">
   <p:cSld>
     <p:spTree>
@@ -10486,8 +8143,8 @@
         </p:nvSpPr>
         <p:spPr>
           <a:xfrm>
-            <a:off x="838200" y="1825625"/>
-            <a:ext cx="10515600" cy="2315680"/>
+            <a:off x="838200" y="1693105"/>
+            <a:ext cx="10515600" cy="1712239"/>
           </a:xfrm>
         </p:spPr>
         <p:txBody>
@@ -10498,15 +8155,7 @@
           <a:p>
             <a:r>
               <a:rPr lang="de-DE" sz="2000" dirty="0"/>
-              <a:t>Intuitiv: </a:t>
-            </a:r>
-            <a:r>
-              <a:rPr lang="de-DE" sz="2000" b="1" dirty="0"/>
-              <a:t>Annahme</a:t>
-            </a:r>
-            <a:r>
-              <a:rPr lang="de-DE" sz="2000" dirty="0"/>
-              <a:t>, dass alle Isolate durch direkte und unmittelbare Transmissions-Events verbunden sind; Rekonstruktion einer möglichen Infektionskette.</a:t>
+              <a:t>Intuitiv: Rekonstruktion einer möglichen Infektionskette, in der der genetische Abstand zwischen Isolaten minimiert wird.</a:t>
             </a:r>
           </a:p>
           <a:p>
@@ -10534,7 +8183,15 @@
           <a:p>
             <a:r>
               <a:rPr lang="de-DE" sz="2000" dirty="0"/>
-              <a:t>Graph (im mathematische Sinne), in dem die sequenzierten Isolaten als „Knoten“ repräsentiert sind; wir suchen eine Art und Weise, die Knoten mit sog. „Kanten“ so zu verbinden, dass die paarweise Distanz der mit Kanten verbundenen Isolate minimal ist.</a:t>
+              <a:t>Achtung: </a:t>
+            </a:r>
+            <a:r>
+              <a:rPr lang="de-DE" sz="2000" i="1" dirty="0"/>
+              <a:t>mögliche</a:t>
+            </a:r>
+            <a:r>
+              <a:rPr lang="de-DE" sz="2000" dirty="0"/>
+              <a:t> Infektionskette, muss interpretiert werden!</a:t>
             </a:r>
           </a:p>
         </p:txBody>
@@ -10553,7 +8210,7 @@
         </p:nvGrpSpPr>
         <p:grpSpPr>
           <a:xfrm>
-            <a:off x="838200" y="4456044"/>
+            <a:off x="838200" y="3541643"/>
             <a:ext cx="2616115" cy="1533445"/>
             <a:chOff x="838200" y="4456044"/>
             <a:chExt cx="2616115" cy="1533445"/>
@@ -11009,7 +8666,7 @@
         </p:nvGrpSpPr>
         <p:grpSpPr>
           <a:xfrm>
-            <a:off x="8569973" y="4456044"/>
+            <a:off x="8569973" y="3541643"/>
             <a:ext cx="2276048" cy="1533445"/>
             <a:chOff x="1178267" y="4456044"/>
             <a:chExt cx="2276048" cy="1533445"/>
@@ -11379,7 +9036,7 @@
         </p:nvGrpSpPr>
         <p:grpSpPr>
           <a:xfrm>
-            <a:off x="4534053" y="4456044"/>
+            <a:off x="4534053" y="3541643"/>
             <a:ext cx="2201998" cy="1533445"/>
             <a:chOff x="838200" y="4456044"/>
             <a:chExt cx="2201998" cy="1533445"/>
@@ -11749,7 +9406,7 @@
         </p:nvSpPr>
         <p:spPr>
           <a:xfrm>
-            <a:off x="4565373" y="6118074"/>
+            <a:off x="4565373" y="5203673"/>
             <a:ext cx="2589234" cy="584775"/>
           </a:xfrm>
           <a:prstGeom prst="rect">
@@ -11793,7 +9450,7 @@
         </p:nvSpPr>
         <p:spPr>
           <a:xfrm>
-            <a:off x="8206321" y="6118074"/>
+            <a:off x="8206321" y="5203673"/>
             <a:ext cx="2589234" cy="584775"/>
           </a:xfrm>
           <a:prstGeom prst="rect">
@@ -11820,6 +9477,47 @@
               <a:t>Kumulierte paarweise Distanz: 2</a:t>
             </a:r>
             <a:endParaRPr lang="de-DE" dirty="0"/>
+          </a:p>
+        </p:txBody>
+      </p:sp>
+      <p:sp>
+        <p:nvSpPr>
+          <p:cNvPr id="35" name="Textfeld 34">
+            <a:extLst>
+              <a:ext uri="{FF2B5EF4-FFF2-40B4-BE49-F238E27FC236}">
+                <a16:creationId xmlns:a16="http://schemas.microsoft.com/office/drawing/2014/main" id="{0A768701-6CBE-4787-AF14-A40033D3DCA2}"/>
+              </a:ext>
+            </a:extLst>
+          </p:cNvPr>
+          <p:cNvSpPr txBox="1"/>
+          <p:nvPr/>
+        </p:nvSpPr>
+        <p:spPr>
+          <a:xfrm>
+            <a:off x="422558" y="5874116"/>
+            <a:ext cx="11692708" cy="923330"/>
+          </a:xfrm>
+          <a:prstGeom prst="rect">
+            <a:avLst/>
+          </a:prstGeom>
+          <a:noFill/>
+        </p:spPr>
+        <p:txBody>
+          <a:bodyPr wrap="square">
+            <a:spAutoFit/>
+          </a:bodyPr>
+          <a:lstStyle/>
+          <a:p>
+            <a:r>
+              <a:rPr lang="de-DE" sz="1800" dirty="0">
+                <a:solidFill>
+                  <a:schemeClr val="bg1">
+                    <a:lumMod val="50000"/>
+                  </a:schemeClr>
+                </a:solidFill>
+              </a:rPr>
+              <a:t>Graph (im mathematische Sinne), in dem die sequenzierten Isolaten als „Knoten“ repräsentiert sind; wir suchen eine Art und Weise, die Knoten mit sog. „Kanten“ so zu verbinden, dass die paarweise Distanz der mit Kanten verbundenen Isolate minimal ist.</a:t>
+            </a:r>
           </a:p>
         </p:txBody>
       </p:sp>
@@ -12217,6 +9915,51 @@
                       </p:childTnLst>
                     </p:cTn>
                   </p:par>
+                  <p:par>
+                    <p:cTn id="36" fill="hold">
+                      <p:stCondLst>
+                        <p:cond delay="indefinite"/>
+                      </p:stCondLst>
+                      <p:childTnLst>
+                        <p:par>
+                          <p:cTn id="37" fill="hold">
+                            <p:stCondLst>
+                              <p:cond delay="0"/>
+                            </p:stCondLst>
+                            <p:childTnLst>
+                              <p:par>
+                                <p:cTn id="38" presetID="1" presetClass="entr" presetSubtype="0" fill="hold" grpId="0" nodeType="clickEffect">
+                                  <p:stCondLst>
+                                    <p:cond delay="0"/>
+                                  </p:stCondLst>
+                                  <p:childTnLst>
+                                    <p:set>
+                                      <p:cBhvr>
+                                        <p:cTn id="39" dur="1" fill="hold">
+                                          <p:stCondLst>
+                                            <p:cond delay="0"/>
+                                          </p:stCondLst>
+                                        </p:cTn>
+                                        <p:tgtEl>
+                                          <p:spTgt spid="35"/>
+                                        </p:tgtEl>
+                                        <p:attrNameLst>
+                                          <p:attrName>style.visibility</p:attrName>
+                                        </p:attrNameLst>
+                                      </p:cBhvr>
+                                      <p:to>
+                                        <p:strVal val="visible"/>
+                                      </p:to>
+                                    </p:set>
+                                  </p:childTnLst>
+                                </p:cTn>
+                              </p:par>
+                            </p:childTnLst>
+                          </p:cTn>
+                        </p:par>
+                      </p:childTnLst>
+                    </p:cTn>
+                  </p:par>
                 </p:childTnLst>
               </p:cTn>
               <p:prevCondLst>
@@ -12241,12 +9984,13 @@
     <p:bldLst>
       <p:bldP spid="61" grpId="0"/>
       <p:bldP spid="63" grpId="0"/>
+      <p:bldP spid="35" grpId="0"/>
     </p:bldLst>
   </p:timing>
 </p:sld>
 </file>
 
-<file path=ppt/slides/slide15.xml><?xml version="1.0" encoding="utf-8"?>
+<file path=ppt/slides/slide14.xml><?xml version="1.0" encoding="utf-8"?>
 <p:sld xmlns:a="http://schemas.openxmlformats.org/drawingml/2006/main" xmlns:r="http://schemas.openxmlformats.org/officeDocument/2006/relationships" xmlns:p="http://schemas.openxmlformats.org/presentationml/2006/main">
   <p:cSld>
     <p:spTree>
@@ -12285,10 +10029,9 @@
           <a:lstStyle/>
           <a:p>
             <a:r>
-              <a:rPr lang="de-DE"/>
+              <a:rPr lang="de-DE" dirty="0"/>
               <a:t>4. Visualisierung</a:t>
             </a:r>
-            <a:endParaRPr lang="de-DE" dirty="0"/>
           </a:p>
         </p:txBody>
       </p:sp>
@@ -12544,7 +10287,7 @@
 </p:sld>
 </file>
 
-<file path=ppt/slides/slide16.xml><?xml version="1.0" encoding="utf-8"?>
+<file path=ppt/slides/slide15.xml><?xml version="1.0" encoding="utf-8"?>
 <p:sld xmlns:a="http://schemas.openxmlformats.org/drawingml/2006/main" xmlns:r="http://schemas.openxmlformats.org/officeDocument/2006/relationships" xmlns:p="http://schemas.openxmlformats.org/presentationml/2006/main">
   <p:cSld>
     <p:spTree>
@@ -12561,12 +10304,48 @@
           <a:chExt cx="0" cy="0"/>
         </a:xfrm>
       </p:grpSpPr>
+      <p:pic>
+        <p:nvPicPr>
+          <p:cNvPr id="7" name="Grafik 6" descr="Ein Bild, das Text, Karte enthält.&#10;&#10;Automatisch generierte Beschreibung">
+            <a:extLst>
+              <a:ext uri="{FF2B5EF4-FFF2-40B4-BE49-F238E27FC236}">
+                <a16:creationId xmlns:a16="http://schemas.microsoft.com/office/drawing/2014/main" id="{05796284-B09D-4371-B8CA-EAFE01A429CF}"/>
+              </a:ext>
+            </a:extLst>
+          </p:cNvPr>
+          <p:cNvPicPr>
+            <a:picLocks noChangeAspect="1"/>
+          </p:cNvPicPr>
+          <p:nvPr/>
+        </p:nvPicPr>
+        <p:blipFill>
+          <a:blip r:embed="rId2">
+            <a:extLst>
+              <a:ext uri="{28A0092B-C50C-407E-A947-70E740481C1C}">
+                <a14:useLocalDpi xmlns:a14="http://schemas.microsoft.com/office/drawing/2010/main" val="0"/>
+              </a:ext>
+            </a:extLst>
+          </a:blip>
+          <a:stretch>
+            <a:fillRect/>
+          </a:stretch>
+        </p:blipFill>
+        <p:spPr>
+          <a:xfrm>
+            <a:off x="6729169" y="2983465"/>
+            <a:ext cx="2446728" cy="3644141"/>
+          </a:xfrm>
+          <a:prstGeom prst="rect">
+            <a:avLst/>
+          </a:prstGeom>
+        </p:spPr>
+      </p:pic>
       <p:sp>
         <p:nvSpPr>
-          <p:cNvPr id="2" name="Titel 1">
+          <p:cNvPr id="10" name="Titel 1">
             <a:extLst>
               <a:ext uri="{FF2B5EF4-FFF2-40B4-BE49-F238E27FC236}">
-                <a16:creationId xmlns:a16="http://schemas.microsoft.com/office/drawing/2014/main" id="{6ED0940A-474C-40E7-8468-55BCCD232377}"/>
+                <a16:creationId xmlns:a16="http://schemas.microsoft.com/office/drawing/2014/main" id="{5CAB6FD7-ABA7-4490-AD84-4C6355B4F58A}"/>
               </a:ext>
             </a:extLst>
           </p:cNvPr>
@@ -12577,24 +10356,70 @@
             <p:ph type="title"/>
           </p:nvPr>
         </p:nvSpPr>
-        <p:spPr/>
+        <p:spPr>
+          <a:xfrm>
+            <a:off x="838200" y="365125"/>
+            <a:ext cx="10515600" cy="1325563"/>
+          </a:xfrm>
+        </p:spPr>
         <p:txBody>
           <a:bodyPr/>
           <a:lstStyle/>
           <a:p>
             <a:r>
               <a:rPr lang="de-DE" dirty="0"/>
-              <a:t>5. Interpretation</a:t>
+              <a:t>5. Interpretation </a:t>
+            </a:r>
+          </a:p>
+        </p:txBody>
+      </p:sp>
+      <p:sp>
+        <p:nvSpPr>
+          <p:cNvPr id="12" name="Inhaltsplatzhalter 4">
+            <a:extLst>
+              <a:ext uri="{FF2B5EF4-FFF2-40B4-BE49-F238E27FC236}">
+                <a16:creationId xmlns:a16="http://schemas.microsoft.com/office/drawing/2014/main" id="{4DEF01ED-63C2-4B9E-9681-7648597EEAD9}"/>
+              </a:ext>
+            </a:extLst>
+          </p:cNvPr>
+          <p:cNvSpPr>
+            <a:spLocks noGrp="1"/>
+          </p:cNvSpPr>
+          <p:nvPr>
+            <p:ph idx="1"/>
+          </p:nvPr>
+        </p:nvSpPr>
+        <p:spPr>
+          <a:xfrm>
+            <a:off x="838200" y="1825625"/>
+            <a:ext cx="10515600" cy="2315680"/>
+          </a:xfrm>
+        </p:spPr>
+        <p:txBody>
+          <a:bodyPr>
+            <a:normAutofit/>
+          </a:bodyPr>
+          <a:lstStyle/>
+          <a:p>
+            <a:r>
+              <a:rPr lang="de-DE" sz="2000" dirty="0"/>
+              <a:t>Zusammenführung mit anderen Daten</a:t>
+            </a:r>
+          </a:p>
+          <a:p>
+            <a:r>
+              <a:rPr lang="de-DE" sz="2000" dirty="0"/>
+              <a:t>Z.B. Sampling-Datum, -Station, Patienten-Verlegungsprofile etc.</a:t>
             </a:r>
           </a:p>
         </p:txBody>
       </p:sp>
       <p:pic>
         <p:nvPicPr>
-          <p:cNvPr id="20" name="Grafik 19">
+          <p:cNvPr id="14" name="Grafik 13">
             <a:extLst>
               <a:ext uri="{FF2B5EF4-FFF2-40B4-BE49-F238E27FC236}">
-                <a16:creationId xmlns:a16="http://schemas.microsoft.com/office/drawing/2014/main" id="{5A2680BA-AF30-4ABB-8415-8B35C252A9EB}"/>
+                <a16:creationId xmlns:a16="http://schemas.microsoft.com/office/drawing/2014/main" id="{42764189-11FA-4E52-950E-119926C2A07E}"/>
               </a:ext>
             </a:extLst>
           </p:cNvPr>
@@ -12611,8 +10436,8 @@
         </p:blipFill>
         <p:spPr>
           <a:xfrm>
-            <a:off x="2861467" y="1690688"/>
-            <a:ext cx="6469065" cy="4521295"/>
+            <a:off x="980511" y="3429000"/>
+            <a:ext cx="4112485" cy="1952463"/>
           </a:xfrm>
           <a:prstGeom prst="rect">
             <a:avLst/>
@@ -12621,92 +10446,10 @@
       </p:pic>
       <p:sp>
         <p:nvSpPr>
-          <p:cNvPr id="47" name="Rectangle 9">
+          <p:cNvPr id="8" name="TextBox 39">
             <a:extLst>
               <a:ext uri="{FF2B5EF4-FFF2-40B4-BE49-F238E27FC236}">
-                <a16:creationId xmlns:a16="http://schemas.microsoft.com/office/drawing/2014/main" id="{2323ED90-0252-4C08-B953-F67FC06447B7}"/>
-              </a:ext>
-            </a:extLst>
-          </p:cNvPr>
-          <p:cNvSpPr/>
-          <p:nvPr/>
-        </p:nvSpPr>
-        <p:spPr>
-          <a:xfrm>
-            <a:off x="238339" y="6204388"/>
-            <a:ext cx="11788009" cy="461665"/>
-          </a:xfrm>
-          <a:prstGeom prst="rect">
-            <a:avLst/>
-          </a:prstGeom>
-        </p:spPr>
-        <p:txBody>
-          <a:bodyPr wrap="square">
-            <a:spAutoFit/>
-          </a:bodyPr>
-          <a:lstStyle/>
-          <a:p>
-            <a:pPr marL="342900" indent="-342900">
-              <a:buFont typeface="Calibri" panose="020F0502020204030204" pitchFamily="34" charset="0"/>
-              <a:buChar char="→"/>
-            </a:pPr>
-            <a:r>
-              <a:rPr lang="en-US" sz="2400" dirty="0" err="1">
-                <a:latin typeface="Futura Lt BT" panose="020B0402020204020303" pitchFamily="34" charset="0"/>
-              </a:rPr>
-              <a:t>Kommerzielle</a:t>
-            </a:r>
-            <a:r>
-              <a:rPr lang="en-US" sz="2400" dirty="0">
-                <a:latin typeface="Futura Lt BT" panose="020B0402020204020303" pitchFamily="34" charset="0"/>
-              </a:rPr>
-              <a:t> Software-Packages </a:t>
-            </a:r>
-            <a:r>
-              <a:rPr lang="en-US" sz="2400" dirty="0" err="1">
-                <a:latin typeface="Futura Lt BT" panose="020B0402020204020303" pitchFamily="34" charset="0"/>
-              </a:rPr>
-              <a:t>oder</a:t>
-            </a:r>
-            <a:r>
-              <a:rPr lang="en-US" sz="2400" dirty="0">
-                <a:latin typeface="Futura Lt BT" panose="020B0402020204020303" pitchFamily="34" charset="0"/>
-              </a:rPr>
-              <a:t> </a:t>
-            </a:r>
-            <a:r>
-              <a:rPr lang="en-US" sz="2400" dirty="0" err="1">
-                <a:latin typeface="Futura Lt BT" panose="020B0402020204020303" pitchFamily="34" charset="0"/>
-              </a:rPr>
-              <a:t>freie</a:t>
-            </a:r>
-            <a:r>
-              <a:rPr lang="en-US" sz="2400" dirty="0">
-                <a:latin typeface="Futura Lt BT" panose="020B0402020204020303" pitchFamily="34" charset="0"/>
-              </a:rPr>
-              <a:t> Open-Source-</a:t>
-            </a:r>
-            <a:r>
-              <a:rPr lang="en-US" sz="2400" dirty="0" err="1">
-                <a:latin typeface="Futura Lt BT" panose="020B0402020204020303" pitchFamily="34" charset="0"/>
-              </a:rPr>
-              <a:t>Alternativen</a:t>
-            </a:r>
-            <a:r>
-              <a:rPr lang="en-US" sz="2400" dirty="0">
-                <a:latin typeface="Futura Lt BT" panose="020B0402020204020303" pitchFamily="34" charset="0"/>
-              </a:rPr>
-              <a:t>.</a:t>
-            </a:r>
-          </a:p>
-        </p:txBody>
-      </p:sp>
-      <p:sp>
-        <p:nvSpPr>
-          <p:cNvPr id="22" name="Textfeld 21">
-            <a:extLst>
-              <a:ext uri="{FF2B5EF4-FFF2-40B4-BE49-F238E27FC236}">
-                <a16:creationId xmlns:a16="http://schemas.microsoft.com/office/drawing/2014/main" id="{1A4DD151-7383-4167-8FE4-2307AA1F66D3}"/>
+                <a16:creationId xmlns:a16="http://schemas.microsoft.com/office/drawing/2014/main" id="{31FAD31C-AA53-4271-882A-06F585BAF3EC}"/>
               </a:ext>
             </a:extLst>
           </p:cNvPr>
@@ -12715,48 +10458,7 @@
         </p:nvSpPr>
         <p:spPr>
           <a:xfrm>
-            <a:off x="6132343" y="3951335"/>
-            <a:ext cx="1899879" cy="369332"/>
-          </a:xfrm>
-          <a:prstGeom prst="rect">
-            <a:avLst/>
-          </a:prstGeom>
-          <a:noFill/>
-        </p:spPr>
-        <p:txBody>
-          <a:bodyPr wrap="none" rtlCol="0">
-            <a:spAutoFit/>
-          </a:bodyPr>
-          <a:lstStyle/>
-          <a:p>
-            <a:r>
-              <a:rPr lang="de-DE" b="1" dirty="0">
-                <a:solidFill>
-                  <a:schemeClr val="bg1">
-                    <a:lumMod val="50000"/>
-                  </a:schemeClr>
-                </a:solidFill>
-              </a:rPr>
-              <a:t>Quelle: Ridom.de</a:t>
-            </a:r>
-          </a:p>
-        </p:txBody>
-      </p:sp>
-      <p:sp>
-        <p:nvSpPr>
-          <p:cNvPr id="6" name="TextBox 39">
-            <a:extLst>
-              <a:ext uri="{FF2B5EF4-FFF2-40B4-BE49-F238E27FC236}">
-                <a16:creationId xmlns:a16="http://schemas.microsoft.com/office/drawing/2014/main" id="{6CB21F99-E4F4-4A39-BCFA-C090CE97923B}"/>
-              </a:ext>
-            </a:extLst>
-          </p:cNvPr>
-          <p:cNvSpPr txBox="1"/>
-          <p:nvPr/>
-        </p:nvSpPr>
-        <p:spPr>
-          <a:xfrm>
-            <a:off x="755402" y="1727289"/>
+            <a:off x="530292" y="1974038"/>
             <a:ext cx="10681197" cy="3950181"/>
           </a:xfrm>
           <a:prstGeom prst="rect">
@@ -13290,746 +10992,7 @@
     </p:spTree>
     <p:extLst>
       <p:ext uri="{BB962C8B-B14F-4D97-AF65-F5344CB8AC3E}">
-        <p14:creationId xmlns:p14="http://schemas.microsoft.com/office/powerpoint/2010/main" val="3633766729"/>
-      </p:ext>
-    </p:extLst>
-  </p:cSld>
-  <p:clrMapOvr>
-    <a:masterClrMapping/>
-  </p:clrMapOvr>
-  <p:timing>
-    <p:tnLst>
-      <p:par>
-        <p:cTn id="1" dur="indefinite" restart="never" nodeType="tmRoot">
-          <p:childTnLst>
-            <p:seq concurrent="1" nextAc="seek">
-              <p:cTn id="2" dur="indefinite" nodeType="mainSeq">
-                <p:childTnLst>
-                  <p:par>
-                    <p:cTn id="3" fill="hold">
-                      <p:stCondLst>
-                        <p:cond delay="indefinite"/>
-                        <p:cond evt="onBegin" delay="0">
-                          <p:tn val="2"/>
-                        </p:cond>
-                      </p:stCondLst>
-                      <p:childTnLst>
-                        <p:par>
-                          <p:cTn id="4" fill="hold">
-                            <p:stCondLst>
-                              <p:cond delay="0"/>
-                            </p:stCondLst>
-                            <p:childTnLst>
-                              <p:par>
-                                <p:cTn id="5" presetID="10" presetClass="entr" presetSubtype="0" fill="hold" grpId="0" nodeType="withEffect">
-                                  <p:stCondLst>
-                                    <p:cond delay="0"/>
-                                  </p:stCondLst>
-                                  <p:childTnLst>
-                                    <p:set>
-                                      <p:cBhvr>
-                                        <p:cTn id="6" dur="1" fill="hold">
-                                          <p:stCondLst>
-                                            <p:cond delay="0"/>
-                                          </p:stCondLst>
-                                        </p:cTn>
-                                        <p:tgtEl>
-                                          <p:spTgt spid="6"/>
-                                        </p:tgtEl>
-                                        <p:attrNameLst>
-                                          <p:attrName>style.visibility</p:attrName>
-                                        </p:attrNameLst>
-                                      </p:cBhvr>
-                                      <p:to>
-                                        <p:strVal val="visible"/>
-                                      </p:to>
-                                    </p:set>
-                                    <p:animEffect transition="in" filter="fade">
-                                      <p:cBhvr>
-                                        <p:cTn id="7" dur="500"/>
-                                        <p:tgtEl>
-                                          <p:spTgt spid="6"/>
-                                        </p:tgtEl>
-                                      </p:cBhvr>
-                                    </p:animEffect>
-                                  </p:childTnLst>
-                                </p:cTn>
-                              </p:par>
-                              <p:par>
-                                <p:cTn id="8" presetID="10" presetClass="entr" presetSubtype="0" fill="hold" nodeType="withEffect">
-                                  <p:stCondLst>
-                                    <p:cond delay="0"/>
-                                  </p:stCondLst>
-                                  <p:childTnLst>
-                                    <p:set>
-                                      <p:cBhvr>
-                                        <p:cTn id="9" dur="1" fill="hold">
-                                          <p:stCondLst>
-                                            <p:cond delay="0"/>
-                                          </p:stCondLst>
-                                        </p:cTn>
-                                        <p:tgtEl>
-                                          <p:spTgt spid="6">
-                                            <p:txEl>
-                                              <p:pRg st="0" end="0"/>
-                                            </p:txEl>
-                                          </p:spTgt>
-                                        </p:tgtEl>
-                                        <p:attrNameLst>
-                                          <p:attrName>style.visibility</p:attrName>
-                                        </p:attrNameLst>
-                                      </p:cBhvr>
-                                      <p:to>
-                                        <p:strVal val="visible"/>
-                                      </p:to>
-                                    </p:set>
-                                    <p:animEffect transition="in" filter="fade">
-                                      <p:cBhvr>
-                                        <p:cTn id="10" dur="500"/>
-                                        <p:tgtEl>
-                                          <p:spTgt spid="6">
-                                            <p:txEl>
-                                              <p:pRg st="0" end="0"/>
-                                            </p:txEl>
-                                          </p:spTgt>
-                                        </p:tgtEl>
-                                      </p:cBhvr>
-                                    </p:animEffect>
-                                  </p:childTnLst>
-                                </p:cTn>
-                              </p:par>
-                            </p:childTnLst>
-                          </p:cTn>
-                        </p:par>
-                      </p:childTnLst>
-                    </p:cTn>
-                  </p:par>
-                  <p:par>
-                    <p:cTn id="11" fill="hold">
-                      <p:stCondLst>
-                        <p:cond delay="indefinite"/>
-                      </p:stCondLst>
-                      <p:childTnLst>
-                        <p:par>
-                          <p:cTn id="12" fill="hold">
-                            <p:stCondLst>
-                              <p:cond delay="0"/>
-                            </p:stCondLst>
-                            <p:childTnLst>
-                              <p:par>
-                                <p:cTn id="13" presetID="10" presetClass="entr" presetSubtype="0" fill="hold" nodeType="clickEffect">
-                                  <p:stCondLst>
-                                    <p:cond delay="0"/>
-                                  </p:stCondLst>
-                                  <p:childTnLst>
-                                    <p:set>
-                                      <p:cBhvr>
-                                        <p:cTn id="14" dur="1" fill="hold">
-                                          <p:stCondLst>
-                                            <p:cond delay="0"/>
-                                          </p:stCondLst>
-                                        </p:cTn>
-                                        <p:tgtEl>
-                                          <p:spTgt spid="6">
-                                            <p:txEl>
-                                              <p:pRg st="2" end="2"/>
-                                            </p:txEl>
-                                          </p:spTgt>
-                                        </p:tgtEl>
-                                        <p:attrNameLst>
-                                          <p:attrName>style.visibility</p:attrName>
-                                        </p:attrNameLst>
-                                      </p:cBhvr>
-                                      <p:to>
-                                        <p:strVal val="visible"/>
-                                      </p:to>
-                                    </p:set>
-                                    <p:animEffect transition="in" filter="fade">
-                                      <p:cBhvr>
-                                        <p:cTn id="15" dur="500"/>
-                                        <p:tgtEl>
-                                          <p:spTgt spid="6">
-                                            <p:txEl>
-                                              <p:pRg st="2" end="2"/>
-                                            </p:txEl>
-                                          </p:spTgt>
-                                        </p:tgtEl>
-                                      </p:cBhvr>
-                                    </p:animEffect>
-                                  </p:childTnLst>
-                                </p:cTn>
-                              </p:par>
-                            </p:childTnLst>
-                          </p:cTn>
-                        </p:par>
-                      </p:childTnLst>
-                    </p:cTn>
-                  </p:par>
-                  <p:par>
-                    <p:cTn id="16" fill="hold">
-                      <p:stCondLst>
-                        <p:cond delay="indefinite"/>
-                      </p:stCondLst>
-                      <p:childTnLst>
-                        <p:par>
-                          <p:cTn id="17" fill="hold">
-                            <p:stCondLst>
-                              <p:cond delay="0"/>
-                            </p:stCondLst>
-                            <p:childTnLst>
-                              <p:par>
-                                <p:cTn id="18" presetID="10" presetClass="entr" presetSubtype="0" fill="hold" nodeType="clickEffect">
-                                  <p:stCondLst>
-                                    <p:cond delay="0"/>
-                                  </p:stCondLst>
-                                  <p:childTnLst>
-                                    <p:set>
-                                      <p:cBhvr>
-                                        <p:cTn id="19" dur="1" fill="hold">
-                                          <p:stCondLst>
-                                            <p:cond delay="0"/>
-                                          </p:stCondLst>
-                                        </p:cTn>
-                                        <p:tgtEl>
-                                          <p:spTgt spid="6">
-                                            <p:txEl>
-                                              <p:pRg st="4" end="4"/>
-                                            </p:txEl>
-                                          </p:spTgt>
-                                        </p:tgtEl>
-                                        <p:attrNameLst>
-                                          <p:attrName>style.visibility</p:attrName>
-                                        </p:attrNameLst>
-                                      </p:cBhvr>
-                                      <p:to>
-                                        <p:strVal val="visible"/>
-                                      </p:to>
-                                    </p:set>
-                                    <p:animEffect transition="in" filter="fade">
-                                      <p:cBhvr>
-                                        <p:cTn id="20" dur="500"/>
-                                        <p:tgtEl>
-                                          <p:spTgt spid="6">
-                                            <p:txEl>
-                                              <p:pRg st="4" end="4"/>
-                                            </p:txEl>
-                                          </p:spTgt>
-                                        </p:tgtEl>
-                                      </p:cBhvr>
-                                    </p:animEffect>
-                                  </p:childTnLst>
-                                </p:cTn>
-                              </p:par>
-                            </p:childTnLst>
-                          </p:cTn>
-                        </p:par>
-                      </p:childTnLst>
-                    </p:cTn>
-                  </p:par>
-                  <p:par>
-                    <p:cTn id="21" fill="hold">
-                      <p:stCondLst>
-                        <p:cond delay="indefinite"/>
-                      </p:stCondLst>
-                      <p:childTnLst>
-                        <p:par>
-                          <p:cTn id="22" fill="hold">
-                            <p:stCondLst>
-                              <p:cond delay="0"/>
-                            </p:stCondLst>
-                            <p:childTnLst>
-                              <p:par>
-                                <p:cTn id="23" presetID="10" presetClass="entr" presetSubtype="0" fill="hold" nodeType="clickEffect">
-                                  <p:stCondLst>
-                                    <p:cond delay="0"/>
-                                  </p:stCondLst>
-                                  <p:childTnLst>
-                                    <p:set>
-                                      <p:cBhvr>
-                                        <p:cTn id="24" dur="1" fill="hold">
-                                          <p:stCondLst>
-                                            <p:cond delay="0"/>
-                                          </p:stCondLst>
-                                        </p:cTn>
-                                        <p:tgtEl>
-                                          <p:spTgt spid="6">
-                                            <p:txEl>
-                                              <p:pRg st="5" end="5"/>
-                                            </p:txEl>
-                                          </p:spTgt>
-                                        </p:tgtEl>
-                                        <p:attrNameLst>
-                                          <p:attrName>style.visibility</p:attrName>
-                                        </p:attrNameLst>
-                                      </p:cBhvr>
-                                      <p:to>
-                                        <p:strVal val="visible"/>
-                                      </p:to>
-                                    </p:set>
-                                    <p:animEffect transition="in" filter="fade">
-                                      <p:cBhvr>
-                                        <p:cTn id="25" dur="500"/>
-                                        <p:tgtEl>
-                                          <p:spTgt spid="6">
-                                            <p:txEl>
-                                              <p:pRg st="5" end="5"/>
-                                            </p:txEl>
-                                          </p:spTgt>
-                                        </p:tgtEl>
-                                      </p:cBhvr>
-                                    </p:animEffect>
-                                  </p:childTnLst>
-                                </p:cTn>
-                              </p:par>
-                            </p:childTnLst>
-                          </p:cTn>
-                        </p:par>
-                      </p:childTnLst>
-                    </p:cTn>
-                  </p:par>
-                  <p:par>
-                    <p:cTn id="26" fill="hold">
-                      <p:stCondLst>
-                        <p:cond delay="indefinite"/>
-                      </p:stCondLst>
-                      <p:childTnLst>
-                        <p:par>
-                          <p:cTn id="27" fill="hold">
-                            <p:stCondLst>
-                              <p:cond delay="0"/>
-                            </p:stCondLst>
-                            <p:childTnLst>
-                              <p:par>
-                                <p:cTn id="28" presetID="10" presetClass="entr" presetSubtype="0" fill="hold" nodeType="clickEffect">
-                                  <p:stCondLst>
-                                    <p:cond delay="0"/>
-                                  </p:stCondLst>
-                                  <p:childTnLst>
-                                    <p:set>
-                                      <p:cBhvr>
-                                        <p:cTn id="29" dur="1" fill="hold">
-                                          <p:stCondLst>
-                                            <p:cond delay="0"/>
-                                          </p:stCondLst>
-                                        </p:cTn>
-                                        <p:tgtEl>
-                                          <p:spTgt spid="6">
-                                            <p:txEl>
-                                              <p:pRg st="6" end="6"/>
-                                            </p:txEl>
-                                          </p:spTgt>
-                                        </p:tgtEl>
-                                        <p:attrNameLst>
-                                          <p:attrName>style.visibility</p:attrName>
-                                        </p:attrNameLst>
-                                      </p:cBhvr>
-                                      <p:to>
-                                        <p:strVal val="visible"/>
-                                      </p:to>
-                                    </p:set>
-                                    <p:animEffect transition="in" filter="fade">
-                                      <p:cBhvr>
-                                        <p:cTn id="30" dur="500"/>
-                                        <p:tgtEl>
-                                          <p:spTgt spid="6">
-                                            <p:txEl>
-                                              <p:pRg st="6" end="6"/>
-                                            </p:txEl>
-                                          </p:spTgt>
-                                        </p:tgtEl>
-                                      </p:cBhvr>
-                                    </p:animEffect>
-                                  </p:childTnLst>
-                                </p:cTn>
-                              </p:par>
-                            </p:childTnLst>
-                          </p:cTn>
-                        </p:par>
-                      </p:childTnLst>
-                    </p:cTn>
-                  </p:par>
-                  <p:par>
-                    <p:cTn id="31" fill="hold">
-                      <p:stCondLst>
-                        <p:cond delay="indefinite"/>
-                      </p:stCondLst>
-                      <p:childTnLst>
-                        <p:par>
-                          <p:cTn id="32" fill="hold">
-                            <p:stCondLst>
-                              <p:cond delay="0"/>
-                            </p:stCondLst>
-                            <p:childTnLst>
-                              <p:par>
-                                <p:cTn id="33" presetID="10" presetClass="entr" presetSubtype="0" fill="hold" nodeType="clickEffect">
-                                  <p:stCondLst>
-                                    <p:cond delay="0"/>
-                                  </p:stCondLst>
-                                  <p:childTnLst>
-                                    <p:set>
-                                      <p:cBhvr>
-                                        <p:cTn id="34" dur="1" fill="hold">
-                                          <p:stCondLst>
-                                            <p:cond delay="0"/>
-                                          </p:stCondLst>
-                                        </p:cTn>
-                                        <p:tgtEl>
-                                          <p:spTgt spid="6">
-                                            <p:txEl>
-                                              <p:pRg st="7" end="7"/>
-                                            </p:txEl>
-                                          </p:spTgt>
-                                        </p:tgtEl>
-                                        <p:attrNameLst>
-                                          <p:attrName>style.visibility</p:attrName>
-                                        </p:attrNameLst>
-                                      </p:cBhvr>
-                                      <p:to>
-                                        <p:strVal val="visible"/>
-                                      </p:to>
-                                    </p:set>
-                                    <p:animEffect transition="in" filter="fade">
-                                      <p:cBhvr>
-                                        <p:cTn id="35" dur="500"/>
-                                        <p:tgtEl>
-                                          <p:spTgt spid="6">
-                                            <p:txEl>
-                                              <p:pRg st="7" end="7"/>
-                                            </p:txEl>
-                                          </p:spTgt>
-                                        </p:tgtEl>
-                                      </p:cBhvr>
-                                    </p:animEffect>
-                                  </p:childTnLst>
-                                </p:cTn>
-                              </p:par>
-                            </p:childTnLst>
-                          </p:cTn>
-                        </p:par>
-                      </p:childTnLst>
-                    </p:cTn>
-                  </p:par>
-                </p:childTnLst>
-              </p:cTn>
-              <p:prevCondLst>
-                <p:cond evt="onPrev" delay="0">
-                  <p:tgtEl>
-                    <p:sldTgt/>
-                  </p:tgtEl>
-                </p:cond>
-              </p:prevCondLst>
-              <p:nextCondLst>
-                <p:cond evt="onNext" delay="0">
-                  <p:tgtEl>
-                    <p:sldTgt/>
-                  </p:tgtEl>
-                </p:cond>
-              </p:nextCondLst>
-            </p:seq>
-          </p:childTnLst>
-        </p:cTn>
-      </p:par>
-    </p:tnLst>
-    <p:bldLst>
-      <p:bldP spid="6" grpId="0" animBg="1"/>
-    </p:bldLst>
-  </p:timing>
-</p:sld>
-</file>
-
-<file path=ppt/slides/slide17.xml><?xml version="1.0" encoding="utf-8"?>
-<p:sld xmlns:a="http://schemas.openxmlformats.org/drawingml/2006/main" xmlns:r="http://schemas.openxmlformats.org/officeDocument/2006/relationships" xmlns:p="http://schemas.openxmlformats.org/presentationml/2006/main">
-  <p:cSld>
-    <p:spTree>
-      <p:nvGrpSpPr>
-        <p:cNvPr id="1" name=""/>
-        <p:cNvGrpSpPr/>
-        <p:nvPr/>
-      </p:nvGrpSpPr>
-      <p:grpSpPr>
-        <a:xfrm>
-          <a:off x="0" y="0"/>
-          <a:ext cx="0" cy="0"/>
-          <a:chOff x="0" y="0"/>
-          <a:chExt cx="0" cy="0"/>
-        </a:xfrm>
-      </p:grpSpPr>
-      <p:sp>
-        <p:nvSpPr>
-          <p:cNvPr id="2" name="Titel 1">
-            <a:extLst>
-              <a:ext uri="{FF2B5EF4-FFF2-40B4-BE49-F238E27FC236}">
-                <a16:creationId xmlns:a16="http://schemas.microsoft.com/office/drawing/2014/main" id="{4CF55644-0F9D-4E8E-89CC-33B6ED00D242}"/>
-              </a:ext>
-            </a:extLst>
-          </p:cNvPr>
-          <p:cNvSpPr>
-            <a:spLocks noGrp="1"/>
-          </p:cNvSpPr>
-          <p:nvPr>
-            <p:ph type="title"/>
-          </p:nvPr>
-        </p:nvSpPr>
-        <p:spPr>
-          <a:xfrm>
-            <a:off x="310299" y="112026"/>
-            <a:ext cx="10515600" cy="1325563"/>
-          </a:xfrm>
-        </p:spPr>
-        <p:txBody>
-          <a:bodyPr>
-            <a:normAutofit/>
-          </a:bodyPr>
-          <a:lstStyle/>
-          <a:p>
-            <a:r>
-              <a:rPr lang="de-DE" sz="4000" dirty="0"/>
-              <a:t>Genom-Sequenzierung von Pathogenen</a:t>
-            </a:r>
-          </a:p>
-        </p:txBody>
-      </p:sp>
-      <p:sp>
-        <p:nvSpPr>
-          <p:cNvPr id="6" name="Titel 1">
-            <a:extLst>
-              <a:ext uri="{FF2B5EF4-FFF2-40B4-BE49-F238E27FC236}">
-                <a16:creationId xmlns:a16="http://schemas.microsoft.com/office/drawing/2014/main" id="{9DF96579-7A01-43F3-8170-28EF04395944}"/>
-              </a:ext>
-            </a:extLst>
-          </p:cNvPr>
-          <p:cNvSpPr txBox="1">
-            <a:spLocks/>
-          </p:cNvSpPr>
-          <p:nvPr/>
-        </p:nvSpPr>
-        <p:spPr>
-          <a:xfrm>
-            <a:off x="454529" y="1223497"/>
-            <a:ext cx="10958946" cy="5287178"/>
-          </a:xfrm>
-          <a:prstGeom prst="rect">
-            <a:avLst/>
-          </a:prstGeom>
-        </p:spPr>
-        <p:txBody>
-          <a:bodyPr vert="horz" lIns="91440" tIns="45720" rIns="91440" bIns="45720" rtlCol="0" anchor="ctr">
-            <a:noAutofit/>
-          </a:bodyPr>
-          <a:lstStyle>
-            <a:lvl1pPr algn="l" defTabSz="914400" rtl="0" eaLnBrk="1" latinLnBrk="0" hangingPunct="1">
-              <a:lnSpc>
-                <a:spcPct val="90000"/>
-              </a:lnSpc>
-              <a:spcBef>
-                <a:spcPct val="0"/>
-              </a:spcBef>
-              <a:buNone/>
-              <a:defRPr sz="4400" kern="1200">
-                <a:solidFill>
-                  <a:schemeClr val="tx1"/>
-                </a:solidFill>
-                <a:latin typeface="Futura Lt BT" panose="020B0402020204020303" pitchFamily="34" charset="0"/>
-                <a:ea typeface="+mj-ea"/>
-                <a:cs typeface="+mj-cs"/>
-              </a:defRPr>
-            </a:lvl1pPr>
-          </a:lstStyle>
-          <a:p>
-            <a:pPr marL="571500" indent="-571500">
-              <a:buFont typeface="Arial" panose="020B0604020202020204" pitchFamily="34" charset="0"/>
-              <a:buChar char="•"/>
-            </a:pPr>
-            <a:r>
-              <a:rPr lang="de-DE" sz="2400" dirty="0"/>
-              <a:t>Was ist es?</a:t>
-            </a:r>
-            <a:br>
-              <a:rPr lang="de-DE" sz="2400" dirty="0"/>
-            </a:br>
-            <a:br>
-              <a:rPr lang="de-DE" sz="2400" dirty="0"/>
-            </a:br>
-            <a:r>
-              <a:rPr lang="de-DE" sz="2000" dirty="0"/>
-              <a:t>Detektion neuer Pathogen-Genome in Patienten mit unklarer Diagnose.</a:t>
-            </a:r>
-          </a:p>
-          <a:p>
-            <a:pPr marL="571500" indent="-571500">
-              <a:buFont typeface="Arial" panose="020B0604020202020204" pitchFamily="34" charset="0"/>
-              <a:buChar char="•"/>
-            </a:pPr>
-            <a:endParaRPr lang="de-DE" sz="2400" dirty="0"/>
-          </a:p>
-          <a:p>
-            <a:pPr marL="571500" indent="-571500">
-              <a:buFont typeface="Arial" panose="020B0604020202020204" pitchFamily="34" charset="0"/>
-              <a:buChar char="•"/>
-            </a:pPr>
-            <a:r>
-              <a:rPr lang="de-DE" sz="2400" dirty="0"/>
-              <a:t>Woher kommt es?</a:t>
-            </a:r>
-            <a:br>
-              <a:rPr lang="de-DE" sz="2400" dirty="0"/>
-            </a:br>
-            <a:br>
-              <a:rPr lang="de-DE" sz="2400" dirty="0"/>
-            </a:br>
-            <a:r>
-              <a:rPr lang="de-DE" sz="2000" dirty="0"/>
-              <a:t>Evolutionäre Analyse, Verwandtschaft mit Tier-Pathogenen.</a:t>
-            </a:r>
-            <a:endParaRPr lang="de-DE" sz="2400" dirty="0"/>
-          </a:p>
-          <a:p>
-            <a:endParaRPr lang="de-DE" sz="2400" dirty="0"/>
-          </a:p>
-          <a:p>
-            <a:pPr marL="571500" indent="-571500">
-              <a:buFont typeface="Arial" panose="020B0604020202020204" pitchFamily="34" charset="0"/>
-              <a:buChar char="•"/>
-            </a:pPr>
-            <a:r>
-              <a:rPr lang="de-DE" sz="2400" dirty="0"/>
-              <a:t>Wann und wie häufig ist es auf den Menschen übergesprungen?</a:t>
-            </a:r>
-          </a:p>
-          <a:p>
-            <a:pPr marL="571500" indent="-571500">
-              <a:buFont typeface="Arial" panose="020B0604020202020204" pitchFamily="34" charset="0"/>
-              <a:buChar char="•"/>
-            </a:pPr>
-            <a:r>
-              <a:rPr lang="de-DE" sz="2400" dirty="0"/>
-              <a:t>Wie groß ist der Ausbruch?</a:t>
-            </a:r>
-          </a:p>
-          <a:p>
-            <a:pPr marL="571500" indent="-571500">
-              <a:buFont typeface="Arial" panose="020B0604020202020204" pitchFamily="34" charset="0"/>
-              <a:buChar char="•"/>
-            </a:pPr>
-            <a:endParaRPr lang="de-DE" sz="2400" dirty="0"/>
-          </a:p>
-          <a:p>
-            <a:pPr marL="571500" indent="-571500">
-              <a:buFont typeface="Arial" panose="020B0604020202020204" pitchFamily="34" charset="0"/>
-              <a:buChar char="•"/>
-            </a:pPr>
-            <a:r>
-              <a:rPr lang="de-DE" sz="2400" dirty="0"/>
-              <a:t>Wie und wie schnell verändert es sich? Mutation/Selektion?</a:t>
-            </a:r>
-          </a:p>
-          <a:p>
-            <a:pPr marL="571500" indent="-571500">
-              <a:buFont typeface="Arial" panose="020B0604020202020204" pitchFamily="34" charset="0"/>
-              <a:buChar char="•"/>
-            </a:pPr>
-            <a:r>
-              <a:rPr lang="de-DE" sz="2400" dirty="0"/>
-              <a:t>Gibt es verschiedene „virale </a:t>
-            </a:r>
-            <a:r>
-              <a:rPr lang="de-DE" sz="2400" dirty="0" err="1"/>
-              <a:t>Strains</a:t>
-            </a:r>
-            <a:r>
-              <a:rPr lang="de-DE" sz="2400" dirty="0"/>
-              <a:t>“ mit unterschiedlichen Krankheitsverlauf?</a:t>
-            </a:r>
-          </a:p>
-          <a:p>
-            <a:pPr marL="571500" indent="-571500">
-              <a:buFont typeface="Arial" panose="020B0604020202020204" pitchFamily="34" charset="0"/>
-              <a:buChar char="•"/>
-            </a:pPr>
-            <a:r>
-              <a:rPr lang="de-DE" sz="2400" dirty="0"/>
-              <a:t>Wie überträgt es sich von zu Mensch? („Genomische Epidemiologie“)</a:t>
-            </a:r>
-            <a:br>
-              <a:rPr lang="de-DE" sz="2400" dirty="0"/>
-            </a:br>
-            <a:r>
-              <a:rPr lang="de-DE" sz="2400" dirty="0"/>
-              <a:t>Mensch</a:t>
-            </a:r>
-          </a:p>
-        </p:txBody>
-      </p:sp>
-      <p:pic>
-        <p:nvPicPr>
-          <p:cNvPr id="3" name="Grafik 2">
-            <a:extLst>
-              <a:ext uri="{FF2B5EF4-FFF2-40B4-BE49-F238E27FC236}">
-                <a16:creationId xmlns:a16="http://schemas.microsoft.com/office/drawing/2014/main" id="{6D899EAA-50D6-4DAA-A95D-6061703268A0}"/>
-              </a:ext>
-            </a:extLst>
-          </p:cNvPr>
-          <p:cNvPicPr>
-            <a:picLocks noChangeAspect="1"/>
-          </p:cNvPicPr>
-          <p:nvPr/>
-        </p:nvPicPr>
-        <p:blipFill>
-          <a:blip r:embed="rId3"/>
-          <a:stretch>
-            <a:fillRect/>
-          </a:stretch>
-        </p:blipFill>
-        <p:spPr>
-          <a:xfrm rot="16200000">
-            <a:off x="8417857" y="2360428"/>
-            <a:ext cx="710740" cy="1553098"/>
-          </a:xfrm>
-          <a:prstGeom prst="rect">
-            <a:avLst/>
-          </a:prstGeom>
-        </p:spPr>
-      </p:pic>
-      <p:pic>
-        <p:nvPicPr>
-          <p:cNvPr id="5" name="Grafik 4" descr="Ein Bild, das Schläger, Säugetier, Tier, Katze enthält.&#10;&#10;Automatisch generierte Beschreibung">
-            <a:extLst>
-              <a:ext uri="{FF2B5EF4-FFF2-40B4-BE49-F238E27FC236}">
-                <a16:creationId xmlns:a16="http://schemas.microsoft.com/office/drawing/2014/main" id="{18053101-4114-4944-B8D8-9D69A12711FB}"/>
-              </a:ext>
-            </a:extLst>
-          </p:cNvPr>
-          <p:cNvPicPr>
-            <a:picLocks noChangeAspect="1"/>
-          </p:cNvPicPr>
-          <p:nvPr/>
-        </p:nvPicPr>
-        <p:blipFill>
-          <a:blip r:embed="rId4">
-            <a:extLst>
-              <a:ext uri="{28A0092B-C50C-407E-A947-70E740481C1C}">
-                <a14:useLocalDpi xmlns:a14="http://schemas.microsoft.com/office/drawing/2010/main" val="0"/>
-              </a:ext>
-            </a:extLst>
-          </a:blip>
-          <a:stretch>
-            <a:fillRect/>
-          </a:stretch>
-        </p:blipFill>
-        <p:spPr>
-          <a:xfrm>
-            <a:off x="10044095" y="2781607"/>
-            <a:ext cx="1169404" cy="710740"/>
-          </a:xfrm>
-          <a:prstGeom prst="rect">
-            <a:avLst/>
-          </a:prstGeom>
-        </p:spPr>
-      </p:pic>
-    </p:spTree>
-    <p:extLst>
-      <p:ext uri="{BB962C8B-B14F-4D97-AF65-F5344CB8AC3E}">
-        <p14:creationId xmlns:p14="http://schemas.microsoft.com/office/powerpoint/2010/main" val="3990554234"/>
+        <p14:creationId xmlns:p14="http://schemas.microsoft.com/office/powerpoint/2010/main" val="4081169904"/>
       </p:ext>
     </p:extLst>
   </p:cSld>
@@ -14070,7 +11033,7 @@
                                           </p:stCondLst>
                                         </p:cTn>
                                         <p:tgtEl>
-                                          <p:spTgt spid="6">
+                                          <p:spTgt spid="12">
                                             <p:txEl>
                                               <p:pRg st="0" end="0"/>
                                             </p:txEl>
@@ -14119,9 +11082,9 @@
                                           </p:stCondLst>
                                         </p:cTn>
                                         <p:tgtEl>
-                                          <p:spTgt spid="6">
+                                          <p:spTgt spid="12">
                                             <p:txEl>
-                                              <p:pRg st="2" end="2"/>
+                                              <p:pRg st="1" end="1"/>
                                             </p:txEl>
                                           </p:spTgt>
                                         </p:tgtEl>
@@ -14168,7 +11131,7 @@
                                           </p:stCondLst>
                                         </p:cTn>
                                         <p:tgtEl>
-                                          <p:spTgt spid="3"/>
+                                          <p:spTgt spid="14"/>
                                         </p:tgtEl>
                                         <p:attrNameLst>
                                           <p:attrName>style.visibility</p:attrName>
@@ -14213,7 +11176,7 @@
                                           </p:stCondLst>
                                         </p:cTn>
                                         <p:tgtEl>
-                                          <p:spTgt spid="5"/>
+                                          <p:spTgt spid="7"/>
                                         </p:tgtEl>
                                         <p:attrNameLst>
                                           <p:attrName>style.visibility</p:attrName>
@@ -14245,7 +11208,7 @@
                             </p:stCondLst>
                             <p:childTnLst>
                               <p:par>
-                                <p:cTn id="21" presetID="1" presetClass="entr" presetSubtype="0" fill="hold" nodeType="clickEffect">
+                                <p:cTn id="21" presetID="10" presetClass="entr" presetSubtype="0" fill="hold" grpId="0" nodeType="clickEffect">
                                   <p:stCondLst>
                                     <p:cond delay="0"/>
                                   </p:stCondLst>
@@ -14258,11 +11221,7 @@
                                           </p:stCondLst>
                                         </p:cTn>
                                         <p:tgtEl>
-                                          <p:spTgt spid="6">
-                                            <p:txEl>
-                                              <p:pRg st="4" end="4"/>
-                                            </p:txEl>
-                                          </p:spTgt>
+                                          <p:spTgt spid="8"/>
                                         </p:tgtEl>
                                         <p:attrNameLst>
                                           <p:attrName>style.visibility</p:attrName>
@@ -14272,44 +11231,34 @@
                                         <p:strVal val="visible"/>
                                       </p:to>
                                     </p:set>
+                                    <p:animEffect transition="in" filter="fade">
+                                      <p:cBhvr>
+                                        <p:cTn id="23" dur="500"/>
+                                        <p:tgtEl>
+                                          <p:spTgt spid="8"/>
+                                        </p:tgtEl>
+                                      </p:cBhvr>
+                                    </p:animEffect>
                                   </p:childTnLst>
                                 </p:cTn>
                               </p:par>
-                            </p:childTnLst>
-                          </p:cTn>
-                        </p:par>
-                      </p:childTnLst>
-                    </p:cTn>
-                  </p:par>
-                  <p:par>
-                    <p:cTn id="23" fill="hold">
-                      <p:stCondLst>
-                        <p:cond delay="indefinite"/>
-                      </p:stCondLst>
-                      <p:childTnLst>
-                        <p:par>
-                          <p:cTn id="24" fill="hold">
-                            <p:stCondLst>
-                              <p:cond delay="0"/>
-                            </p:stCondLst>
-                            <p:childTnLst>
                               <p:par>
-                                <p:cTn id="25" presetID="1" presetClass="entr" presetSubtype="0" fill="hold" nodeType="clickEffect">
+                                <p:cTn id="24" presetID="10" presetClass="entr" presetSubtype="0" fill="hold" nodeType="withEffect">
                                   <p:stCondLst>
                                     <p:cond delay="0"/>
                                   </p:stCondLst>
                                   <p:childTnLst>
                                     <p:set>
                                       <p:cBhvr>
-                                        <p:cTn id="26" dur="1" fill="hold">
+                                        <p:cTn id="25" dur="1" fill="hold">
                                           <p:stCondLst>
                                             <p:cond delay="0"/>
                                           </p:stCondLst>
                                         </p:cTn>
                                         <p:tgtEl>
-                                          <p:spTgt spid="6">
+                                          <p:spTgt spid="8">
                                             <p:txEl>
-                                              <p:pRg st="5" end="5"/>
+                                              <p:pRg st="0" end="0"/>
                                             </p:txEl>
                                           </p:spTgt>
                                         </p:tgtEl>
@@ -14321,6 +11270,18 @@
                                         <p:strVal val="visible"/>
                                       </p:to>
                                     </p:set>
+                                    <p:animEffect transition="in" filter="fade">
+                                      <p:cBhvr>
+                                        <p:cTn id="26" dur="500"/>
+                                        <p:tgtEl>
+                                          <p:spTgt spid="8">
+                                            <p:txEl>
+                                              <p:pRg st="0" end="0"/>
+                                            </p:txEl>
+                                          </p:spTgt>
+                                        </p:tgtEl>
+                                      </p:cBhvr>
+                                    </p:animEffect>
                                   </p:childTnLst>
                                 </p:cTn>
                               </p:par>
@@ -14343,7 +11304,7 @@
                             </p:stCondLst>
                             <p:childTnLst>
                               <p:par>
-                                <p:cTn id="29" presetID="1" presetClass="entr" presetSubtype="0" fill="hold" nodeType="clickEffect">
+                                <p:cTn id="29" presetID="10" presetClass="entr" presetSubtype="0" fill="hold" nodeType="clickEffect">
                                   <p:stCondLst>
                                     <p:cond delay="0"/>
                                   </p:stCondLst>
@@ -14356,9 +11317,768 @@
                                           </p:stCondLst>
                                         </p:cTn>
                                         <p:tgtEl>
-                                          <p:spTgt spid="6">
+                                          <p:spTgt spid="8">
+                                            <p:txEl>
+                                              <p:pRg st="2" end="2"/>
+                                            </p:txEl>
+                                          </p:spTgt>
+                                        </p:tgtEl>
+                                        <p:attrNameLst>
+                                          <p:attrName>style.visibility</p:attrName>
+                                        </p:attrNameLst>
+                                      </p:cBhvr>
+                                      <p:to>
+                                        <p:strVal val="visible"/>
+                                      </p:to>
+                                    </p:set>
+                                    <p:animEffect transition="in" filter="fade">
+                                      <p:cBhvr>
+                                        <p:cTn id="31" dur="500"/>
+                                        <p:tgtEl>
+                                          <p:spTgt spid="8">
+                                            <p:txEl>
+                                              <p:pRg st="2" end="2"/>
+                                            </p:txEl>
+                                          </p:spTgt>
+                                        </p:tgtEl>
+                                      </p:cBhvr>
+                                    </p:animEffect>
+                                  </p:childTnLst>
+                                </p:cTn>
+                              </p:par>
+                            </p:childTnLst>
+                          </p:cTn>
+                        </p:par>
+                      </p:childTnLst>
+                    </p:cTn>
+                  </p:par>
+                  <p:par>
+                    <p:cTn id="32" fill="hold">
+                      <p:stCondLst>
+                        <p:cond delay="indefinite"/>
+                      </p:stCondLst>
+                      <p:childTnLst>
+                        <p:par>
+                          <p:cTn id="33" fill="hold">
+                            <p:stCondLst>
+                              <p:cond delay="0"/>
+                            </p:stCondLst>
+                            <p:childTnLst>
+                              <p:par>
+                                <p:cTn id="34" presetID="10" presetClass="entr" presetSubtype="0" fill="hold" nodeType="clickEffect">
+                                  <p:stCondLst>
+                                    <p:cond delay="0"/>
+                                  </p:stCondLst>
+                                  <p:childTnLst>
+                                    <p:set>
+                                      <p:cBhvr>
+                                        <p:cTn id="35" dur="1" fill="hold">
+                                          <p:stCondLst>
+                                            <p:cond delay="0"/>
+                                          </p:stCondLst>
+                                        </p:cTn>
+                                        <p:tgtEl>
+                                          <p:spTgt spid="8">
+                                            <p:txEl>
+                                              <p:pRg st="4" end="4"/>
+                                            </p:txEl>
+                                          </p:spTgt>
+                                        </p:tgtEl>
+                                        <p:attrNameLst>
+                                          <p:attrName>style.visibility</p:attrName>
+                                        </p:attrNameLst>
+                                      </p:cBhvr>
+                                      <p:to>
+                                        <p:strVal val="visible"/>
+                                      </p:to>
+                                    </p:set>
+                                    <p:animEffect transition="in" filter="fade">
+                                      <p:cBhvr>
+                                        <p:cTn id="36" dur="500"/>
+                                        <p:tgtEl>
+                                          <p:spTgt spid="8">
+                                            <p:txEl>
+                                              <p:pRg st="4" end="4"/>
+                                            </p:txEl>
+                                          </p:spTgt>
+                                        </p:tgtEl>
+                                      </p:cBhvr>
+                                    </p:animEffect>
+                                  </p:childTnLst>
+                                </p:cTn>
+                              </p:par>
+                            </p:childTnLst>
+                          </p:cTn>
+                        </p:par>
+                      </p:childTnLst>
+                    </p:cTn>
+                  </p:par>
+                  <p:par>
+                    <p:cTn id="37" fill="hold">
+                      <p:stCondLst>
+                        <p:cond delay="indefinite"/>
+                      </p:stCondLst>
+                      <p:childTnLst>
+                        <p:par>
+                          <p:cTn id="38" fill="hold">
+                            <p:stCondLst>
+                              <p:cond delay="0"/>
+                            </p:stCondLst>
+                            <p:childTnLst>
+                              <p:par>
+                                <p:cTn id="39" presetID="10" presetClass="entr" presetSubtype="0" fill="hold" nodeType="clickEffect">
+                                  <p:stCondLst>
+                                    <p:cond delay="0"/>
+                                  </p:stCondLst>
+                                  <p:childTnLst>
+                                    <p:set>
+                                      <p:cBhvr>
+                                        <p:cTn id="40" dur="1" fill="hold">
+                                          <p:stCondLst>
+                                            <p:cond delay="0"/>
+                                          </p:stCondLst>
+                                        </p:cTn>
+                                        <p:tgtEl>
+                                          <p:spTgt spid="8">
+                                            <p:txEl>
+                                              <p:pRg st="5" end="5"/>
+                                            </p:txEl>
+                                          </p:spTgt>
+                                        </p:tgtEl>
+                                        <p:attrNameLst>
+                                          <p:attrName>style.visibility</p:attrName>
+                                        </p:attrNameLst>
+                                      </p:cBhvr>
+                                      <p:to>
+                                        <p:strVal val="visible"/>
+                                      </p:to>
+                                    </p:set>
+                                    <p:animEffect transition="in" filter="fade">
+                                      <p:cBhvr>
+                                        <p:cTn id="41" dur="500"/>
+                                        <p:tgtEl>
+                                          <p:spTgt spid="8">
+                                            <p:txEl>
+                                              <p:pRg st="5" end="5"/>
+                                            </p:txEl>
+                                          </p:spTgt>
+                                        </p:tgtEl>
+                                      </p:cBhvr>
+                                    </p:animEffect>
+                                  </p:childTnLst>
+                                </p:cTn>
+                              </p:par>
+                            </p:childTnLst>
+                          </p:cTn>
+                        </p:par>
+                      </p:childTnLst>
+                    </p:cTn>
+                  </p:par>
+                  <p:par>
+                    <p:cTn id="42" fill="hold">
+                      <p:stCondLst>
+                        <p:cond delay="indefinite"/>
+                      </p:stCondLst>
+                      <p:childTnLst>
+                        <p:par>
+                          <p:cTn id="43" fill="hold">
+                            <p:stCondLst>
+                              <p:cond delay="0"/>
+                            </p:stCondLst>
+                            <p:childTnLst>
+                              <p:par>
+                                <p:cTn id="44" presetID="10" presetClass="entr" presetSubtype="0" fill="hold" nodeType="clickEffect">
+                                  <p:stCondLst>
+                                    <p:cond delay="0"/>
+                                  </p:stCondLst>
+                                  <p:childTnLst>
+                                    <p:set>
+                                      <p:cBhvr>
+                                        <p:cTn id="45" dur="1" fill="hold">
+                                          <p:stCondLst>
+                                            <p:cond delay="0"/>
+                                          </p:stCondLst>
+                                        </p:cTn>
+                                        <p:tgtEl>
+                                          <p:spTgt spid="8">
+                                            <p:txEl>
+                                              <p:pRg st="6" end="6"/>
+                                            </p:txEl>
+                                          </p:spTgt>
+                                        </p:tgtEl>
+                                        <p:attrNameLst>
+                                          <p:attrName>style.visibility</p:attrName>
+                                        </p:attrNameLst>
+                                      </p:cBhvr>
+                                      <p:to>
+                                        <p:strVal val="visible"/>
+                                      </p:to>
+                                    </p:set>
+                                    <p:animEffect transition="in" filter="fade">
+                                      <p:cBhvr>
+                                        <p:cTn id="46" dur="500"/>
+                                        <p:tgtEl>
+                                          <p:spTgt spid="8">
+                                            <p:txEl>
+                                              <p:pRg st="6" end="6"/>
+                                            </p:txEl>
+                                          </p:spTgt>
+                                        </p:tgtEl>
+                                      </p:cBhvr>
+                                    </p:animEffect>
+                                  </p:childTnLst>
+                                </p:cTn>
+                              </p:par>
+                            </p:childTnLst>
+                          </p:cTn>
+                        </p:par>
+                      </p:childTnLst>
+                    </p:cTn>
+                  </p:par>
+                  <p:par>
+                    <p:cTn id="47" fill="hold">
+                      <p:stCondLst>
+                        <p:cond delay="indefinite"/>
+                      </p:stCondLst>
+                      <p:childTnLst>
+                        <p:par>
+                          <p:cTn id="48" fill="hold">
+                            <p:stCondLst>
+                              <p:cond delay="0"/>
+                            </p:stCondLst>
+                            <p:childTnLst>
+                              <p:par>
+                                <p:cTn id="49" presetID="10" presetClass="entr" presetSubtype="0" fill="hold" nodeType="clickEffect">
+                                  <p:stCondLst>
+                                    <p:cond delay="0"/>
+                                  </p:stCondLst>
+                                  <p:childTnLst>
+                                    <p:set>
+                                      <p:cBhvr>
+                                        <p:cTn id="50" dur="1" fill="hold">
+                                          <p:stCondLst>
+                                            <p:cond delay="0"/>
+                                          </p:stCondLst>
+                                        </p:cTn>
+                                        <p:tgtEl>
+                                          <p:spTgt spid="8">
                                             <p:txEl>
                                               <p:pRg st="7" end="7"/>
+                                            </p:txEl>
+                                          </p:spTgt>
+                                        </p:tgtEl>
+                                        <p:attrNameLst>
+                                          <p:attrName>style.visibility</p:attrName>
+                                        </p:attrNameLst>
+                                      </p:cBhvr>
+                                      <p:to>
+                                        <p:strVal val="visible"/>
+                                      </p:to>
+                                    </p:set>
+                                    <p:animEffect transition="in" filter="fade">
+                                      <p:cBhvr>
+                                        <p:cTn id="51" dur="500"/>
+                                        <p:tgtEl>
+                                          <p:spTgt spid="8">
+                                            <p:txEl>
+                                              <p:pRg st="7" end="7"/>
+                                            </p:txEl>
+                                          </p:spTgt>
+                                        </p:tgtEl>
+                                      </p:cBhvr>
+                                    </p:animEffect>
+                                  </p:childTnLst>
+                                </p:cTn>
+                              </p:par>
+                            </p:childTnLst>
+                          </p:cTn>
+                        </p:par>
+                      </p:childTnLst>
+                    </p:cTn>
+                  </p:par>
+                </p:childTnLst>
+              </p:cTn>
+              <p:prevCondLst>
+                <p:cond evt="onPrev" delay="0">
+                  <p:tgtEl>
+                    <p:sldTgt/>
+                  </p:tgtEl>
+                </p:cond>
+              </p:prevCondLst>
+              <p:nextCondLst>
+                <p:cond evt="onNext" delay="0">
+                  <p:tgtEl>
+                    <p:sldTgt/>
+                  </p:tgtEl>
+                </p:cond>
+              </p:nextCondLst>
+            </p:seq>
+          </p:childTnLst>
+        </p:cTn>
+      </p:par>
+    </p:tnLst>
+    <p:bldLst>
+      <p:bldP spid="8" grpId="0" animBg="1"/>
+    </p:bldLst>
+  </p:timing>
+</p:sld>
+</file>
+
+<file path=ppt/slides/slide16.xml><?xml version="1.0" encoding="utf-8"?>
+<p:sld xmlns:a="http://schemas.openxmlformats.org/drawingml/2006/main" xmlns:r="http://schemas.openxmlformats.org/officeDocument/2006/relationships" xmlns:p="http://schemas.openxmlformats.org/presentationml/2006/main">
+  <p:cSld>
+    <p:spTree>
+      <p:nvGrpSpPr>
+        <p:cNvPr id="1" name=""/>
+        <p:cNvGrpSpPr/>
+        <p:nvPr/>
+      </p:nvGrpSpPr>
+      <p:grpSpPr>
+        <a:xfrm>
+          <a:off x="0" y="0"/>
+          <a:ext cx="0" cy="0"/>
+          <a:chOff x="0" y="0"/>
+          <a:chExt cx="0" cy="0"/>
+        </a:xfrm>
+      </p:grpSpPr>
+      <p:sp>
+        <p:nvSpPr>
+          <p:cNvPr id="2" name="Titel 1">
+            <a:extLst>
+              <a:ext uri="{FF2B5EF4-FFF2-40B4-BE49-F238E27FC236}">
+                <a16:creationId xmlns:a16="http://schemas.microsoft.com/office/drawing/2014/main" id="{4CF55644-0F9D-4E8E-89CC-33B6ED00D242}"/>
+              </a:ext>
+            </a:extLst>
+          </p:cNvPr>
+          <p:cNvSpPr>
+            <a:spLocks noGrp="1"/>
+          </p:cNvSpPr>
+          <p:nvPr>
+            <p:ph type="title"/>
+          </p:nvPr>
+        </p:nvSpPr>
+        <p:spPr>
+          <a:xfrm>
+            <a:off x="310299" y="112026"/>
+            <a:ext cx="10515600" cy="1325563"/>
+          </a:xfrm>
+        </p:spPr>
+        <p:txBody>
+          <a:bodyPr>
+            <a:normAutofit/>
+          </a:bodyPr>
+          <a:lstStyle/>
+          <a:p>
+            <a:r>
+              <a:rPr lang="de-DE" sz="4000" dirty="0"/>
+              <a:t>Genomische Epidemiologie in Action: Global Data Sharing</a:t>
+            </a:r>
+          </a:p>
+        </p:txBody>
+      </p:sp>
+      <p:pic>
+        <p:nvPicPr>
+          <p:cNvPr id="7" name="Grafik 6">
+            <a:extLst>
+              <a:ext uri="{FF2B5EF4-FFF2-40B4-BE49-F238E27FC236}">
+                <a16:creationId xmlns:a16="http://schemas.microsoft.com/office/drawing/2014/main" id="{49BFB08B-2474-42E5-8B6D-FCF4F4F3070A}"/>
+              </a:ext>
+            </a:extLst>
+          </p:cNvPr>
+          <p:cNvPicPr>
+            <a:picLocks noChangeAspect="1"/>
+          </p:cNvPicPr>
+          <p:nvPr/>
+        </p:nvPicPr>
+        <p:blipFill>
+          <a:blip r:embed="rId3"/>
+          <a:stretch>
+            <a:fillRect/>
+          </a:stretch>
+        </p:blipFill>
+        <p:spPr>
+          <a:xfrm>
+            <a:off x="2379725" y="1741213"/>
+            <a:ext cx="7432551" cy="4284566"/>
+          </a:xfrm>
+          <a:prstGeom prst="rect">
+            <a:avLst/>
+          </a:prstGeom>
+        </p:spPr>
+      </p:pic>
+      <p:sp>
+        <p:nvSpPr>
+          <p:cNvPr id="8" name="Textfeld 7">
+            <a:extLst>
+              <a:ext uri="{FF2B5EF4-FFF2-40B4-BE49-F238E27FC236}">
+                <a16:creationId xmlns:a16="http://schemas.microsoft.com/office/drawing/2014/main" id="{E39ECA63-E970-47DC-BC45-FB3014F9731D}"/>
+              </a:ext>
+            </a:extLst>
+          </p:cNvPr>
+          <p:cNvSpPr txBox="1"/>
+          <p:nvPr/>
+        </p:nvSpPr>
+        <p:spPr>
+          <a:xfrm>
+            <a:off x="4956105" y="6192540"/>
+            <a:ext cx="2279791" cy="523220"/>
+          </a:xfrm>
+          <a:prstGeom prst="rect">
+            <a:avLst/>
+          </a:prstGeom>
+          <a:noFill/>
+        </p:spPr>
+        <p:txBody>
+          <a:bodyPr wrap="none" rtlCol="0">
+            <a:spAutoFit/>
+          </a:bodyPr>
+          <a:lstStyle/>
+          <a:p>
+            <a:r>
+              <a:rPr lang="de-DE" sz="2800" dirty="0"/>
+              <a:t>Nextstrain.org</a:t>
+            </a:r>
+          </a:p>
+        </p:txBody>
+      </p:sp>
+    </p:spTree>
+    <p:extLst>
+      <p:ext uri="{BB962C8B-B14F-4D97-AF65-F5344CB8AC3E}">
+        <p14:creationId xmlns:p14="http://schemas.microsoft.com/office/powerpoint/2010/main" val="1525814321"/>
+      </p:ext>
+    </p:extLst>
+  </p:cSld>
+  <p:clrMapOvr>
+    <a:masterClrMapping/>
+  </p:clrMapOvr>
+</p:sld>
+</file>
+
+<file path=ppt/slides/slide17.xml><?xml version="1.0" encoding="utf-8"?>
+<p:sld xmlns:a="http://schemas.openxmlformats.org/drawingml/2006/main" xmlns:r="http://schemas.openxmlformats.org/officeDocument/2006/relationships" xmlns:p="http://schemas.openxmlformats.org/presentationml/2006/main">
+  <p:cSld>
+    <p:spTree>
+      <p:nvGrpSpPr>
+        <p:cNvPr id="1" name=""/>
+        <p:cNvGrpSpPr/>
+        <p:nvPr/>
+      </p:nvGrpSpPr>
+      <p:grpSpPr>
+        <a:xfrm>
+          <a:off x="0" y="0"/>
+          <a:ext cx="0" cy="0"/>
+          <a:chOff x="0" y="0"/>
+          <a:chExt cx="0" cy="0"/>
+        </a:xfrm>
+      </p:grpSpPr>
+      <p:sp>
+        <p:nvSpPr>
+          <p:cNvPr id="2" name="Titel 1">
+            <a:extLst>
+              <a:ext uri="{FF2B5EF4-FFF2-40B4-BE49-F238E27FC236}">
+                <a16:creationId xmlns:a16="http://schemas.microsoft.com/office/drawing/2014/main" id="{20CE2ABE-C825-44B1-837B-74323ED0AE2E}"/>
+              </a:ext>
+            </a:extLst>
+          </p:cNvPr>
+          <p:cNvSpPr>
+            <a:spLocks noGrp="1"/>
+          </p:cNvSpPr>
+          <p:nvPr>
+            <p:ph type="title"/>
+          </p:nvPr>
+        </p:nvSpPr>
+        <p:spPr/>
+        <p:txBody>
+          <a:bodyPr/>
+          <a:lstStyle/>
+          <a:p>
+            <a:r>
+              <a:rPr lang="de-DE" dirty="0"/>
+              <a:t>Zusammenfassung</a:t>
+            </a:r>
+          </a:p>
+        </p:txBody>
+      </p:sp>
+      <p:sp>
+        <p:nvSpPr>
+          <p:cNvPr id="3" name="Inhaltsplatzhalter 2">
+            <a:extLst>
+              <a:ext uri="{FF2B5EF4-FFF2-40B4-BE49-F238E27FC236}">
+                <a16:creationId xmlns:a16="http://schemas.microsoft.com/office/drawing/2014/main" id="{DB2D4CE8-E483-470D-898C-8DE0D2806C35}"/>
+              </a:ext>
+            </a:extLst>
+          </p:cNvPr>
+          <p:cNvSpPr>
+            <a:spLocks noGrp="1"/>
+          </p:cNvSpPr>
+          <p:nvPr>
+            <p:ph idx="1"/>
+          </p:nvPr>
+        </p:nvSpPr>
+        <p:spPr>
+          <a:xfrm>
+            <a:off x="838200" y="1653349"/>
+            <a:ext cx="10515600" cy="4351338"/>
+          </a:xfrm>
+        </p:spPr>
+        <p:txBody>
+          <a:bodyPr>
+            <a:noAutofit/>
+          </a:bodyPr>
+          <a:lstStyle/>
+          <a:p>
+            <a:r>
+              <a:rPr lang="de-DE" sz="1800" dirty="0"/>
+              <a:t>Genomische Epidemiologie hilft, die Übertragungswege und Epidemiologie von Infektionskrankheiten besser zu verstehen</a:t>
+            </a:r>
+            <a:endParaRPr lang="de-DE" sz="1600" dirty="0"/>
+          </a:p>
+          <a:p>
+            <a:pPr lvl="1"/>
+            <a:r>
+              <a:rPr lang="de-DE" sz="1600" dirty="0"/>
+              <a:t>Ausbruchs-Diagnostik, </a:t>
+            </a:r>
+            <a:r>
+              <a:rPr lang="de-DE" sz="1600" dirty="0" err="1"/>
+              <a:t>wchtiges</a:t>
+            </a:r>
+            <a:r>
+              <a:rPr lang="de-DE" sz="1600" dirty="0"/>
+              <a:t> Tool der Krankenhaus-Hygiene</a:t>
+            </a:r>
+          </a:p>
+          <a:p>
+            <a:pPr lvl="1"/>
+            <a:r>
+              <a:rPr lang="de-DE" sz="1600" dirty="0"/>
+              <a:t>Nosokomiale Infektionen, insb. multiresistente Keime</a:t>
+            </a:r>
+          </a:p>
+          <a:p>
+            <a:pPr marL="457200" lvl="1" indent="0">
+              <a:buNone/>
+            </a:pPr>
+            <a:endParaRPr lang="de-DE" sz="1600" dirty="0"/>
+          </a:p>
+          <a:p>
+            <a:r>
+              <a:rPr lang="de-DE" sz="1800" dirty="0"/>
+              <a:t>Vorgehensweise:</a:t>
+            </a:r>
+          </a:p>
+          <a:p>
+            <a:pPr marL="800100" lvl="1" indent="-342900">
+              <a:buFont typeface="+mj-lt"/>
+              <a:buAutoNum type="arabicPeriod"/>
+            </a:pPr>
+            <a:r>
+              <a:rPr lang="de-DE" sz="1600" dirty="0"/>
+              <a:t>Extraktion und ggf. Amplifikation von Nukleinsäuren</a:t>
+            </a:r>
+          </a:p>
+          <a:p>
+            <a:pPr marL="800100" lvl="1" indent="-342900">
+              <a:buFont typeface="+mj-lt"/>
+              <a:buAutoNum type="arabicPeriod"/>
+            </a:pPr>
+            <a:r>
+              <a:rPr lang="de-DE" sz="1600" dirty="0"/>
+              <a:t>Sequenzierung</a:t>
+            </a:r>
+          </a:p>
+          <a:p>
+            <a:pPr marL="800100" lvl="1" indent="-342900">
+              <a:buFont typeface="+mj-lt"/>
+              <a:buAutoNum type="arabicPeriod"/>
+            </a:pPr>
+            <a:r>
+              <a:rPr lang="de-DE" sz="1600" dirty="0"/>
+              <a:t>Vergleich der sequenzierten Isolat-Genome: Alignment, Variant Calling, Distanzmatrix</a:t>
+            </a:r>
+          </a:p>
+          <a:p>
+            <a:pPr marL="800100" lvl="1" indent="-342900">
+              <a:buFont typeface="+mj-lt"/>
+              <a:buAutoNum type="arabicPeriod"/>
+            </a:pPr>
+            <a:r>
+              <a:rPr lang="de-DE" sz="1600" dirty="0"/>
+              <a:t>Analyse der Isolat-Distanzmatrix, z.B. mit einem Minimum </a:t>
+            </a:r>
+            <a:r>
+              <a:rPr lang="de-DE" sz="1600" dirty="0" err="1"/>
+              <a:t>Spanning</a:t>
+            </a:r>
+            <a:r>
+              <a:rPr lang="de-DE" sz="1600" dirty="0"/>
+              <a:t> </a:t>
+            </a:r>
+            <a:r>
+              <a:rPr lang="de-DE" sz="1600" dirty="0" err="1"/>
+              <a:t>Tree</a:t>
+            </a:r>
+            <a:endParaRPr lang="de-DE" sz="1600" dirty="0"/>
+          </a:p>
+          <a:p>
+            <a:pPr marL="800100" lvl="1" indent="-342900">
+              <a:buFont typeface="+mj-lt"/>
+              <a:buAutoNum type="arabicPeriod"/>
+            </a:pPr>
+            <a:r>
+              <a:rPr lang="de-DE" sz="1600" dirty="0"/>
+              <a:t>Interpretation und Kombination mit klassisch-epidemiologischen Daten</a:t>
+            </a:r>
+          </a:p>
+          <a:p>
+            <a:pPr lvl="1"/>
+            <a:endParaRPr lang="de-DE" sz="1600" dirty="0"/>
+          </a:p>
+          <a:p>
+            <a:r>
+              <a:rPr lang="de-DE" sz="1800" dirty="0"/>
+              <a:t>Im 21. Jahrhundert: Sequenz-Vergleich über internationale Cloud-Datenbanken.</a:t>
+            </a:r>
+          </a:p>
+          <a:p>
+            <a:r>
+              <a:rPr lang="de-DE" sz="1800" dirty="0"/>
+              <a:t>Pathogen-Sequenzdaten sind eine reiche Datenquelle für weitergehende Analysen.</a:t>
+            </a:r>
+            <a:br>
+              <a:rPr lang="de-DE" sz="1800" dirty="0"/>
+            </a:br>
+            <a:endParaRPr lang="de-DE" sz="1800" dirty="0"/>
+          </a:p>
+          <a:p>
+            <a:pPr marL="0" indent="0">
+              <a:buNone/>
+            </a:pPr>
+            <a:r>
+              <a:rPr lang="de-DE" dirty="0">
+                <a:hlinkClick r:id="rId2"/>
+              </a:rPr>
+              <a:t>https://github.com/DiltheyLab/Teaching</a:t>
+            </a:r>
+            <a:endParaRPr lang="de-DE" dirty="0"/>
+          </a:p>
+          <a:p>
+            <a:pPr marL="0" indent="0">
+              <a:buNone/>
+            </a:pPr>
+            <a:endParaRPr lang="de-DE" sz="2000" dirty="0"/>
+          </a:p>
+        </p:txBody>
+      </p:sp>
+    </p:spTree>
+    <p:extLst>
+      <p:ext uri="{BB962C8B-B14F-4D97-AF65-F5344CB8AC3E}">
+        <p14:creationId xmlns:p14="http://schemas.microsoft.com/office/powerpoint/2010/main" val="1085633258"/>
+      </p:ext>
+    </p:extLst>
+  </p:cSld>
+  <p:clrMapOvr>
+    <a:masterClrMapping/>
+  </p:clrMapOvr>
+  <p:timing>
+    <p:tnLst>
+      <p:par>
+        <p:cTn id="1" dur="indefinite" restart="never" nodeType="tmRoot">
+          <p:childTnLst>
+            <p:seq concurrent="1" nextAc="seek">
+              <p:cTn id="2" dur="indefinite" nodeType="mainSeq">
+                <p:childTnLst>
+                  <p:par>
+                    <p:cTn id="3" fill="hold">
+                      <p:stCondLst>
+                        <p:cond delay="indefinite"/>
+                      </p:stCondLst>
+                      <p:childTnLst>
+                        <p:par>
+                          <p:cTn id="4" fill="hold">
+                            <p:stCondLst>
+                              <p:cond delay="0"/>
+                            </p:stCondLst>
+                            <p:childTnLst>
+                              <p:par>
+                                <p:cTn id="5" presetID="1" presetClass="entr" presetSubtype="0" fill="hold" nodeType="clickEffect">
+                                  <p:stCondLst>
+                                    <p:cond delay="0"/>
+                                  </p:stCondLst>
+                                  <p:childTnLst>
+                                    <p:set>
+                                      <p:cBhvr>
+                                        <p:cTn id="6" dur="1" fill="hold">
+                                          <p:stCondLst>
+                                            <p:cond delay="0"/>
+                                          </p:stCondLst>
+                                        </p:cTn>
+                                        <p:tgtEl>
+                                          <p:spTgt spid="3">
+                                            <p:txEl>
+                                              <p:pRg st="0" end="0"/>
+                                            </p:txEl>
+                                          </p:spTgt>
+                                        </p:tgtEl>
+                                        <p:attrNameLst>
+                                          <p:attrName>style.visibility</p:attrName>
+                                        </p:attrNameLst>
+                                      </p:cBhvr>
+                                      <p:to>
+                                        <p:strVal val="visible"/>
+                                      </p:to>
+                                    </p:set>
+                                  </p:childTnLst>
+                                </p:cTn>
+                              </p:par>
+                              <p:par>
+                                <p:cTn id="7" presetID="1" presetClass="entr" presetSubtype="0" fill="hold" nodeType="withEffect">
+                                  <p:stCondLst>
+                                    <p:cond delay="0"/>
+                                  </p:stCondLst>
+                                  <p:childTnLst>
+                                    <p:set>
+                                      <p:cBhvr>
+                                        <p:cTn id="8" dur="1" fill="hold">
+                                          <p:stCondLst>
+                                            <p:cond delay="0"/>
+                                          </p:stCondLst>
+                                        </p:cTn>
+                                        <p:tgtEl>
+                                          <p:spTgt spid="3">
+                                            <p:txEl>
+                                              <p:pRg st="1" end="1"/>
+                                            </p:txEl>
+                                          </p:spTgt>
+                                        </p:tgtEl>
+                                        <p:attrNameLst>
+                                          <p:attrName>style.visibility</p:attrName>
+                                        </p:attrNameLst>
+                                      </p:cBhvr>
+                                      <p:to>
+                                        <p:strVal val="visible"/>
+                                      </p:to>
+                                    </p:set>
+                                  </p:childTnLst>
+                                </p:cTn>
+                              </p:par>
+                              <p:par>
+                                <p:cTn id="9" presetID="1" presetClass="entr" presetSubtype="0" fill="hold" nodeType="withEffect">
+                                  <p:stCondLst>
+                                    <p:cond delay="0"/>
+                                  </p:stCondLst>
+                                  <p:childTnLst>
+                                    <p:set>
+                                      <p:cBhvr>
+                                        <p:cTn id="10" dur="1" fill="hold">
+                                          <p:stCondLst>
+                                            <p:cond delay="0"/>
+                                          </p:stCondLst>
+                                        </p:cTn>
+                                        <p:tgtEl>
+                                          <p:spTgt spid="3">
+                                            <p:txEl>
+                                              <p:pRg st="2" end="2"/>
                                             </p:txEl>
                                           </p:spTgt>
                                         </p:tgtEl>
@@ -14380,34 +12100,189 @@
                     </p:cTn>
                   </p:par>
                   <p:par>
-                    <p:cTn id="31" fill="hold">
+                    <p:cTn id="11" fill="hold">
                       <p:stCondLst>
                         <p:cond delay="indefinite"/>
                       </p:stCondLst>
                       <p:childTnLst>
                         <p:par>
-                          <p:cTn id="32" fill="hold">
+                          <p:cTn id="12" fill="hold">
                             <p:stCondLst>
                               <p:cond delay="0"/>
                             </p:stCondLst>
                             <p:childTnLst>
                               <p:par>
-                                <p:cTn id="33" presetID="1" presetClass="entr" presetSubtype="0" fill="hold" nodeType="clickEffect">
+                                <p:cTn id="13" presetID="1" presetClass="entr" presetSubtype="0" fill="hold" nodeType="clickEffect">
                                   <p:stCondLst>
                                     <p:cond delay="0"/>
                                   </p:stCondLst>
                                   <p:childTnLst>
                                     <p:set>
                                       <p:cBhvr>
-                                        <p:cTn id="34" dur="1" fill="hold">
+                                        <p:cTn id="14" dur="1" fill="hold">
                                           <p:stCondLst>
                                             <p:cond delay="0"/>
                                           </p:stCondLst>
                                         </p:cTn>
                                         <p:tgtEl>
-                                          <p:spTgt spid="6">
+                                          <p:spTgt spid="3">
+                                            <p:txEl>
+                                              <p:pRg st="4" end="4"/>
+                                            </p:txEl>
+                                          </p:spTgt>
+                                        </p:tgtEl>
+                                        <p:attrNameLst>
+                                          <p:attrName>style.visibility</p:attrName>
+                                        </p:attrNameLst>
+                                      </p:cBhvr>
+                                      <p:to>
+                                        <p:strVal val="visible"/>
+                                      </p:to>
+                                    </p:set>
+                                  </p:childTnLst>
+                                </p:cTn>
+                              </p:par>
+                              <p:par>
+                                <p:cTn id="15" presetID="1" presetClass="entr" presetSubtype="0" fill="hold" nodeType="withEffect">
+                                  <p:stCondLst>
+                                    <p:cond delay="0"/>
+                                  </p:stCondLst>
+                                  <p:childTnLst>
+                                    <p:set>
+                                      <p:cBhvr>
+                                        <p:cTn id="16" dur="1" fill="hold">
+                                          <p:stCondLst>
+                                            <p:cond delay="0"/>
+                                          </p:stCondLst>
+                                        </p:cTn>
+                                        <p:tgtEl>
+                                          <p:spTgt spid="3">
+                                            <p:txEl>
+                                              <p:pRg st="5" end="5"/>
+                                            </p:txEl>
+                                          </p:spTgt>
+                                        </p:tgtEl>
+                                        <p:attrNameLst>
+                                          <p:attrName>style.visibility</p:attrName>
+                                        </p:attrNameLst>
+                                      </p:cBhvr>
+                                      <p:to>
+                                        <p:strVal val="visible"/>
+                                      </p:to>
+                                    </p:set>
+                                  </p:childTnLst>
+                                </p:cTn>
+                              </p:par>
+                              <p:par>
+                                <p:cTn id="17" presetID="1" presetClass="entr" presetSubtype="0" fill="hold" nodeType="withEffect">
+                                  <p:stCondLst>
+                                    <p:cond delay="0"/>
+                                  </p:stCondLst>
+                                  <p:childTnLst>
+                                    <p:set>
+                                      <p:cBhvr>
+                                        <p:cTn id="18" dur="1" fill="hold">
+                                          <p:stCondLst>
+                                            <p:cond delay="0"/>
+                                          </p:stCondLst>
+                                        </p:cTn>
+                                        <p:tgtEl>
+                                          <p:spTgt spid="3">
+                                            <p:txEl>
+                                              <p:pRg st="6" end="6"/>
+                                            </p:txEl>
+                                          </p:spTgt>
+                                        </p:tgtEl>
+                                        <p:attrNameLst>
+                                          <p:attrName>style.visibility</p:attrName>
+                                        </p:attrNameLst>
+                                      </p:cBhvr>
+                                      <p:to>
+                                        <p:strVal val="visible"/>
+                                      </p:to>
+                                    </p:set>
+                                  </p:childTnLst>
+                                </p:cTn>
+                              </p:par>
+                              <p:par>
+                                <p:cTn id="19" presetID="1" presetClass="entr" presetSubtype="0" fill="hold" nodeType="withEffect">
+                                  <p:stCondLst>
+                                    <p:cond delay="0"/>
+                                  </p:stCondLst>
+                                  <p:childTnLst>
+                                    <p:set>
+                                      <p:cBhvr>
+                                        <p:cTn id="20" dur="1" fill="hold">
+                                          <p:stCondLst>
+                                            <p:cond delay="0"/>
+                                          </p:stCondLst>
+                                        </p:cTn>
+                                        <p:tgtEl>
+                                          <p:spTgt spid="3">
+                                            <p:txEl>
+                                              <p:pRg st="7" end="7"/>
+                                            </p:txEl>
+                                          </p:spTgt>
+                                        </p:tgtEl>
+                                        <p:attrNameLst>
+                                          <p:attrName>style.visibility</p:attrName>
+                                        </p:attrNameLst>
+                                      </p:cBhvr>
+                                      <p:to>
+                                        <p:strVal val="visible"/>
+                                      </p:to>
+                                    </p:set>
+                                  </p:childTnLst>
+                                </p:cTn>
+                              </p:par>
+                              <p:par>
+                                <p:cTn id="21" presetID="1" presetClass="entr" presetSubtype="0" fill="hold" nodeType="withEffect">
+                                  <p:stCondLst>
+                                    <p:cond delay="0"/>
+                                  </p:stCondLst>
+                                  <p:childTnLst>
+                                    <p:set>
+                                      <p:cBhvr>
+                                        <p:cTn id="22" dur="1" fill="hold">
+                                          <p:stCondLst>
+                                            <p:cond delay="0"/>
+                                          </p:stCondLst>
+                                        </p:cTn>
+                                        <p:tgtEl>
+                                          <p:spTgt spid="3">
                                             <p:txEl>
                                               <p:pRg st="8" end="8"/>
+                                            </p:txEl>
+                                          </p:spTgt>
+                                        </p:tgtEl>
+                                        <p:attrNameLst>
+                                          <p:attrName>style.visibility</p:attrName>
+                                        </p:attrNameLst>
+                                      </p:cBhvr>
+                                      <p:to>
+                                        <p:strVal val="visible"/>
+                                      </p:to>
+                                    </p:set>
+                                  </p:childTnLst>
+                                </p:cTn>
+                              </p:par>
+                              <p:par>
+                                <p:cTn id="23" presetID="1" presetClass="entr" presetSubtype="0" fill="hold" nodeType="withEffect">
+                                  <p:stCondLst>
+                                    <p:cond delay="0"/>
+                                  </p:stCondLst>
+                                  <p:childTnLst>
+                                    <p:set>
+                                      <p:cBhvr>
+                                        <p:cTn id="24" dur="1" fill="hold">
+                                          <p:stCondLst>
+                                            <p:cond delay="0"/>
+                                          </p:stCondLst>
+                                        </p:cTn>
+                                        <p:tgtEl>
+                                          <p:spTgt spid="3">
+                                            <p:txEl>
+                                              <p:pRg st="9" end="9"/>
                                             </p:txEl>
                                           </p:spTgt>
                                         </p:tgtEl>
@@ -14429,34 +12304,83 @@
                     </p:cTn>
                   </p:par>
                   <p:par>
-                    <p:cTn id="35" fill="hold">
+                    <p:cTn id="25" fill="hold">
                       <p:stCondLst>
                         <p:cond delay="indefinite"/>
                       </p:stCondLst>
                       <p:childTnLst>
                         <p:par>
-                          <p:cTn id="36" fill="hold">
+                          <p:cTn id="26" fill="hold">
                             <p:stCondLst>
                               <p:cond delay="0"/>
                             </p:stCondLst>
                             <p:childTnLst>
                               <p:par>
-                                <p:cTn id="37" presetID="1" presetClass="entr" presetSubtype="0" fill="hold" nodeType="clickEffect">
+                                <p:cTn id="27" presetID="1" presetClass="entr" presetSubtype="0" fill="hold" nodeType="clickEffect">
                                   <p:stCondLst>
                                     <p:cond delay="0"/>
                                   </p:stCondLst>
                                   <p:childTnLst>
                                     <p:set>
                                       <p:cBhvr>
-                                        <p:cTn id="38" dur="1" fill="hold">
+                                        <p:cTn id="28" dur="1" fill="hold">
                                           <p:stCondLst>
                                             <p:cond delay="0"/>
                                           </p:stCondLst>
                                         </p:cTn>
                                         <p:tgtEl>
-                                          <p:spTgt spid="6">
+                                          <p:spTgt spid="3">
                                             <p:txEl>
-                                              <p:pRg st="9" end="9"/>
+                                              <p:pRg st="11" end="11"/>
+                                            </p:txEl>
+                                          </p:spTgt>
+                                        </p:tgtEl>
+                                        <p:attrNameLst>
+                                          <p:attrName>style.visibility</p:attrName>
+                                        </p:attrNameLst>
+                                      </p:cBhvr>
+                                      <p:to>
+                                        <p:strVal val="visible"/>
+                                      </p:to>
+                                    </p:set>
+                                  </p:childTnLst>
+                                </p:cTn>
+                              </p:par>
+                            </p:childTnLst>
+                          </p:cTn>
+                        </p:par>
+                      </p:childTnLst>
+                    </p:cTn>
+                  </p:par>
+                  <p:par>
+                    <p:cTn id="29" fill="hold">
+                      <p:stCondLst>
+                        <p:cond delay="indefinite"/>
+                      </p:stCondLst>
+                      <p:childTnLst>
+                        <p:par>
+                          <p:cTn id="30" fill="hold">
+                            <p:stCondLst>
+                              <p:cond delay="0"/>
+                            </p:stCondLst>
+                            <p:childTnLst>
+                              <p:par>
+                                <p:cTn id="31" presetID="1" presetClass="entr" presetSubtype="0" fill="hold" nodeType="clickEffect">
+                                  <p:stCondLst>
+                                    <p:cond delay="0"/>
+                                  </p:stCondLst>
+                                  <p:childTnLst>
+                                    <p:set>
+                                      <p:cBhvr>
+                                        <p:cTn id="32" dur="1" fill="hold">
+                                          <p:stCondLst>
+                                            <p:cond delay="0"/>
+                                          </p:stCondLst>
+                                        </p:cTn>
+                                        <p:tgtEl>
+                                          <p:spTgt spid="3">
+                                            <p:txEl>
+                                              <p:pRg st="12" end="12"/>
                                             </p:txEl>
                                           </p:spTgt>
                                         </p:tgtEl>
@@ -14502,315 +12426,6 @@
 </p:sld>
 </file>
 
-<file path=ppt/slides/slide18.xml><?xml version="1.0" encoding="utf-8"?>
-<p:sld xmlns:a="http://schemas.openxmlformats.org/drawingml/2006/main" xmlns:r="http://schemas.openxmlformats.org/officeDocument/2006/relationships" xmlns:p="http://schemas.openxmlformats.org/presentationml/2006/main">
-  <p:cSld>
-    <p:spTree>
-      <p:nvGrpSpPr>
-        <p:cNvPr id="1" name=""/>
-        <p:cNvGrpSpPr/>
-        <p:nvPr/>
-      </p:nvGrpSpPr>
-      <p:grpSpPr>
-        <a:xfrm>
-          <a:off x="0" y="0"/>
-          <a:ext cx="0" cy="0"/>
-          <a:chOff x="0" y="0"/>
-          <a:chExt cx="0" cy="0"/>
-        </a:xfrm>
-      </p:grpSpPr>
-      <p:sp>
-        <p:nvSpPr>
-          <p:cNvPr id="2" name="Titel 1">
-            <a:extLst>
-              <a:ext uri="{FF2B5EF4-FFF2-40B4-BE49-F238E27FC236}">
-                <a16:creationId xmlns:a16="http://schemas.microsoft.com/office/drawing/2014/main" id="{4CF55644-0F9D-4E8E-89CC-33B6ED00D242}"/>
-              </a:ext>
-            </a:extLst>
-          </p:cNvPr>
-          <p:cNvSpPr>
-            <a:spLocks noGrp="1"/>
-          </p:cNvSpPr>
-          <p:nvPr>
-            <p:ph type="title"/>
-          </p:nvPr>
-        </p:nvSpPr>
-        <p:spPr>
-          <a:xfrm>
-            <a:off x="310299" y="112026"/>
-            <a:ext cx="10515600" cy="1325563"/>
-          </a:xfrm>
-        </p:spPr>
-        <p:txBody>
-          <a:bodyPr>
-            <a:normAutofit/>
-          </a:bodyPr>
-          <a:lstStyle/>
-          <a:p>
-            <a:r>
-              <a:rPr lang="de-DE" sz="3600" dirty="0"/>
-              <a:t>Genomische Epidemiologie in Action: </a:t>
-            </a:r>
-            <a:r>
-              <a:rPr lang="de-DE" sz="3600" dirty="0" err="1"/>
-              <a:t>Sequence</a:t>
-            </a:r>
-            <a:r>
-              <a:rPr lang="de-DE" sz="3600" dirty="0"/>
-              <a:t> </a:t>
-            </a:r>
-            <a:r>
-              <a:rPr lang="de-DE" sz="3600" dirty="0" err="1"/>
-              <a:t>anything</a:t>
-            </a:r>
-            <a:r>
-              <a:rPr lang="de-DE" sz="3600" dirty="0"/>
-              <a:t>, </a:t>
-            </a:r>
-            <a:r>
-              <a:rPr lang="de-DE" sz="3600" dirty="0" err="1"/>
-              <a:t>anywhere</a:t>
-            </a:r>
-            <a:r>
-              <a:rPr lang="de-DE" sz="3600" dirty="0"/>
-              <a:t>…</a:t>
-            </a:r>
-          </a:p>
-        </p:txBody>
-      </p:sp>
-      <p:pic>
-        <p:nvPicPr>
-          <p:cNvPr id="3" name="Picture 3">
-            <a:extLst>
-              <a:ext uri="{FF2B5EF4-FFF2-40B4-BE49-F238E27FC236}">
-                <a16:creationId xmlns:a16="http://schemas.microsoft.com/office/drawing/2014/main" id="{D0A2B6D0-CC57-40C9-BCB7-A9D00EDB23AD}"/>
-              </a:ext>
-            </a:extLst>
-          </p:cNvPr>
-          <p:cNvPicPr>
-            <a:picLocks noChangeAspect="1"/>
-          </p:cNvPicPr>
-          <p:nvPr/>
-        </p:nvPicPr>
-        <p:blipFill>
-          <a:blip r:embed="rId3"/>
-          <a:stretch>
-            <a:fillRect/>
-          </a:stretch>
-        </p:blipFill>
-        <p:spPr>
-          <a:xfrm>
-            <a:off x="6212823" y="1437589"/>
-            <a:ext cx="5668878" cy="2133356"/>
-          </a:xfrm>
-          <a:prstGeom prst="rect">
-            <a:avLst/>
-          </a:prstGeom>
-        </p:spPr>
-      </p:pic>
-      <p:pic>
-        <p:nvPicPr>
-          <p:cNvPr id="4" name="Picture 5">
-            <a:extLst>
-              <a:ext uri="{FF2B5EF4-FFF2-40B4-BE49-F238E27FC236}">
-                <a16:creationId xmlns:a16="http://schemas.microsoft.com/office/drawing/2014/main" id="{A753B0AD-895C-4736-A840-19F7C5B03947}"/>
-              </a:ext>
-            </a:extLst>
-          </p:cNvPr>
-          <p:cNvPicPr>
-            <a:picLocks noChangeAspect="1"/>
-          </p:cNvPicPr>
-          <p:nvPr/>
-        </p:nvPicPr>
-        <p:blipFill>
-          <a:blip r:embed="rId4"/>
-          <a:stretch>
-            <a:fillRect/>
-          </a:stretch>
-        </p:blipFill>
-        <p:spPr>
-          <a:xfrm>
-            <a:off x="425896" y="1801977"/>
-            <a:ext cx="5426875" cy="4128752"/>
-          </a:xfrm>
-          <a:prstGeom prst="rect">
-            <a:avLst/>
-          </a:prstGeom>
-        </p:spPr>
-      </p:pic>
-      <p:pic>
-        <p:nvPicPr>
-          <p:cNvPr id="6" name="Picture 6">
-            <a:extLst>
-              <a:ext uri="{FF2B5EF4-FFF2-40B4-BE49-F238E27FC236}">
-                <a16:creationId xmlns:a16="http://schemas.microsoft.com/office/drawing/2014/main" id="{1402531E-925D-46D3-9880-BC21713F3D42}"/>
-              </a:ext>
-            </a:extLst>
-          </p:cNvPr>
-          <p:cNvPicPr>
-            <a:picLocks noChangeAspect="1"/>
-          </p:cNvPicPr>
-          <p:nvPr/>
-        </p:nvPicPr>
-        <p:blipFill>
-          <a:blip r:embed="rId5"/>
-          <a:stretch>
-            <a:fillRect/>
-          </a:stretch>
-        </p:blipFill>
-        <p:spPr>
-          <a:xfrm>
-            <a:off x="6212823" y="3866353"/>
-            <a:ext cx="5875881" cy="2026015"/>
-          </a:xfrm>
-          <a:prstGeom prst="rect">
-            <a:avLst/>
-          </a:prstGeom>
-        </p:spPr>
-      </p:pic>
-    </p:spTree>
-    <p:extLst>
-      <p:ext uri="{BB962C8B-B14F-4D97-AF65-F5344CB8AC3E}">
-        <p14:creationId xmlns:p14="http://schemas.microsoft.com/office/powerpoint/2010/main" val="820128957"/>
-      </p:ext>
-    </p:extLst>
-  </p:cSld>
-  <p:clrMapOvr>
-    <a:masterClrMapping/>
-  </p:clrMapOvr>
-</p:sld>
-</file>
-
-<file path=ppt/slides/slide19.xml><?xml version="1.0" encoding="utf-8"?>
-<p:sld xmlns:a="http://schemas.openxmlformats.org/drawingml/2006/main" xmlns:r="http://schemas.openxmlformats.org/officeDocument/2006/relationships" xmlns:p="http://schemas.openxmlformats.org/presentationml/2006/main">
-  <p:cSld>
-    <p:spTree>
-      <p:nvGrpSpPr>
-        <p:cNvPr id="1" name=""/>
-        <p:cNvGrpSpPr/>
-        <p:nvPr/>
-      </p:nvGrpSpPr>
-      <p:grpSpPr>
-        <a:xfrm>
-          <a:off x="0" y="0"/>
-          <a:ext cx="0" cy="0"/>
-          <a:chOff x="0" y="0"/>
-          <a:chExt cx="0" cy="0"/>
-        </a:xfrm>
-      </p:grpSpPr>
-      <p:sp>
-        <p:nvSpPr>
-          <p:cNvPr id="2" name="Titel 1">
-            <a:extLst>
-              <a:ext uri="{FF2B5EF4-FFF2-40B4-BE49-F238E27FC236}">
-                <a16:creationId xmlns:a16="http://schemas.microsoft.com/office/drawing/2014/main" id="{4CF55644-0F9D-4E8E-89CC-33B6ED00D242}"/>
-              </a:ext>
-            </a:extLst>
-          </p:cNvPr>
-          <p:cNvSpPr>
-            <a:spLocks noGrp="1"/>
-          </p:cNvSpPr>
-          <p:nvPr>
-            <p:ph type="title"/>
-          </p:nvPr>
-        </p:nvSpPr>
-        <p:spPr>
-          <a:xfrm>
-            <a:off x="310299" y="112026"/>
-            <a:ext cx="10515600" cy="1325563"/>
-          </a:xfrm>
-        </p:spPr>
-        <p:txBody>
-          <a:bodyPr>
-            <a:normAutofit/>
-          </a:bodyPr>
-          <a:lstStyle/>
-          <a:p>
-            <a:r>
-              <a:rPr lang="de-DE" sz="4000" dirty="0"/>
-              <a:t>Genomische Epidemiologie in Action: Global Data Sharing</a:t>
-            </a:r>
-          </a:p>
-        </p:txBody>
-      </p:sp>
-      <p:pic>
-        <p:nvPicPr>
-          <p:cNvPr id="7" name="Grafik 6">
-            <a:extLst>
-              <a:ext uri="{FF2B5EF4-FFF2-40B4-BE49-F238E27FC236}">
-                <a16:creationId xmlns:a16="http://schemas.microsoft.com/office/drawing/2014/main" id="{49BFB08B-2474-42E5-8B6D-FCF4F4F3070A}"/>
-              </a:ext>
-            </a:extLst>
-          </p:cNvPr>
-          <p:cNvPicPr>
-            <a:picLocks noChangeAspect="1"/>
-          </p:cNvPicPr>
-          <p:nvPr/>
-        </p:nvPicPr>
-        <p:blipFill>
-          <a:blip r:embed="rId3"/>
-          <a:stretch>
-            <a:fillRect/>
-          </a:stretch>
-        </p:blipFill>
-        <p:spPr>
-          <a:xfrm>
-            <a:off x="2379725" y="1741213"/>
-            <a:ext cx="7432551" cy="4284566"/>
-          </a:xfrm>
-          <a:prstGeom prst="rect">
-            <a:avLst/>
-          </a:prstGeom>
-        </p:spPr>
-      </p:pic>
-      <p:sp>
-        <p:nvSpPr>
-          <p:cNvPr id="8" name="Textfeld 7">
-            <a:extLst>
-              <a:ext uri="{FF2B5EF4-FFF2-40B4-BE49-F238E27FC236}">
-                <a16:creationId xmlns:a16="http://schemas.microsoft.com/office/drawing/2014/main" id="{E39ECA63-E970-47DC-BC45-FB3014F9731D}"/>
-              </a:ext>
-            </a:extLst>
-          </p:cNvPr>
-          <p:cNvSpPr txBox="1"/>
-          <p:nvPr/>
-        </p:nvSpPr>
-        <p:spPr>
-          <a:xfrm>
-            <a:off x="4956105" y="6192540"/>
-            <a:ext cx="2279791" cy="523220"/>
-          </a:xfrm>
-          <a:prstGeom prst="rect">
-            <a:avLst/>
-          </a:prstGeom>
-          <a:noFill/>
-        </p:spPr>
-        <p:txBody>
-          <a:bodyPr wrap="none" rtlCol="0">
-            <a:spAutoFit/>
-          </a:bodyPr>
-          <a:lstStyle/>
-          <a:p>
-            <a:r>
-              <a:rPr lang="de-DE" sz="2800" dirty="0"/>
-              <a:t>Nextstrain.org</a:t>
-            </a:r>
-          </a:p>
-        </p:txBody>
-      </p:sp>
-    </p:spTree>
-    <p:extLst>
-      <p:ext uri="{BB962C8B-B14F-4D97-AF65-F5344CB8AC3E}">
-        <p14:creationId xmlns:p14="http://schemas.microsoft.com/office/powerpoint/2010/main" val="1525814321"/>
-      </p:ext>
-    </p:extLst>
-  </p:cSld>
-  <p:clrMapOvr>
-    <a:masterClrMapping/>
-  </p:clrMapOvr>
-</p:sld>
-</file>
-
 <file path=ppt/slides/slide2.xml><?xml version="1.0" encoding="utf-8"?>
 <p:sld xmlns:a="http://schemas.openxmlformats.org/drawingml/2006/main" xmlns:r="http://schemas.openxmlformats.org/officeDocument/2006/relationships" xmlns:p="http://schemas.openxmlformats.org/presentationml/2006/main">
   <p:cSld>
@@ -14888,7 +12503,7 @@
           <a:p>
             <a:r>
               <a:rPr lang="de-DE" dirty="0"/>
-              <a:t>Wie kann die genomische Epidemiologie klassische epidemiologische Methoden bereichern?</a:t>
+              <a:t>Was sind die wesentlichen Schritte einer mit Methoden der genomischen Epidemiologie durchgeführten Analyse?</a:t>
             </a:r>
           </a:p>
           <a:p>
@@ -14897,7 +12512,7 @@
           <a:p>
             <a:r>
               <a:rPr lang="de-DE" dirty="0"/>
-              <a:t>Wie wird genomische Epidemiologie heutzutage angewandt und welche Fragen kann sie beantworten?</a:t>
+              <a:t>Welcher Zusatznutzen ergibt sich aus der genomischen Epidemiologie?</a:t>
             </a:r>
           </a:p>
         </p:txBody>
@@ -14915,509 +12530,7 @@
 </p:sld>
 </file>
 
-<file path=ppt/slides/slide20.xml><?xml version="1.0" encoding="utf-8"?>
-<p:sld xmlns:a="http://schemas.openxmlformats.org/drawingml/2006/main" xmlns:r="http://schemas.openxmlformats.org/officeDocument/2006/relationships" xmlns:p="http://schemas.openxmlformats.org/presentationml/2006/main">
-  <p:cSld>
-    <p:spTree>
-      <p:nvGrpSpPr>
-        <p:cNvPr id="1" name=""/>
-        <p:cNvGrpSpPr/>
-        <p:nvPr/>
-      </p:nvGrpSpPr>
-      <p:grpSpPr>
-        <a:xfrm>
-          <a:off x="0" y="0"/>
-          <a:ext cx="0" cy="0"/>
-          <a:chOff x="0" y="0"/>
-          <a:chExt cx="0" cy="0"/>
-        </a:xfrm>
-      </p:grpSpPr>
-      <p:sp>
-        <p:nvSpPr>
-          <p:cNvPr id="2" name="Titel 1">
-            <a:extLst>
-              <a:ext uri="{FF2B5EF4-FFF2-40B4-BE49-F238E27FC236}">
-                <a16:creationId xmlns:a16="http://schemas.microsoft.com/office/drawing/2014/main" id="{20CE2ABE-C825-44B1-837B-74323ED0AE2E}"/>
-              </a:ext>
-            </a:extLst>
-          </p:cNvPr>
-          <p:cNvSpPr>
-            <a:spLocks noGrp="1"/>
-          </p:cNvSpPr>
-          <p:nvPr>
-            <p:ph type="title"/>
-          </p:nvPr>
-        </p:nvSpPr>
-        <p:spPr/>
-        <p:txBody>
-          <a:bodyPr/>
-          <a:lstStyle/>
-          <a:p>
-            <a:r>
-              <a:rPr lang="de-DE" dirty="0"/>
-              <a:t>Zusammenfassung</a:t>
-            </a:r>
-          </a:p>
-        </p:txBody>
-      </p:sp>
-      <p:sp>
-        <p:nvSpPr>
-          <p:cNvPr id="3" name="Inhaltsplatzhalter 2">
-            <a:extLst>
-              <a:ext uri="{FF2B5EF4-FFF2-40B4-BE49-F238E27FC236}">
-                <a16:creationId xmlns:a16="http://schemas.microsoft.com/office/drawing/2014/main" id="{DB2D4CE8-E483-470D-898C-8DE0D2806C35}"/>
-              </a:ext>
-            </a:extLst>
-          </p:cNvPr>
-          <p:cNvSpPr>
-            <a:spLocks noGrp="1"/>
-          </p:cNvSpPr>
-          <p:nvPr>
-            <p:ph idx="1"/>
-          </p:nvPr>
-        </p:nvSpPr>
-        <p:spPr/>
-        <p:txBody>
-          <a:bodyPr>
-            <a:noAutofit/>
-          </a:bodyPr>
-          <a:lstStyle/>
-          <a:p>
-            <a:r>
-              <a:rPr lang="de-DE" sz="2000" dirty="0"/>
-              <a:t>Genomische Epidemiologie hilft, die Übertragungswege und Epidemiologie von Infektionskrankheiten besser zu verstehen (</a:t>
-            </a:r>
-            <a:r>
-              <a:rPr lang="de-DE" sz="1800" dirty="0"/>
-              <a:t>Krankenhaus-Hygiene, neuartige Pandemien…)</a:t>
-            </a:r>
-          </a:p>
-          <a:p>
-            <a:pPr lvl="1"/>
-            <a:endParaRPr lang="de-DE" sz="1800" dirty="0"/>
-          </a:p>
-          <a:p>
-            <a:r>
-              <a:rPr lang="de-DE" sz="2000" dirty="0"/>
-              <a:t>Vorgehensweise:</a:t>
-            </a:r>
-          </a:p>
-          <a:p>
-            <a:pPr marL="800100" lvl="1" indent="-342900">
-              <a:buFont typeface="+mj-lt"/>
-              <a:buAutoNum type="arabicPeriod"/>
-            </a:pPr>
-            <a:r>
-              <a:rPr lang="de-DE" sz="1800" dirty="0"/>
-              <a:t>Extraktion und ggf. Amplifikation von Nukleinsäuren</a:t>
-            </a:r>
-          </a:p>
-          <a:p>
-            <a:pPr marL="800100" lvl="1" indent="-342900">
-              <a:buFont typeface="+mj-lt"/>
-              <a:buAutoNum type="arabicPeriod"/>
-            </a:pPr>
-            <a:r>
-              <a:rPr lang="de-DE" sz="1800" dirty="0"/>
-              <a:t>Sequenzierung</a:t>
-            </a:r>
-          </a:p>
-          <a:p>
-            <a:pPr marL="800100" lvl="1" indent="-342900">
-              <a:buFont typeface="+mj-lt"/>
-              <a:buAutoNum type="arabicPeriod"/>
-            </a:pPr>
-            <a:r>
-              <a:rPr lang="de-DE" sz="1800" dirty="0"/>
-              <a:t>Vergleich der sequenzierten Isolat-Genome: Alignment, Variant Calling, Distanzmatrix</a:t>
-            </a:r>
-          </a:p>
-          <a:p>
-            <a:pPr marL="800100" lvl="1" indent="-342900">
-              <a:buFont typeface="+mj-lt"/>
-              <a:buAutoNum type="arabicPeriod"/>
-            </a:pPr>
-            <a:r>
-              <a:rPr lang="de-DE" sz="1800" dirty="0"/>
-              <a:t>Analyse der Isolat-Distanzmatrix, z.B. mit einem Minimum </a:t>
-            </a:r>
-            <a:r>
-              <a:rPr lang="de-DE" sz="1800" dirty="0" err="1"/>
-              <a:t>Spanning</a:t>
-            </a:r>
-            <a:r>
-              <a:rPr lang="de-DE" sz="1800" dirty="0"/>
-              <a:t> </a:t>
-            </a:r>
-            <a:r>
-              <a:rPr lang="de-DE" sz="1800" dirty="0" err="1"/>
-              <a:t>Tree</a:t>
-            </a:r>
-            <a:endParaRPr lang="de-DE" sz="1800" dirty="0"/>
-          </a:p>
-          <a:p>
-            <a:pPr marL="800100" lvl="1" indent="-342900">
-              <a:buFont typeface="+mj-lt"/>
-              <a:buAutoNum type="arabicPeriod"/>
-            </a:pPr>
-            <a:r>
-              <a:rPr lang="de-DE" sz="1800" dirty="0"/>
-              <a:t>Interpretation und Kombination mit klassisch-epidemiologischen Daten</a:t>
-            </a:r>
-          </a:p>
-          <a:p>
-            <a:pPr lvl="1"/>
-            <a:endParaRPr lang="de-DE" sz="1800" dirty="0"/>
-          </a:p>
-          <a:p>
-            <a:r>
-              <a:rPr lang="de-DE" sz="2000" dirty="0"/>
-              <a:t>Im 21. Jahrhundert: Sequenz-Vergleich über internationale Cloud-Datenbanken.</a:t>
-            </a:r>
-          </a:p>
-          <a:p>
-            <a:endParaRPr lang="de-DE" sz="2000" dirty="0"/>
-          </a:p>
-          <a:p>
-            <a:r>
-              <a:rPr lang="de-DE" sz="2000" dirty="0"/>
-              <a:t>Pathogen-Sequenzdaten sind eine reiche Datenquelle für weitergehende Analysen.</a:t>
-            </a:r>
-          </a:p>
-        </p:txBody>
-      </p:sp>
-    </p:spTree>
-    <p:extLst>
-      <p:ext uri="{BB962C8B-B14F-4D97-AF65-F5344CB8AC3E}">
-        <p14:creationId xmlns:p14="http://schemas.microsoft.com/office/powerpoint/2010/main" val="1085633258"/>
-      </p:ext>
-    </p:extLst>
-  </p:cSld>
-  <p:clrMapOvr>
-    <a:masterClrMapping/>
-  </p:clrMapOvr>
-</p:sld>
-</file>
-
 <file path=ppt/slides/slide3.xml><?xml version="1.0" encoding="utf-8"?>
-<p:sld xmlns:a="http://schemas.openxmlformats.org/drawingml/2006/main" xmlns:r="http://schemas.openxmlformats.org/officeDocument/2006/relationships" xmlns:p="http://schemas.openxmlformats.org/presentationml/2006/main">
-  <p:cSld>
-    <p:spTree>
-      <p:nvGrpSpPr>
-        <p:cNvPr id="1" name=""/>
-        <p:cNvGrpSpPr/>
-        <p:nvPr/>
-      </p:nvGrpSpPr>
-      <p:grpSpPr>
-        <a:xfrm>
-          <a:off x="0" y="0"/>
-          <a:ext cx="0" cy="0"/>
-          <a:chOff x="0" y="0"/>
-          <a:chExt cx="0" cy="0"/>
-        </a:xfrm>
-      </p:grpSpPr>
-      <p:sp>
-        <p:nvSpPr>
-          <p:cNvPr id="2" name="Titel 1">
-            <a:extLst>
-              <a:ext uri="{FF2B5EF4-FFF2-40B4-BE49-F238E27FC236}">
-                <a16:creationId xmlns:a16="http://schemas.microsoft.com/office/drawing/2014/main" id="{DCD7424B-824D-47ED-B35D-9C7CAF568BBE}"/>
-              </a:ext>
-            </a:extLst>
-          </p:cNvPr>
-          <p:cNvSpPr>
-            <a:spLocks noGrp="1"/>
-          </p:cNvSpPr>
-          <p:nvPr>
-            <p:ph type="title"/>
-          </p:nvPr>
-        </p:nvSpPr>
-        <p:spPr/>
-        <p:txBody>
-          <a:bodyPr/>
-          <a:lstStyle/>
-          <a:p>
-            <a:r>
-              <a:rPr lang="de-DE" dirty="0"/>
-              <a:t>Genomische Epidemiologie</a:t>
-            </a:r>
-          </a:p>
-        </p:txBody>
-      </p:sp>
-      <p:sp>
-        <p:nvSpPr>
-          <p:cNvPr id="3" name="Inhaltsplatzhalter 2">
-            <a:extLst>
-              <a:ext uri="{FF2B5EF4-FFF2-40B4-BE49-F238E27FC236}">
-                <a16:creationId xmlns:a16="http://schemas.microsoft.com/office/drawing/2014/main" id="{25C40545-2226-459B-A9FF-DC857BD217D0}"/>
-              </a:ext>
-            </a:extLst>
-          </p:cNvPr>
-          <p:cNvSpPr>
-            <a:spLocks noGrp="1"/>
-          </p:cNvSpPr>
-          <p:nvPr>
-            <p:ph idx="1"/>
-          </p:nvPr>
-        </p:nvSpPr>
-        <p:spPr/>
-        <p:txBody>
-          <a:bodyPr/>
-          <a:lstStyle/>
-          <a:p>
-            <a:pPr marL="0" indent="0">
-              <a:buNone/>
-            </a:pPr>
-            <a:r>
-              <a:rPr lang="en-US" i="1" dirty="0"/>
-              <a:t>Genomic epidemiology:</a:t>
-            </a:r>
-          </a:p>
-          <a:p>
-            <a:pPr marL="0" indent="0">
-              <a:buNone/>
-            </a:pPr>
-            <a:endParaRPr lang="en-US" i="1" dirty="0"/>
-          </a:p>
-          <a:p>
-            <a:pPr marL="0" indent="0">
-              <a:buNone/>
-            </a:pPr>
-            <a:r>
-              <a:rPr lang="en-US" dirty="0"/>
-              <a:t>“The use of genome sequencing to understand infectious disease transmission and epidemiology.”</a:t>
-            </a:r>
-          </a:p>
-          <a:p>
-            <a:pPr marL="0" indent="0">
-              <a:buNone/>
-            </a:pPr>
-            <a:endParaRPr lang="en-US" dirty="0"/>
-          </a:p>
-          <a:p>
-            <a:pPr marL="0" indent="0">
-              <a:buNone/>
-            </a:pPr>
-            <a:r>
-              <a:rPr lang="en-US" sz="1800" dirty="0"/>
-              <a:t>Jennifer L. Gardy &amp; Nicholas J. Loman, </a:t>
-            </a:r>
-            <a:r>
-              <a:rPr lang="en-US" sz="1800" i="1" dirty="0"/>
-              <a:t>Nature Reviews Genetics</a:t>
-            </a:r>
-            <a:r>
-              <a:rPr lang="en-US" sz="1800" dirty="0"/>
-              <a:t> 19:9–20 (2018)</a:t>
-            </a:r>
-          </a:p>
-          <a:p>
-            <a:pPr marL="0" indent="0">
-              <a:buNone/>
-            </a:pPr>
-            <a:endParaRPr lang="en-US" sz="2000" dirty="0"/>
-          </a:p>
-          <a:p>
-            <a:r>
-              <a:rPr lang="en-US" sz="1800" dirty="0"/>
-              <a:t>In </a:t>
-            </a:r>
-            <a:r>
-              <a:rPr lang="en-US" sz="1800" dirty="0" err="1"/>
-              <a:t>diesem</a:t>
-            </a:r>
-            <a:r>
-              <a:rPr lang="en-US" sz="1800" dirty="0"/>
-              <a:t> </a:t>
-            </a:r>
-            <a:r>
-              <a:rPr lang="en-US" sz="1800" dirty="0" err="1"/>
-              <a:t>Kontext</a:t>
-            </a:r>
-            <a:r>
-              <a:rPr lang="en-US" sz="1800" dirty="0"/>
-              <a:t> </a:t>
-            </a:r>
-            <a:r>
-              <a:rPr lang="en-US" sz="1800" dirty="0" err="1"/>
-              <a:t>abzugrenzen</a:t>
-            </a:r>
-            <a:r>
-              <a:rPr lang="en-US" sz="1800" dirty="0"/>
-              <a:t> </a:t>
-            </a:r>
-            <a:r>
-              <a:rPr lang="en-US" sz="1800" dirty="0" err="1"/>
-              <a:t>vom</a:t>
-            </a:r>
-            <a:r>
-              <a:rPr lang="en-US" sz="1800" dirty="0"/>
-              <a:t> </a:t>
-            </a:r>
-            <a:r>
-              <a:rPr lang="en-US" sz="1800" dirty="0" err="1"/>
-              <a:t>Einsatz</a:t>
-            </a:r>
-            <a:r>
-              <a:rPr lang="en-US" sz="1800" dirty="0"/>
-              <a:t> </a:t>
-            </a:r>
-            <a:r>
-              <a:rPr lang="en-US" sz="1800" dirty="0" err="1"/>
-              <a:t>genomischer</a:t>
-            </a:r>
-            <a:r>
-              <a:rPr lang="en-US" sz="1800" dirty="0"/>
-              <a:t> </a:t>
-            </a:r>
-            <a:r>
-              <a:rPr lang="en-US" sz="1800" dirty="0" err="1"/>
-              <a:t>Technologien</a:t>
-            </a:r>
-            <a:r>
-              <a:rPr lang="en-US" sz="1800" dirty="0"/>
-              <a:t> </a:t>
-            </a:r>
-            <a:r>
-              <a:rPr lang="en-US" sz="1800" dirty="0" err="1"/>
-              <a:t>zur</a:t>
-            </a:r>
-            <a:r>
-              <a:rPr lang="en-US" sz="1800" dirty="0"/>
-              <a:t> </a:t>
-            </a:r>
-            <a:r>
-              <a:rPr lang="en-US" sz="1800" dirty="0" err="1"/>
-              <a:t>Aufklärung</a:t>
-            </a:r>
-            <a:r>
-              <a:rPr lang="en-US" sz="1800" dirty="0"/>
-              <a:t> der </a:t>
-            </a:r>
-            <a:r>
-              <a:rPr lang="en-US" sz="1800" dirty="0" err="1"/>
-              <a:t>Epidemiologie</a:t>
-            </a:r>
-            <a:r>
-              <a:rPr lang="en-US" sz="1800" dirty="0"/>
-              <a:t> von </a:t>
-            </a:r>
-            <a:r>
-              <a:rPr lang="en-US" sz="1800" dirty="0" err="1"/>
-              <a:t>Nicht-Infektionskrankheiten</a:t>
-            </a:r>
-            <a:r>
-              <a:rPr lang="en-US" sz="1800" dirty="0"/>
-              <a:t>.</a:t>
-            </a:r>
-          </a:p>
-        </p:txBody>
-      </p:sp>
-    </p:spTree>
-    <p:extLst>
-      <p:ext uri="{BB962C8B-B14F-4D97-AF65-F5344CB8AC3E}">
-        <p14:creationId xmlns:p14="http://schemas.microsoft.com/office/powerpoint/2010/main" val="35524247"/>
-      </p:ext>
-    </p:extLst>
-  </p:cSld>
-  <p:clrMapOvr>
-    <a:masterClrMapping/>
-  </p:clrMapOvr>
-  <p:timing>
-    <p:tnLst>
-      <p:par>
-        <p:cTn id="1" dur="indefinite" restart="never" nodeType="tmRoot">
-          <p:childTnLst>
-            <p:seq concurrent="1" nextAc="seek">
-              <p:cTn id="2" dur="indefinite" nodeType="mainSeq">
-                <p:childTnLst>
-                  <p:par>
-                    <p:cTn id="3" fill="hold">
-                      <p:stCondLst>
-                        <p:cond delay="indefinite"/>
-                      </p:stCondLst>
-                      <p:childTnLst>
-                        <p:par>
-                          <p:cTn id="4" fill="hold">
-                            <p:stCondLst>
-                              <p:cond delay="0"/>
-                            </p:stCondLst>
-                            <p:childTnLst>
-                              <p:par>
-                                <p:cTn id="5" presetID="10" presetClass="entr" presetSubtype="0" fill="hold" nodeType="clickEffect">
-                                  <p:stCondLst>
-                                    <p:cond delay="0"/>
-                                  </p:stCondLst>
-                                  <p:childTnLst>
-                                    <p:set>
-                                      <p:cBhvr>
-                                        <p:cTn id="6" dur="1" fill="hold">
-                                          <p:stCondLst>
-                                            <p:cond delay="0"/>
-                                          </p:stCondLst>
-                                        </p:cTn>
-                                        <p:tgtEl>
-                                          <p:spTgt spid="3">
-                                            <p:txEl>
-                                              <p:pRg st="6" end="6"/>
-                                            </p:txEl>
-                                          </p:spTgt>
-                                        </p:tgtEl>
-                                        <p:attrNameLst>
-                                          <p:attrName>style.visibility</p:attrName>
-                                        </p:attrNameLst>
-                                      </p:cBhvr>
-                                      <p:to>
-                                        <p:strVal val="visible"/>
-                                      </p:to>
-                                    </p:set>
-                                    <p:animEffect transition="in" filter="fade">
-                                      <p:cBhvr>
-                                        <p:cTn id="7" dur="500"/>
-                                        <p:tgtEl>
-                                          <p:spTgt spid="3">
-                                            <p:txEl>
-                                              <p:pRg st="6" end="6"/>
-                                            </p:txEl>
-                                          </p:spTgt>
-                                        </p:tgtEl>
-                                      </p:cBhvr>
-                                    </p:animEffect>
-                                  </p:childTnLst>
-                                </p:cTn>
-                              </p:par>
-                            </p:childTnLst>
-                          </p:cTn>
-                        </p:par>
-                      </p:childTnLst>
-                    </p:cTn>
-                  </p:par>
-                </p:childTnLst>
-              </p:cTn>
-              <p:prevCondLst>
-                <p:cond evt="onPrev" delay="0">
-                  <p:tgtEl>
-                    <p:sldTgt/>
-                  </p:tgtEl>
-                </p:cond>
-              </p:prevCondLst>
-              <p:nextCondLst>
-                <p:cond evt="onNext" delay="0">
-                  <p:tgtEl>
-                    <p:sldTgt/>
-                  </p:tgtEl>
-                </p:cond>
-              </p:nextCondLst>
-            </p:seq>
-          </p:childTnLst>
-        </p:cTn>
-      </p:par>
-    </p:tnLst>
-  </p:timing>
-</p:sld>
-</file>
-
-<file path=ppt/slides/slide4.xml><?xml version="1.0" encoding="utf-8"?>
 <p:sld xmlns:a="http://schemas.openxmlformats.org/drawingml/2006/main" xmlns:r="http://schemas.openxmlformats.org/officeDocument/2006/relationships" xmlns:p="http://schemas.openxmlformats.org/presentationml/2006/main">
   <p:cSld>
     <p:spTree>
@@ -18152,110 +15265,76 @@
       </p:sp>
       <p:sp>
         <p:nvSpPr>
-          <p:cNvPr id="113" name="TextBox 39">
+          <p:cNvPr id="63" name="Inhaltsplatzhalter 2">
             <a:extLst>
               <a:ext uri="{FF2B5EF4-FFF2-40B4-BE49-F238E27FC236}">
-                <a16:creationId xmlns:a16="http://schemas.microsoft.com/office/drawing/2014/main" id="{F11EFE6F-516E-40F4-A981-D1FBDBA3F664}"/>
+                <a16:creationId xmlns:a16="http://schemas.microsoft.com/office/drawing/2014/main" id="{17F17FD5-B4C1-4607-908C-F4373CF550D0}"/>
               </a:ext>
             </a:extLst>
           </p:cNvPr>
-          <p:cNvSpPr txBox="1"/>
-          <p:nvPr/>
+          <p:cNvSpPr>
+            <a:spLocks noGrp="1"/>
+          </p:cNvSpPr>
+          <p:nvPr>
+            <p:ph idx="1"/>
+          </p:nvPr>
         </p:nvSpPr>
         <p:spPr>
           <a:xfrm>
-            <a:off x="755402" y="1947429"/>
-            <a:ext cx="10681197" cy="2963143"/>
+            <a:off x="3651988" y="2032844"/>
+            <a:ext cx="5162849" cy="3418627"/>
           </a:xfrm>
-          <a:prstGeom prst="rect">
-            <a:avLst/>
-          </a:prstGeom>
-          <a:solidFill>
-            <a:schemeClr val="bg1">
-              <a:lumMod val="95000"/>
-            </a:schemeClr>
-          </a:solidFill>
-          <a:ln w="41275">
-            <a:solidFill>
-              <a:srgbClr val="FF0000"/>
-            </a:solidFill>
-          </a:ln>
         </p:spPr>
         <p:txBody>
-          <a:bodyPr wrap="square" rtlCol="0" anchor="ctr">
-            <a:noAutofit/>
+          <a:bodyPr>
+            <a:normAutofit/>
           </a:bodyPr>
           <a:lstStyle/>
           <a:p>
-            <a:pPr algn="ctr"/>
-            <a:r>
-              <a:rPr lang="en-US" sz="2800" dirty="0" err="1">
-                <a:latin typeface="Futura Lt BT" panose="020B0402020204020303" pitchFamily="34" charset="0"/>
-              </a:rPr>
-              <a:t>Verbessertes</a:t>
-            </a:r>
-            <a:r>
-              <a:rPr lang="en-US" sz="2800" dirty="0">
-                <a:latin typeface="Futura Lt BT" panose="020B0402020204020303" pitchFamily="34" charset="0"/>
-              </a:rPr>
-              <a:t> </a:t>
-            </a:r>
-            <a:r>
-              <a:rPr lang="en-US" sz="2800" dirty="0" err="1">
-                <a:latin typeface="Futura Lt BT" panose="020B0402020204020303" pitchFamily="34" charset="0"/>
-              </a:rPr>
-              <a:t>Verständnis</a:t>
-            </a:r>
-            <a:r>
-              <a:rPr lang="en-US" sz="2800" dirty="0">
-                <a:latin typeface="Futura Lt BT" panose="020B0402020204020303" pitchFamily="34" charset="0"/>
-              </a:rPr>
-              <a:t> von </a:t>
-            </a:r>
-            <a:r>
-              <a:rPr lang="en-US" sz="2800" dirty="0" err="1">
-                <a:latin typeface="Futura Lt BT" panose="020B0402020204020303" pitchFamily="34" charset="0"/>
-              </a:rPr>
-              <a:t>Übertragungsketten</a:t>
-            </a:r>
-            <a:endParaRPr lang="en-US" sz="2800" dirty="0">
-              <a:latin typeface="Futura Lt BT" panose="020B0402020204020303" pitchFamily="34" charset="0"/>
-            </a:endParaRPr>
-          </a:p>
-          <a:p>
-            <a:pPr algn="ctr"/>
-            <a:endParaRPr lang="en-US" sz="2800" dirty="0">
-              <a:latin typeface="Futura Lt BT" panose="020B0402020204020303" pitchFamily="34" charset="0"/>
-            </a:endParaRPr>
-          </a:p>
-          <a:p>
-            <a:pPr algn="ctr"/>
-            <a:r>
-              <a:rPr lang="en-US" sz="2800" dirty="0" err="1">
-                <a:latin typeface="Futura Lt BT" panose="020B0402020204020303" pitchFamily="34" charset="0"/>
-              </a:rPr>
-              <a:t>Krankenhaus</a:t>
-            </a:r>
-            <a:r>
-              <a:rPr lang="en-US" sz="2800" dirty="0">
-                <a:latin typeface="Futura Lt BT" panose="020B0402020204020303" pitchFamily="34" charset="0"/>
-              </a:rPr>
-              <a:t>-Hygiene / Population Surveillance</a:t>
-            </a:r>
-          </a:p>
-          <a:p>
-            <a:pPr algn="ctr"/>
-            <a:endParaRPr lang="en-US" sz="2800" dirty="0">
-              <a:latin typeface="Futura Lt BT" panose="020B0402020204020303" pitchFamily="34" charset="0"/>
-            </a:endParaRPr>
-          </a:p>
-          <a:p>
-            <a:pPr algn="ctr"/>
-            <a:r>
-              <a:rPr lang="en-US" sz="2800" dirty="0">
-                <a:latin typeface="Futura Lt BT" panose="020B0402020204020303" pitchFamily="34" charset="0"/>
-              </a:rPr>
-              <a:t>“Non-Pharmaceutical Interventions”</a:t>
+            <a:r>
+              <a:rPr lang="de-DE" dirty="0"/>
+              <a:t>Tool zur</a:t>
+            </a:r>
+            <a:br>
+              <a:rPr lang="de-DE"/>
+            </a:br>
+            <a:r>
+              <a:rPr lang="de-DE"/>
+              <a:t>Ausbruchsdiagnostik</a:t>
+            </a:r>
+            <a:br>
+              <a:rPr lang="de-DE" dirty="0"/>
+            </a:br>
+            <a:endParaRPr lang="de-DE" dirty="0"/>
+          </a:p>
+          <a:p>
+            <a:r>
+              <a:rPr lang="de-DE" dirty="0"/>
+              <a:t>Nosokomiale Infektionsketten</a:t>
+            </a:r>
+            <a:br>
+              <a:rPr lang="de-DE" dirty="0"/>
+            </a:br>
+            <a:r>
+              <a:rPr lang="de-DE" dirty="0"/>
+              <a:t>multiresistenter Keime</a:t>
+            </a:r>
+            <a:br>
+              <a:rPr lang="de-DE" dirty="0"/>
+            </a:br>
+            <a:endParaRPr lang="de-DE" dirty="0"/>
+          </a:p>
+          <a:p>
+            <a:r>
+              <a:rPr lang="de-DE" dirty="0"/>
+              <a:t>Transmissionsketten in einer</a:t>
+            </a:r>
+            <a:br>
+              <a:rPr lang="de-DE" dirty="0"/>
+            </a:br>
+            <a:r>
+              <a:rPr lang="de-DE" dirty="0"/>
+              <a:t>Pandemie</a:t>
             </a:r>
           </a:p>
         </p:txBody>
@@ -21076,7 +18155,7 @@
                             </p:stCondLst>
                             <p:childTnLst>
                               <p:par>
-                                <p:cTn id="238" presetID="10" presetClass="entr" presetSubtype="0" fill="hold" grpId="0" nodeType="clickEffect">
+                                <p:cTn id="238" presetID="1" presetClass="entr" presetSubtype="0" fill="hold" grpId="0" nodeType="clickEffect">
                                   <p:stCondLst>
                                     <p:cond delay="0"/>
                                   </p:stCondLst>
@@ -21089,7 +18168,11 @@
                                           </p:stCondLst>
                                         </p:cTn>
                                         <p:tgtEl>
-                                          <p:spTgt spid="113"/>
+                                          <p:spTgt spid="63">
+                                            <p:txEl>
+                                              <p:pRg st="0" end="0"/>
+                                            </p:txEl>
+                                          </p:spTgt>
                                         </p:tgtEl>
                                         <p:attrNameLst>
                                           <p:attrName>style.visibility</p:attrName>
@@ -21099,34 +18182,44 @@
                                         <p:strVal val="visible"/>
                                       </p:to>
                                     </p:set>
-                                    <p:animEffect transition="in" filter="fade">
-                                      <p:cBhvr>
-                                        <p:cTn id="240" dur="500"/>
-                                        <p:tgtEl>
-                                          <p:spTgt spid="113"/>
-                                        </p:tgtEl>
-                                      </p:cBhvr>
-                                    </p:animEffect>
                                   </p:childTnLst>
                                 </p:cTn>
                               </p:par>
+                            </p:childTnLst>
+                          </p:cTn>
+                        </p:par>
+                      </p:childTnLst>
+                    </p:cTn>
+                  </p:par>
+                  <p:par>
+                    <p:cTn id="240" fill="hold">
+                      <p:stCondLst>
+                        <p:cond delay="indefinite"/>
+                      </p:stCondLst>
+                      <p:childTnLst>
+                        <p:par>
+                          <p:cTn id="241" fill="hold">
+                            <p:stCondLst>
+                              <p:cond delay="0"/>
+                            </p:stCondLst>
+                            <p:childTnLst>
                               <p:par>
-                                <p:cTn id="241" presetID="10" presetClass="entr" presetSubtype="0" fill="hold" nodeType="withEffect">
+                                <p:cTn id="242" presetID="1" presetClass="entr" presetSubtype="0" fill="hold" grpId="0" nodeType="clickEffect">
                                   <p:stCondLst>
                                     <p:cond delay="0"/>
                                   </p:stCondLst>
                                   <p:childTnLst>
                                     <p:set>
                                       <p:cBhvr>
-                                        <p:cTn id="242" dur="1" fill="hold">
+                                        <p:cTn id="243" dur="1" fill="hold">
                                           <p:stCondLst>
                                             <p:cond delay="0"/>
                                           </p:stCondLst>
                                         </p:cTn>
                                         <p:tgtEl>
-                                          <p:spTgt spid="113">
+                                          <p:spTgt spid="63">
                                             <p:txEl>
-                                              <p:pRg st="0" end="0"/>
+                                              <p:pRg st="1" end="1"/>
                                             </p:txEl>
                                           </p:spTgt>
                                         </p:tgtEl>
@@ -21138,36 +18231,42 @@
                                         <p:strVal val="visible"/>
                                       </p:to>
                                     </p:set>
-                                    <p:animEffect transition="in" filter="fade">
-                                      <p:cBhvr>
-                                        <p:cTn id="243" dur="500"/>
-                                        <p:tgtEl>
-                                          <p:spTgt spid="113">
-                                            <p:txEl>
-                                              <p:pRg st="0" end="0"/>
-                                            </p:txEl>
-                                          </p:spTgt>
-                                        </p:tgtEl>
-                                      </p:cBhvr>
-                                    </p:animEffect>
                                   </p:childTnLst>
                                 </p:cTn>
                               </p:par>
+                            </p:childTnLst>
+                          </p:cTn>
+                        </p:par>
+                      </p:childTnLst>
+                    </p:cTn>
+                  </p:par>
+                  <p:par>
+                    <p:cTn id="244" fill="hold">
+                      <p:stCondLst>
+                        <p:cond delay="indefinite"/>
+                      </p:stCondLst>
+                      <p:childTnLst>
+                        <p:par>
+                          <p:cTn id="245" fill="hold">
+                            <p:stCondLst>
+                              <p:cond delay="0"/>
+                            </p:stCondLst>
+                            <p:childTnLst>
                               <p:par>
-                                <p:cTn id="244" presetID="10" presetClass="entr" presetSubtype="0" fill="hold" nodeType="withEffect">
+                                <p:cTn id="246" presetID="1" presetClass="entr" presetSubtype="0" fill="hold" grpId="0" nodeType="clickEffect">
                                   <p:stCondLst>
                                     <p:cond delay="0"/>
                                   </p:stCondLst>
                                   <p:childTnLst>
                                     <p:set>
                                       <p:cBhvr>
-                                        <p:cTn id="245" dur="1" fill="hold">
+                                        <p:cTn id="247" dur="1" fill="hold">
                                           <p:stCondLst>
                                             <p:cond delay="0"/>
                                           </p:stCondLst>
                                         </p:cTn>
                                         <p:tgtEl>
-                                          <p:spTgt spid="113">
+                                          <p:spTgt spid="63">
                                             <p:txEl>
                                               <p:pRg st="2" end="2"/>
                                             </p:txEl>
@@ -21181,61 +18280,6 @@
                                         <p:strVal val="visible"/>
                                       </p:to>
                                     </p:set>
-                                    <p:animEffect transition="in" filter="fade">
-                                      <p:cBhvr>
-                                        <p:cTn id="246" dur="500"/>
-                                        <p:tgtEl>
-                                          <p:spTgt spid="113">
-                                            <p:txEl>
-                                              <p:pRg st="2" end="2"/>
-                                            </p:txEl>
-                                          </p:spTgt>
-                                        </p:tgtEl>
-                                      </p:cBhvr>
-                                    </p:animEffect>
-                                  </p:childTnLst>
-                                </p:cTn>
-                              </p:par>
-                              <p:par>
-                                <p:cTn id="247" presetID="10" presetClass="entr" presetSubtype="0" fill="hold" nodeType="withEffect">
-                                  <p:stCondLst>
-                                    <p:cond delay="0"/>
-                                  </p:stCondLst>
-                                  <p:childTnLst>
-                                    <p:set>
-                                      <p:cBhvr>
-                                        <p:cTn id="248" dur="1" fill="hold">
-                                          <p:stCondLst>
-                                            <p:cond delay="0"/>
-                                          </p:stCondLst>
-                                        </p:cTn>
-                                        <p:tgtEl>
-                                          <p:spTgt spid="113">
-                                            <p:txEl>
-                                              <p:pRg st="4" end="4"/>
-                                            </p:txEl>
-                                          </p:spTgt>
-                                        </p:tgtEl>
-                                        <p:attrNameLst>
-                                          <p:attrName>style.visibility</p:attrName>
-                                        </p:attrNameLst>
-                                      </p:cBhvr>
-                                      <p:to>
-                                        <p:strVal val="visible"/>
-                                      </p:to>
-                                    </p:set>
-                                    <p:animEffect transition="in" filter="fade">
-                                      <p:cBhvr>
-                                        <p:cTn id="249" dur="500"/>
-                                        <p:tgtEl>
-                                          <p:spTgt spid="113">
-                                            <p:txEl>
-                                              <p:pRg st="4" end="4"/>
-                                            </p:txEl>
-                                          </p:spTgt>
-                                        </p:tgtEl>
-                                      </p:cBhvr>
-                                    </p:animEffect>
                                   </p:childTnLst>
                                 </p:cTn>
                               </p:par>
@@ -21295,9 +18339,236 @@
       <p:bldP spid="108" grpId="0"/>
       <p:bldP spid="110" grpId="0" animBg="1"/>
       <p:bldP spid="112" grpId="0" animBg="1"/>
-      <p:bldP spid="113" grpId="0" animBg="1"/>
+      <p:bldP spid="63" grpId="0" build="p"/>
     </p:bldLst>
   </p:timing>
+</p:sld>
+</file>
+
+<file path=ppt/slides/slide4.xml><?xml version="1.0" encoding="utf-8"?>
+<p:sld xmlns:a="http://schemas.openxmlformats.org/drawingml/2006/main" xmlns:r="http://schemas.openxmlformats.org/officeDocument/2006/relationships" xmlns:p="http://schemas.openxmlformats.org/presentationml/2006/main">
+  <p:cSld>
+    <p:spTree>
+      <p:nvGrpSpPr>
+        <p:cNvPr id="1" name=""/>
+        <p:cNvGrpSpPr/>
+        <p:nvPr/>
+      </p:nvGrpSpPr>
+      <p:grpSpPr>
+        <a:xfrm>
+          <a:off x="0" y="0"/>
+          <a:ext cx="0" cy="0"/>
+          <a:chOff x="0" y="0"/>
+          <a:chExt cx="0" cy="0"/>
+        </a:xfrm>
+      </p:grpSpPr>
+      <p:sp>
+        <p:nvSpPr>
+          <p:cNvPr id="2" name="Titel 1">
+            <a:extLst>
+              <a:ext uri="{FF2B5EF4-FFF2-40B4-BE49-F238E27FC236}">
+                <a16:creationId xmlns:a16="http://schemas.microsoft.com/office/drawing/2014/main" id="{DCD7424B-824D-47ED-B35D-9C7CAF568BBE}"/>
+              </a:ext>
+            </a:extLst>
+          </p:cNvPr>
+          <p:cNvSpPr>
+            <a:spLocks noGrp="1"/>
+          </p:cNvSpPr>
+          <p:nvPr>
+            <p:ph type="title"/>
+          </p:nvPr>
+        </p:nvSpPr>
+        <p:spPr/>
+        <p:txBody>
+          <a:bodyPr/>
+          <a:lstStyle/>
+          <a:p>
+            <a:r>
+              <a:rPr lang="de-DE" dirty="0"/>
+              <a:t>Genomische Epidemiologie</a:t>
+            </a:r>
+          </a:p>
+        </p:txBody>
+      </p:sp>
+      <p:sp>
+        <p:nvSpPr>
+          <p:cNvPr id="3" name="Inhaltsplatzhalter 2">
+            <a:extLst>
+              <a:ext uri="{FF2B5EF4-FFF2-40B4-BE49-F238E27FC236}">
+                <a16:creationId xmlns:a16="http://schemas.microsoft.com/office/drawing/2014/main" id="{25C40545-2226-459B-A9FF-DC857BD217D0}"/>
+              </a:ext>
+            </a:extLst>
+          </p:cNvPr>
+          <p:cNvSpPr>
+            <a:spLocks noGrp="1"/>
+          </p:cNvSpPr>
+          <p:nvPr>
+            <p:ph idx="1"/>
+          </p:nvPr>
+        </p:nvSpPr>
+        <p:spPr/>
+        <p:txBody>
+          <a:bodyPr/>
+          <a:lstStyle/>
+          <a:p>
+            <a:pPr marL="0" indent="0">
+              <a:buNone/>
+            </a:pPr>
+            <a:r>
+              <a:rPr lang="en-US" i="1" dirty="0"/>
+              <a:t>Genomic epidemiology:</a:t>
+            </a:r>
+          </a:p>
+          <a:p>
+            <a:pPr marL="0" indent="0">
+              <a:buNone/>
+            </a:pPr>
+            <a:endParaRPr lang="en-US" i="1" dirty="0"/>
+          </a:p>
+          <a:p>
+            <a:pPr marL="0" indent="0">
+              <a:buNone/>
+            </a:pPr>
+            <a:r>
+              <a:rPr lang="en-US" dirty="0"/>
+              <a:t>“The use of genome sequencing to understand infectious disease transmission and epidemiology.”</a:t>
+            </a:r>
+          </a:p>
+          <a:p>
+            <a:pPr marL="0" indent="0">
+              <a:buNone/>
+            </a:pPr>
+            <a:endParaRPr lang="en-US" dirty="0"/>
+          </a:p>
+          <a:p>
+            <a:pPr marL="0" indent="0">
+              <a:buNone/>
+            </a:pPr>
+            <a:r>
+              <a:rPr lang="en-US" sz="1800" dirty="0"/>
+              <a:t>Jennifer L. Gardy &amp; Nicholas J. Loman, </a:t>
+            </a:r>
+            <a:r>
+              <a:rPr lang="en-US" sz="1800" i="1" dirty="0"/>
+              <a:t>Nature Reviews Genetics</a:t>
+            </a:r>
+            <a:r>
+              <a:rPr lang="en-US" sz="1800" dirty="0"/>
+              <a:t> 19:9–20 (2018)</a:t>
+            </a:r>
+          </a:p>
+          <a:p>
+            <a:pPr marL="0" indent="0">
+              <a:buNone/>
+            </a:pPr>
+            <a:endParaRPr lang="en-US" sz="2000" dirty="0"/>
+          </a:p>
+          <a:p>
+            <a:r>
+              <a:rPr lang="en-US" sz="1800" dirty="0"/>
+              <a:t>In </a:t>
+            </a:r>
+            <a:r>
+              <a:rPr lang="en-US" sz="1800" dirty="0" err="1"/>
+              <a:t>diesem</a:t>
+            </a:r>
+            <a:r>
+              <a:rPr lang="en-US" sz="1800" dirty="0"/>
+              <a:t> </a:t>
+            </a:r>
+            <a:r>
+              <a:rPr lang="en-US" sz="1800" dirty="0" err="1"/>
+              <a:t>Kontext</a:t>
+            </a:r>
+            <a:r>
+              <a:rPr lang="en-US" sz="1800" dirty="0"/>
+              <a:t> </a:t>
+            </a:r>
+            <a:r>
+              <a:rPr lang="en-US" sz="1800" dirty="0" err="1"/>
+              <a:t>abzugrenzen</a:t>
+            </a:r>
+            <a:r>
+              <a:rPr lang="en-US" sz="1800" dirty="0"/>
+              <a:t> </a:t>
+            </a:r>
+            <a:r>
+              <a:rPr lang="en-US" sz="1800" dirty="0" err="1"/>
+              <a:t>vom</a:t>
+            </a:r>
+            <a:r>
+              <a:rPr lang="en-US" sz="1800" dirty="0"/>
+              <a:t> </a:t>
+            </a:r>
+            <a:r>
+              <a:rPr lang="en-US" sz="1800" dirty="0" err="1"/>
+              <a:t>Einsatz</a:t>
+            </a:r>
+            <a:r>
+              <a:rPr lang="en-US" sz="1800" dirty="0"/>
+              <a:t> </a:t>
+            </a:r>
+            <a:r>
+              <a:rPr lang="en-US" sz="1800" dirty="0" err="1"/>
+              <a:t>genomischer</a:t>
+            </a:r>
+            <a:r>
+              <a:rPr lang="en-US" sz="1800" dirty="0"/>
+              <a:t> </a:t>
+            </a:r>
+            <a:r>
+              <a:rPr lang="en-US" sz="1800" dirty="0" err="1"/>
+              <a:t>Technologien</a:t>
+            </a:r>
+            <a:r>
+              <a:rPr lang="en-US" sz="1800" dirty="0"/>
+              <a:t> </a:t>
+            </a:r>
+            <a:r>
+              <a:rPr lang="en-US" sz="1800" dirty="0" err="1"/>
+              <a:t>zur</a:t>
+            </a:r>
+            <a:r>
+              <a:rPr lang="en-US" sz="1800" dirty="0"/>
+              <a:t> </a:t>
+            </a:r>
+            <a:r>
+              <a:rPr lang="en-US" sz="1800" dirty="0" err="1"/>
+              <a:t>Aufklärung</a:t>
+            </a:r>
+            <a:r>
+              <a:rPr lang="en-US" sz="1800" dirty="0"/>
+              <a:t> der </a:t>
+            </a:r>
+            <a:r>
+              <a:rPr lang="en-US" sz="1800" dirty="0" err="1"/>
+              <a:t>Epidemiologie</a:t>
+            </a:r>
+            <a:r>
+              <a:rPr lang="en-US" sz="1800" dirty="0"/>
+              <a:t> von </a:t>
+            </a:r>
+            <a:r>
+              <a:rPr lang="en-US" sz="1800" dirty="0" err="1"/>
+              <a:t>Nicht-Infektionskrankheiten</a:t>
+            </a:r>
+            <a:r>
+              <a:rPr lang="en-US" sz="1800" dirty="0"/>
+              <a:t>.</a:t>
+            </a:r>
+          </a:p>
+        </p:txBody>
+      </p:sp>
+    </p:spTree>
+    <p:extLst>
+      <p:ext uri="{BB962C8B-B14F-4D97-AF65-F5344CB8AC3E}">
+        <p14:creationId xmlns:p14="http://schemas.microsoft.com/office/powerpoint/2010/main" val="35524247"/>
+      </p:ext>
+    </p:extLst>
+  </p:cSld>
+  <p:clrMapOvr>
+    <a:masterClrMapping/>
+  </p:clrMapOvr>
 </p:sld>
 </file>
 
@@ -22862,7 +20133,7 @@
         <p:spPr>
           <a:xfrm>
             <a:off x="284596" y="5818441"/>
-            <a:ext cx="11403971" cy="830997"/>
+            <a:ext cx="11403971" cy="461665"/>
           </a:xfrm>
           <a:prstGeom prst="rect">
             <a:avLst/>
@@ -22907,54 +20178,6 @@
                 <a:latin typeface="Futura Lt BT" panose="020B0402020204020303" pitchFamily="34" charset="0"/>
               </a:rPr>
               <a:t> Whole-Genome-Amplification)</a:t>
-            </a:r>
-          </a:p>
-          <a:p>
-            <a:pPr marL="342900" indent="-342900">
-              <a:buFont typeface="Calibri" panose="020F0502020204030204" pitchFamily="34" charset="0"/>
-              <a:buChar char="→"/>
-            </a:pPr>
-            <a:r>
-              <a:rPr lang="en-US" sz="2400" dirty="0">
-                <a:latin typeface="Futura Lt BT" panose="020B0402020204020303" pitchFamily="34" charset="0"/>
-              </a:rPr>
-              <a:t>Z.B. </a:t>
-            </a:r>
-            <a:r>
-              <a:rPr lang="en-US" sz="2400" dirty="0" err="1">
-                <a:latin typeface="Futura Lt BT" panose="020B0402020204020303" pitchFamily="34" charset="0"/>
-              </a:rPr>
-              <a:t>mit</a:t>
-            </a:r>
-            <a:r>
-              <a:rPr lang="en-US" sz="2400" dirty="0">
-                <a:latin typeface="Futura Lt BT" panose="020B0402020204020303" pitchFamily="34" charset="0"/>
-              </a:rPr>
-              <a:t> den Nanopore- </a:t>
-            </a:r>
-            <a:r>
-              <a:rPr lang="en-US" sz="2400" dirty="0" err="1">
-                <a:latin typeface="Futura Lt BT" panose="020B0402020204020303" pitchFamily="34" charset="0"/>
-              </a:rPr>
-              <a:t>oder</a:t>
-            </a:r>
-            <a:r>
-              <a:rPr lang="en-US" sz="2400" dirty="0">
-                <a:latin typeface="Futura Lt BT" panose="020B0402020204020303" pitchFamily="34" charset="0"/>
-              </a:rPr>
-              <a:t> Illumina-</a:t>
-            </a:r>
-            <a:r>
-              <a:rPr lang="en-US" sz="2400" dirty="0" err="1">
-                <a:latin typeface="Futura Lt BT" panose="020B0402020204020303" pitchFamily="34" charset="0"/>
-              </a:rPr>
-              <a:t>Technologien</a:t>
-            </a:r>
-            <a:r>
-              <a:rPr lang="en-US" sz="2400" dirty="0">
-                <a:latin typeface="Futura Lt BT" panose="020B0402020204020303" pitchFamily="34" charset="0"/>
-              </a:rPr>
-              <a:t>.</a:t>
             </a:r>
           </a:p>
         </p:txBody>
@@ -23094,33 +20317,15 @@
                                   </p:childTnLst>
                                 </p:cTn>
                               </p:par>
-                            </p:childTnLst>
-                          </p:cTn>
-                        </p:par>
-                      </p:childTnLst>
-                    </p:cTn>
-                  </p:par>
-                  <p:par>
-                    <p:cTn id="14" fill="hold">
-                      <p:stCondLst>
-                        <p:cond delay="indefinite"/>
-                      </p:stCondLst>
-                      <p:childTnLst>
-                        <p:par>
-                          <p:cTn id="15" fill="hold">
-                            <p:stCondLst>
-                              <p:cond delay="0"/>
-                            </p:stCondLst>
-                            <p:childTnLst>
                               <p:par>
-                                <p:cTn id="16" presetID="10" presetClass="entr" presetSubtype="0" fill="hold" grpId="0" nodeType="clickEffect">
+                                <p:cTn id="14" presetID="10" presetClass="entr" presetSubtype="0" fill="hold" grpId="0" nodeType="withEffect">
                                   <p:stCondLst>
                                     <p:cond delay="0"/>
                                   </p:stCondLst>
                                   <p:childTnLst>
                                     <p:set>
                                       <p:cBhvr>
-                                        <p:cTn id="17" dur="1" fill="hold">
+                                        <p:cTn id="15" dur="1" fill="hold">
                                           <p:stCondLst>
                                             <p:cond delay="0"/>
                                           </p:stCondLst>
@@ -23138,7 +20343,7 @@
                                     </p:set>
                                     <p:animEffect transition="in" filter="fade">
                                       <p:cBhvr>
-                                        <p:cTn id="18" dur="500"/>
+                                        <p:cTn id="16" dur="500"/>
                                         <p:tgtEl>
                                           <p:spTgt spid="13"/>
                                         </p:tgtEl>
@@ -24624,7 +21829,7 @@
         <p:spPr>
           <a:xfrm>
             <a:off x="284596" y="5864161"/>
-            <a:ext cx="11403971" cy="830997"/>
+            <a:ext cx="11403971" cy="461665"/>
           </a:xfrm>
           <a:prstGeom prst="rect">
             <a:avLst/>
@@ -24664,42 +21869,9 @@
               </a:rPr>
               <a:t>Basen</a:t>
             </a:r>
-            <a:r>
-              <a:rPr lang="en-US" sz="2400" dirty="0">
-                <a:latin typeface="Futura Lt BT" panose="020B0402020204020303" pitchFamily="34" charset="0"/>
-              </a:rPr>
-              <a:t> (“</a:t>
-            </a:r>
-            <a:r>
-              <a:rPr lang="en-US" sz="2400" dirty="0" err="1">
-                <a:latin typeface="Futura Lt BT" panose="020B0402020204020303" pitchFamily="34" charset="0"/>
-              </a:rPr>
-              <a:t>Basecalling</a:t>
-            </a:r>
-            <a:r>
-              <a:rPr lang="en-US" sz="2400" dirty="0">
-                <a:latin typeface="Futura Lt BT" panose="020B0402020204020303" pitchFamily="34" charset="0"/>
-              </a:rPr>
-              <a:t>”)</a:t>
-            </a:r>
-          </a:p>
-          <a:p>
-            <a:pPr marL="342900" indent="-342900">
-              <a:buFont typeface="Calibri" panose="020F0502020204030204" pitchFamily="34" charset="0"/>
-              <a:buChar char="→"/>
-            </a:pPr>
-            <a:r>
-              <a:rPr lang="en-US" sz="2400" dirty="0" err="1">
-                <a:latin typeface="Futura Lt BT" panose="020B0402020204020303" pitchFamily="34" charset="0"/>
-              </a:rPr>
-              <a:t>Fehlerrate</a:t>
-            </a:r>
-            <a:r>
-              <a:rPr lang="en-US" sz="2400" dirty="0">
-                <a:latin typeface="Futura Lt BT" panose="020B0402020204020303" pitchFamily="34" charset="0"/>
-              </a:rPr>
-              <a:t> 5 – 10%</a:t>
-            </a:r>
+            <a:endParaRPr lang="en-US" sz="2400" dirty="0">
+              <a:latin typeface="Futura Lt BT" panose="020B0402020204020303" pitchFamily="34" charset="0"/>
+            </a:endParaRPr>
           </a:p>
         </p:txBody>
       </p:sp>
@@ -24963,33 +22135,15 @@
                                   </p:childTnLst>
                                 </p:cTn>
                               </p:par>
-                            </p:childTnLst>
-                          </p:cTn>
-                        </p:par>
-                      </p:childTnLst>
-                    </p:cTn>
-                  </p:par>
-                  <p:par>
-                    <p:cTn id="22" fill="hold">
-                      <p:stCondLst>
-                        <p:cond delay="indefinite"/>
-                      </p:stCondLst>
-                      <p:childTnLst>
-                        <p:par>
-                          <p:cTn id="23" fill="hold">
-                            <p:stCondLst>
-                              <p:cond delay="0"/>
-                            </p:stCondLst>
-                            <p:childTnLst>
                               <p:par>
-                                <p:cTn id="24" presetID="10" presetClass="entr" presetSubtype="0" fill="hold" grpId="0" nodeType="clickEffect">
+                                <p:cTn id="22" presetID="10" presetClass="entr" presetSubtype="0" fill="hold" grpId="0" nodeType="withEffect">
                                   <p:stCondLst>
                                     <p:cond delay="0"/>
                                   </p:stCondLst>
                                   <p:childTnLst>
                                     <p:set>
                                       <p:cBhvr>
-                                        <p:cTn id="25" dur="1" fill="hold">
+                                        <p:cTn id="23" dur="1" fill="hold">
                                           <p:stCondLst>
                                             <p:cond delay="0"/>
                                           </p:stCondLst>
@@ -25007,7 +22161,7 @@
                                     </p:set>
                                     <p:animEffect transition="in" filter="fade">
                                       <p:cBhvr>
-                                        <p:cTn id="26" dur="500"/>
+                                        <p:cTn id="24" dur="500"/>
                                         <p:tgtEl>
                                           <p:spTgt spid="15"/>
                                         </p:tgtEl>

--- a/Genomische Epidemiologie.pptx
+++ b/Genomische Epidemiologie.pptx
@@ -620,10 +620,7 @@
           <a:bodyPr/>
           <a:lstStyle/>
           <a:p>
-            <a:r>
-              <a:rPr lang="de-DE" dirty="0"/>
-              <a:t>Annahme: plausible Transmissionskette ist eine, bei der es zu wenig Mutationen gekommen ist</a:t>
-            </a:r>
+            <a:endParaRPr lang="de-DE" dirty="0"/>
           </a:p>
         </p:txBody>
       </p:sp>
@@ -644,7 +641,7 @@
           <a:p>
             <a:fld id="{A18E9089-A251-47A3-91D1-6D5A5E89A3F0}" type="slidenum">
               <a:rPr lang="de-DE" smtClean="0"/>
-              <a:t>13</a:t>
+              <a:t>12</a:t>
             </a:fld>
             <a:endParaRPr lang="de-DE"/>
           </a:p>
@@ -653,7 +650,7 @@
     </p:spTree>
     <p:extLst>
       <p:ext uri="{BB962C8B-B14F-4D97-AF65-F5344CB8AC3E}">
-        <p14:creationId xmlns:p14="http://schemas.microsoft.com/office/powerpoint/2010/main" val="1092398757"/>
+        <p14:creationId xmlns:p14="http://schemas.microsoft.com/office/powerpoint/2010/main" val="1243224565"/>
       </p:ext>
     </p:extLst>
   </p:cSld>
@@ -731,7 +728,7 @@
           <a:p>
             <a:fld id="{A18E9089-A251-47A3-91D1-6D5A5E89A3F0}" type="slidenum">
               <a:rPr lang="de-DE" smtClean="0"/>
-              <a:t>14</a:t>
+              <a:t>13</a:t>
             </a:fld>
             <a:endParaRPr lang="de-DE"/>
           </a:p>
@@ -794,6 +791,203 @@
           <a:bodyPr/>
           <a:lstStyle/>
           <a:p>
+            <a:r>
+              <a:rPr lang="de-DE" dirty="0"/>
+              <a:t>Annahme: plausible Transmissionskette ist eine, bei der es zu wenig Mutationen gekommen ist</a:t>
+            </a:r>
+          </a:p>
+          <a:p>
+            <a:r>
+              <a:rPr lang="de-DE" dirty="0"/>
+              <a:t>Kommerzielle Packages oder Open Source</a:t>
+            </a:r>
+          </a:p>
+          <a:p>
+            <a:r>
+              <a:rPr lang="de-DE" dirty="0"/>
+              <a:t>Nicht selbst implementieren, aber </a:t>
+            </a:r>
+            <a:r>
+              <a:rPr lang="de-DE"/>
+              <a:t>Hintergrund verstehen</a:t>
+            </a:r>
+            <a:endParaRPr lang="de-DE" dirty="0"/>
+          </a:p>
+        </p:txBody>
+      </p:sp>
+      <p:sp>
+        <p:nvSpPr>
+          <p:cNvPr id="4" name="Foliennummernplatzhalter 3"/>
+          <p:cNvSpPr>
+            <a:spLocks noGrp="1"/>
+          </p:cNvSpPr>
+          <p:nvPr>
+            <p:ph type="sldNum" sz="quarter" idx="5"/>
+          </p:nvPr>
+        </p:nvSpPr>
+        <p:spPr/>
+        <p:txBody>
+          <a:bodyPr/>
+          <a:lstStyle/>
+          <a:p>
+            <a:fld id="{A18E9089-A251-47A3-91D1-6D5A5E89A3F0}" type="slidenum">
+              <a:rPr lang="de-DE" smtClean="0"/>
+              <a:t>14</a:t>
+            </a:fld>
+            <a:endParaRPr lang="de-DE"/>
+          </a:p>
+        </p:txBody>
+      </p:sp>
+    </p:spTree>
+    <p:extLst>
+      <p:ext uri="{BB962C8B-B14F-4D97-AF65-F5344CB8AC3E}">
+        <p14:creationId xmlns:p14="http://schemas.microsoft.com/office/powerpoint/2010/main" val="1092398757"/>
+      </p:ext>
+    </p:extLst>
+  </p:cSld>
+  <p:clrMapOvr>
+    <a:masterClrMapping/>
+  </p:clrMapOvr>
+</p:notes>
+</file>
+
+<file path=ppt/notesSlides/notesSlide13.xml><?xml version="1.0" encoding="utf-8"?>
+<p:notes xmlns:a="http://schemas.openxmlformats.org/drawingml/2006/main" xmlns:r="http://schemas.openxmlformats.org/officeDocument/2006/relationships" xmlns:p="http://schemas.openxmlformats.org/presentationml/2006/main">
+  <p:cSld>
+    <p:spTree>
+      <p:nvGrpSpPr>
+        <p:cNvPr id="1" name=""/>
+        <p:cNvGrpSpPr/>
+        <p:nvPr/>
+      </p:nvGrpSpPr>
+      <p:grpSpPr>
+        <a:xfrm>
+          <a:off x="0" y="0"/>
+          <a:ext cx="0" cy="0"/>
+          <a:chOff x="0" y="0"/>
+          <a:chExt cx="0" cy="0"/>
+        </a:xfrm>
+      </p:grpSpPr>
+      <p:sp>
+        <p:nvSpPr>
+          <p:cNvPr id="2" name="Folienbildplatzhalter 1"/>
+          <p:cNvSpPr>
+            <a:spLocks noGrp="1" noRot="1" noChangeAspect="1"/>
+          </p:cNvSpPr>
+          <p:nvPr>
+            <p:ph type="sldImg"/>
+          </p:nvPr>
+        </p:nvSpPr>
+        <p:spPr/>
+      </p:sp>
+      <p:sp>
+        <p:nvSpPr>
+          <p:cNvPr id="3" name="Notizenplatzhalter 2"/>
+          <p:cNvSpPr>
+            <a:spLocks noGrp="1"/>
+          </p:cNvSpPr>
+          <p:nvPr>
+            <p:ph type="body" idx="1"/>
+          </p:nvPr>
+        </p:nvSpPr>
+        <p:spPr/>
+        <p:txBody>
+          <a:bodyPr/>
+          <a:lstStyle/>
+          <a:p>
+            <a:r>
+              <a:rPr lang="de-DE" dirty="0"/>
+              <a:t>Detektiv</a:t>
+            </a:r>
+          </a:p>
+          <a:p>
+            <a:r>
+              <a:rPr lang="de-DE" dirty="0"/>
+              <a:t>Nie nur ein Typ von Evidenz</a:t>
+            </a:r>
+          </a:p>
+        </p:txBody>
+      </p:sp>
+      <p:sp>
+        <p:nvSpPr>
+          <p:cNvPr id="4" name="Foliennummernplatzhalter 3"/>
+          <p:cNvSpPr>
+            <a:spLocks noGrp="1"/>
+          </p:cNvSpPr>
+          <p:nvPr>
+            <p:ph type="sldNum" sz="quarter" idx="5"/>
+          </p:nvPr>
+        </p:nvSpPr>
+        <p:spPr/>
+        <p:txBody>
+          <a:bodyPr/>
+          <a:lstStyle/>
+          <a:p>
+            <a:fld id="{A18E9089-A251-47A3-91D1-6D5A5E89A3F0}" type="slidenum">
+              <a:rPr lang="de-DE" smtClean="0"/>
+              <a:t>15</a:t>
+            </a:fld>
+            <a:endParaRPr lang="de-DE"/>
+          </a:p>
+        </p:txBody>
+      </p:sp>
+    </p:spTree>
+    <p:extLst>
+      <p:ext uri="{BB962C8B-B14F-4D97-AF65-F5344CB8AC3E}">
+        <p14:creationId xmlns:p14="http://schemas.microsoft.com/office/powerpoint/2010/main" val="3192236791"/>
+      </p:ext>
+    </p:extLst>
+  </p:cSld>
+  <p:clrMapOvr>
+    <a:masterClrMapping/>
+  </p:clrMapOvr>
+</p:notes>
+</file>
+
+<file path=ppt/notesSlides/notesSlide14.xml><?xml version="1.0" encoding="utf-8"?>
+<p:notes xmlns:a="http://schemas.openxmlformats.org/drawingml/2006/main" xmlns:r="http://schemas.openxmlformats.org/officeDocument/2006/relationships" xmlns:p="http://schemas.openxmlformats.org/presentationml/2006/main">
+  <p:cSld>
+    <p:spTree>
+      <p:nvGrpSpPr>
+        <p:cNvPr id="1" name=""/>
+        <p:cNvGrpSpPr/>
+        <p:nvPr/>
+      </p:nvGrpSpPr>
+      <p:grpSpPr>
+        <a:xfrm>
+          <a:off x="0" y="0"/>
+          <a:ext cx="0" cy="0"/>
+          <a:chOff x="0" y="0"/>
+          <a:chExt cx="0" cy="0"/>
+        </a:xfrm>
+      </p:grpSpPr>
+      <p:sp>
+        <p:nvSpPr>
+          <p:cNvPr id="2" name="Folienbildplatzhalter 1"/>
+          <p:cNvSpPr>
+            <a:spLocks noGrp="1" noRot="1" noChangeAspect="1"/>
+          </p:cNvSpPr>
+          <p:nvPr>
+            <p:ph type="sldImg"/>
+          </p:nvPr>
+        </p:nvSpPr>
+        <p:spPr/>
+      </p:sp>
+      <p:sp>
+        <p:nvSpPr>
+          <p:cNvPr id="3" name="Notizenplatzhalter 2"/>
+          <p:cNvSpPr>
+            <a:spLocks noGrp="1"/>
+          </p:cNvSpPr>
+          <p:nvPr>
+            <p:ph type="body" idx="1"/>
+          </p:nvPr>
+        </p:nvSpPr>
+        <p:spPr/>
+        <p:txBody>
+          <a:bodyPr/>
+          <a:lstStyle/>
+          <a:p>
             <a:endParaRPr lang="de-DE" dirty="0"/>
           </a:p>
         </p:txBody>
@@ -965,6 +1159,12 @@
           <a:bodyPr/>
           <a:lstStyle/>
           <a:p>
+            <a:r>
+              <a:rPr lang="de-DE" dirty="0"/>
+              <a:t>Rezept</a:t>
+            </a:r>
+          </a:p>
+          <a:p>
             <a:endParaRPr lang="de-DE" dirty="0"/>
           </a:p>
         </p:txBody>
@@ -986,7 +1186,7 @@
           <a:p>
             <a:fld id="{A18E9089-A251-47A3-91D1-6D5A5E89A3F0}" type="slidenum">
               <a:rPr lang="de-DE" smtClean="0"/>
-              <a:t>6</a:t>
+              <a:t>5</a:t>
             </a:fld>
             <a:endParaRPr lang="de-DE"/>
           </a:p>
@@ -995,7 +1195,7 @@
     </p:spTree>
     <p:extLst>
       <p:ext uri="{BB962C8B-B14F-4D97-AF65-F5344CB8AC3E}">
-        <p14:creationId xmlns:p14="http://schemas.microsoft.com/office/powerpoint/2010/main" val="1243224565"/>
+        <p14:creationId xmlns:p14="http://schemas.microsoft.com/office/powerpoint/2010/main" val="2738104202"/>
       </p:ext>
     </p:extLst>
   </p:cSld>
@@ -1070,7 +1270,7 @@
           <a:p>
             <a:fld id="{A18E9089-A251-47A3-91D1-6D5A5E89A3F0}" type="slidenum">
               <a:rPr lang="de-DE" smtClean="0"/>
-              <a:t>7</a:t>
+              <a:t>6</a:t>
             </a:fld>
             <a:endParaRPr lang="de-DE"/>
           </a:p>
@@ -1154,7 +1354,7 @@
           <a:p>
             <a:fld id="{A18E9089-A251-47A3-91D1-6D5A5E89A3F0}" type="slidenum">
               <a:rPr lang="de-DE" smtClean="0"/>
-              <a:t>8</a:t>
+              <a:t>7</a:t>
             </a:fld>
             <a:endParaRPr lang="de-DE"/>
           </a:p>
@@ -1238,7 +1438,7 @@
           <a:p>
             <a:fld id="{A18E9089-A251-47A3-91D1-6D5A5E89A3F0}" type="slidenum">
               <a:rPr lang="de-DE" smtClean="0"/>
-              <a:t>9</a:t>
+              <a:t>8</a:t>
             </a:fld>
             <a:endParaRPr lang="de-DE"/>
           </a:p>
@@ -1322,7 +1522,7 @@
           <a:p>
             <a:fld id="{A18E9089-A251-47A3-91D1-6D5A5E89A3F0}" type="slidenum">
               <a:rPr lang="de-DE" smtClean="0"/>
-              <a:t>10</a:t>
+              <a:t>9</a:t>
             </a:fld>
             <a:endParaRPr lang="de-DE"/>
           </a:p>
@@ -1406,7 +1606,7 @@
           <a:p>
             <a:fld id="{A18E9089-A251-47A3-91D1-6D5A5E89A3F0}" type="slidenum">
               <a:rPr lang="de-DE" smtClean="0"/>
-              <a:t>11</a:t>
+              <a:t>10</a:t>
             </a:fld>
             <a:endParaRPr lang="de-DE"/>
           </a:p>
@@ -1490,7 +1690,7 @@
           <a:p>
             <a:fld id="{A18E9089-A251-47A3-91D1-6D5A5E89A3F0}" type="slidenum">
               <a:rPr lang="de-DE" smtClean="0"/>
-              <a:t>12</a:t>
+              <a:t>11</a:t>
             </a:fld>
             <a:endParaRPr lang="de-DE"/>
           </a:p>
@@ -5094,7 +5294,7 @@
         <p:spPr>
           <a:xfrm>
             <a:off x="238339" y="2196442"/>
-            <a:ext cx="2357568" cy="666849"/>
+            <a:ext cx="2513060" cy="666849"/>
           </a:xfrm>
           <a:prstGeom prst="rect">
             <a:avLst/>
@@ -5109,7 +5309,7 @@
           <a:p>
             <a:r>
               <a:rPr lang="de-DE" sz="1400" dirty="0"/>
-              <a:t>SARS-CoV-2 ~3 x 10</a:t>
+              <a:t>SARS-CoV-2 ~3.0 x 10</a:t>
             </a:r>
             <a:r>
               <a:rPr lang="de-DE" sz="1400" baseline="30000" dirty="0"/>
@@ -5132,7 +5332,7 @@
             </a:r>
             <a:r>
               <a:rPr lang="de-DE" sz="1400" dirty="0"/>
-              <a:t>    	 ~3 x 10</a:t>
+              <a:t>    	 ~2.8 x 10</a:t>
             </a:r>
             <a:r>
               <a:rPr lang="de-DE" sz="1400" baseline="30000" dirty="0"/>
@@ -6926,7 +7126,7 @@
           <p:nvPr>
             <p:extLst>
               <p:ext uri="{D42A27DB-BD31-4B8C-83A1-F6EECF244321}">
-                <p14:modId xmlns:p14="http://schemas.microsoft.com/office/powerpoint/2010/main" val="2726658887"/>
+                <p14:modId xmlns:p14="http://schemas.microsoft.com/office/powerpoint/2010/main" val="2279728504"/>
               </p:ext>
             </p:extLst>
           </p:nvPr>
@@ -7234,7 +7434,10 @@
                     <a:lstStyle/>
                     <a:p>
                       <a:pPr algn="ctr"/>
-                      <a:endParaRPr lang="de-DE" dirty="0"/>
+                      <a:r>
+                        <a:rPr lang="de-DE" dirty="0"/>
+                        <a:t>0</a:t>
+                      </a:r>
                     </a:p>
                   </a:txBody>
                   <a:tcPr anchor="ctr">
@@ -7282,7 +7485,10 @@
                     <a:lstStyle/>
                     <a:p>
                       <a:pPr algn="ctr"/>
-                      <a:endParaRPr lang="de-DE" dirty="0"/>
+                      <a:r>
+                        <a:rPr lang="de-DE" dirty="0"/>
+                        <a:t>1</a:t>
+                      </a:r>
                     </a:p>
                   </a:txBody>
                   <a:tcPr anchor="ctr">
@@ -7481,7 +7687,10 @@
                     <a:lstStyle/>
                     <a:p>
                       <a:pPr algn="ctr"/>
-                      <a:endParaRPr lang="de-DE" dirty="0"/>
+                      <a:r>
+                        <a:rPr lang="de-DE" dirty="0"/>
+                        <a:t>1</a:t>
+                      </a:r>
                     </a:p>
                   </a:txBody>
                   <a:tcPr anchor="ctr">
@@ -10319,7 +10528,7 @@
           <p:nvPr/>
         </p:nvPicPr>
         <p:blipFill>
-          <a:blip r:embed="rId2">
+          <a:blip r:embed="rId3">
             <a:extLst>
               <a:ext uri="{28A0092B-C50C-407E-A947-70E740481C1C}">
                 <a14:useLocalDpi xmlns:a14="http://schemas.microsoft.com/office/drawing/2010/main" val="0"/>
@@ -10429,7 +10638,7 @@
           <p:nvPr/>
         </p:nvPicPr>
         <p:blipFill>
-          <a:blip r:embed="rId3"/>
+          <a:blip r:embed="rId4"/>
           <a:stretch>
             <a:fillRect/>
           </a:stretch>
@@ -10444,551 +10653,6 @@
           </a:prstGeom>
         </p:spPr>
       </p:pic>
-      <p:sp>
-        <p:nvSpPr>
-          <p:cNvPr id="8" name="TextBox 39">
-            <a:extLst>
-              <a:ext uri="{FF2B5EF4-FFF2-40B4-BE49-F238E27FC236}">
-                <a16:creationId xmlns:a16="http://schemas.microsoft.com/office/drawing/2014/main" id="{31FAD31C-AA53-4271-882A-06F585BAF3EC}"/>
-              </a:ext>
-            </a:extLst>
-          </p:cNvPr>
-          <p:cNvSpPr txBox="1"/>
-          <p:nvPr/>
-        </p:nvSpPr>
-        <p:spPr>
-          <a:xfrm>
-            <a:off x="530292" y="1974038"/>
-            <a:ext cx="10681197" cy="3950181"/>
-          </a:xfrm>
-          <a:prstGeom prst="rect">
-            <a:avLst/>
-          </a:prstGeom>
-          <a:solidFill>
-            <a:schemeClr val="bg1">
-              <a:lumMod val="95000"/>
-            </a:schemeClr>
-          </a:solidFill>
-          <a:ln w="41275">
-            <a:solidFill>
-              <a:srgbClr val="FF0000"/>
-            </a:solidFill>
-          </a:ln>
-        </p:spPr>
-        <p:txBody>
-          <a:bodyPr wrap="square" rtlCol="0" anchor="ctr">
-            <a:noAutofit/>
-          </a:bodyPr>
-          <a:lstStyle/>
-          <a:p>
-            <a:pPr marL="514350" indent="-514350">
-              <a:buFont typeface="+mj-lt"/>
-              <a:buAutoNum type="arabicPeriod"/>
-            </a:pPr>
-            <a:r>
-              <a:rPr lang="en-US" sz="2400" dirty="0">
-                <a:latin typeface="Futura Lt BT" panose="020B0402020204020303" pitchFamily="34" charset="0"/>
-              </a:rPr>
-              <a:t>Achtung: MSTs </a:t>
-            </a:r>
-            <a:r>
-              <a:rPr lang="en-US" sz="2400" dirty="0" err="1">
-                <a:latin typeface="Futura Lt BT" panose="020B0402020204020303" pitchFamily="34" charset="0"/>
-              </a:rPr>
-              <a:t>visualisieren</a:t>
-            </a:r>
-            <a:r>
-              <a:rPr lang="en-US" sz="2400" dirty="0">
-                <a:latin typeface="Futura Lt BT" panose="020B0402020204020303" pitchFamily="34" charset="0"/>
-              </a:rPr>
-              <a:t> </a:t>
-            </a:r>
-            <a:r>
-              <a:rPr lang="en-US" sz="2400" dirty="0" err="1">
-                <a:latin typeface="Futura Lt BT" panose="020B0402020204020303" pitchFamily="34" charset="0"/>
-              </a:rPr>
-              <a:t>genetische</a:t>
-            </a:r>
-            <a:r>
-              <a:rPr lang="en-US" sz="2400" dirty="0">
-                <a:latin typeface="Futura Lt BT" panose="020B0402020204020303" pitchFamily="34" charset="0"/>
-              </a:rPr>
-              <a:t> </a:t>
-            </a:r>
-            <a:r>
-              <a:rPr lang="en-US" sz="2400" dirty="0" err="1">
-                <a:latin typeface="Futura Lt BT" panose="020B0402020204020303" pitchFamily="34" charset="0"/>
-              </a:rPr>
-              <a:t>Verwandtschaft</a:t>
-            </a:r>
-            <a:r>
-              <a:rPr lang="en-US" sz="2400" dirty="0">
-                <a:latin typeface="Futura Lt BT" panose="020B0402020204020303" pitchFamily="34" charset="0"/>
-              </a:rPr>
-              <a:t> </a:t>
-            </a:r>
-            <a:r>
-              <a:rPr lang="en-US" sz="2400" dirty="0" err="1">
-                <a:latin typeface="Futura Lt BT" panose="020B0402020204020303" pitchFamily="34" charset="0"/>
-              </a:rPr>
-              <a:t>zwischen</a:t>
-            </a:r>
-            <a:r>
-              <a:rPr lang="en-US" sz="2400" dirty="0">
-                <a:latin typeface="Futura Lt BT" panose="020B0402020204020303" pitchFamily="34" charset="0"/>
-              </a:rPr>
-              <a:t> Samples; </a:t>
-            </a:r>
-            <a:r>
-              <a:rPr lang="en-US" sz="2400" dirty="0" err="1">
-                <a:latin typeface="Futura Lt BT" panose="020B0402020204020303" pitchFamily="34" charset="0"/>
-              </a:rPr>
-              <a:t>keine</a:t>
-            </a:r>
-            <a:r>
-              <a:rPr lang="en-US" sz="2400" dirty="0">
-                <a:latin typeface="Futura Lt BT" panose="020B0402020204020303" pitchFamily="34" charset="0"/>
-              </a:rPr>
-              <a:t> </a:t>
-            </a:r>
-            <a:r>
-              <a:rPr lang="en-US" sz="2400" dirty="0" err="1">
-                <a:latin typeface="Futura Lt BT" panose="020B0402020204020303" pitchFamily="34" charset="0"/>
-              </a:rPr>
-              <a:t>Garantie</a:t>
-            </a:r>
-            <a:r>
-              <a:rPr lang="en-US" sz="2400" dirty="0">
-                <a:latin typeface="Futura Lt BT" panose="020B0402020204020303" pitchFamily="34" charset="0"/>
-              </a:rPr>
-              <a:t>, </a:t>
-            </a:r>
-            <a:r>
-              <a:rPr lang="en-US" sz="2400" dirty="0" err="1">
-                <a:latin typeface="Futura Lt BT" panose="020B0402020204020303" pitchFamily="34" charset="0"/>
-              </a:rPr>
-              <a:t>dass</a:t>
-            </a:r>
-            <a:r>
-              <a:rPr lang="en-US" sz="2400" dirty="0">
-                <a:latin typeface="Futura Lt BT" panose="020B0402020204020303" pitchFamily="34" charset="0"/>
-              </a:rPr>
-              <a:t> </a:t>
-            </a:r>
-            <a:r>
-              <a:rPr lang="en-US" sz="2400" dirty="0" err="1">
-                <a:latin typeface="Futura Lt BT" panose="020B0402020204020303" pitchFamily="34" charset="0"/>
-              </a:rPr>
-              <a:t>sie</a:t>
-            </a:r>
-            <a:r>
-              <a:rPr lang="en-US" sz="2400" dirty="0">
-                <a:latin typeface="Futura Lt BT" panose="020B0402020204020303" pitchFamily="34" charset="0"/>
-              </a:rPr>
-              <a:t> die </a:t>
-            </a:r>
-            <a:r>
-              <a:rPr lang="en-US" sz="2400" dirty="0" err="1">
-                <a:latin typeface="Futura Lt BT" panose="020B0402020204020303" pitchFamily="34" charset="0"/>
-              </a:rPr>
-              <a:t>echte</a:t>
-            </a:r>
-            <a:r>
-              <a:rPr lang="en-US" sz="2400" dirty="0">
-                <a:latin typeface="Futura Lt BT" panose="020B0402020204020303" pitchFamily="34" charset="0"/>
-              </a:rPr>
-              <a:t> </a:t>
-            </a:r>
-            <a:r>
-              <a:rPr lang="en-US" sz="2400" dirty="0" err="1">
-                <a:latin typeface="Futura Lt BT" panose="020B0402020204020303" pitchFamily="34" charset="0"/>
-              </a:rPr>
-              <a:t>Transmissionskette</a:t>
-            </a:r>
-            <a:r>
-              <a:rPr lang="en-US" sz="2400" dirty="0">
-                <a:latin typeface="Futura Lt BT" panose="020B0402020204020303" pitchFamily="34" charset="0"/>
-              </a:rPr>
-              <a:t> </a:t>
-            </a:r>
-            <a:r>
-              <a:rPr lang="en-US" sz="2400" dirty="0" err="1">
-                <a:latin typeface="Futura Lt BT" panose="020B0402020204020303" pitchFamily="34" charset="0"/>
-              </a:rPr>
-              <a:t>abbilden</a:t>
-            </a:r>
-            <a:r>
-              <a:rPr lang="en-US" sz="2400" dirty="0">
-                <a:latin typeface="Futura Lt BT" panose="020B0402020204020303" pitchFamily="34" charset="0"/>
-              </a:rPr>
-              <a:t>.</a:t>
-            </a:r>
-          </a:p>
-          <a:p>
-            <a:pPr marL="514350" indent="-514350">
-              <a:buFont typeface="+mj-lt"/>
-              <a:buAutoNum type="arabicPeriod"/>
-            </a:pPr>
-            <a:endParaRPr lang="en-US" sz="2400" dirty="0">
-              <a:latin typeface="Futura Lt BT" panose="020B0402020204020303" pitchFamily="34" charset="0"/>
-            </a:endParaRPr>
-          </a:p>
-          <a:p>
-            <a:pPr marL="514350" indent="-514350">
-              <a:buFont typeface="+mj-lt"/>
-              <a:buAutoNum type="arabicPeriod"/>
-            </a:pPr>
-            <a:r>
-              <a:rPr lang="en-US" sz="2400" dirty="0" err="1">
-                <a:latin typeface="Futura Lt BT" panose="020B0402020204020303" pitchFamily="34" charset="0"/>
-              </a:rPr>
-              <a:t>Kombination</a:t>
-            </a:r>
-            <a:r>
-              <a:rPr lang="en-US" sz="2400" dirty="0">
-                <a:latin typeface="Futura Lt BT" panose="020B0402020204020303" pitchFamily="34" charset="0"/>
-              </a:rPr>
-              <a:t> </a:t>
-            </a:r>
-            <a:r>
-              <a:rPr lang="en-US" sz="2400" dirty="0" err="1">
-                <a:latin typeface="Futura Lt BT" panose="020B0402020204020303" pitchFamily="34" charset="0"/>
-              </a:rPr>
-              <a:t>mit</a:t>
-            </a:r>
-            <a:r>
-              <a:rPr lang="en-US" sz="2400" dirty="0">
-                <a:latin typeface="Futura Lt BT" panose="020B0402020204020303" pitchFamily="34" charset="0"/>
-              </a:rPr>
-              <a:t> </a:t>
-            </a:r>
-            <a:r>
-              <a:rPr lang="en-US" sz="2400" dirty="0" err="1">
-                <a:latin typeface="Futura Lt BT" panose="020B0402020204020303" pitchFamily="34" charset="0"/>
-              </a:rPr>
-              <a:t>orthogonalen</a:t>
-            </a:r>
-            <a:r>
-              <a:rPr lang="en-US" sz="2400" dirty="0">
-                <a:latin typeface="Futura Lt BT" panose="020B0402020204020303" pitchFamily="34" charset="0"/>
-              </a:rPr>
-              <a:t> </a:t>
-            </a:r>
-            <a:r>
-              <a:rPr lang="en-US" sz="2400" dirty="0" err="1">
-                <a:latin typeface="Futura Lt BT" panose="020B0402020204020303" pitchFamily="34" charset="0"/>
-              </a:rPr>
-              <a:t>empidemiologischen</a:t>
-            </a:r>
-            <a:r>
-              <a:rPr lang="en-US" sz="2400" dirty="0">
-                <a:latin typeface="Futura Lt BT" panose="020B0402020204020303" pitchFamily="34" charset="0"/>
-              </a:rPr>
-              <a:t> </a:t>
-            </a:r>
-            <a:r>
-              <a:rPr lang="en-US" sz="2400" dirty="0" err="1">
-                <a:latin typeface="Futura Lt BT" panose="020B0402020204020303" pitchFamily="34" charset="0"/>
-              </a:rPr>
-              <a:t>Daten</a:t>
-            </a:r>
-            <a:r>
-              <a:rPr lang="en-US" sz="2400" dirty="0">
-                <a:latin typeface="Futura Lt BT" panose="020B0402020204020303" pitchFamily="34" charset="0"/>
-              </a:rPr>
-              <a:t>: </a:t>
-            </a:r>
-            <a:r>
-              <a:rPr lang="en-US" sz="2400" dirty="0" err="1">
-                <a:latin typeface="Futura Lt BT" panose="020B0402020204020303" pitchFamily="34" charset="0"/>
-              </a:rPr>
-              <a:t>z.B</a:t>
-            </a:r>
-            <a:r>
-              <a:rPr lang="en-US" sz="2400" dirty="0">
-                <a:latin typeface="Futura Lt BT" panose="020B0402020204020303" pitchFamily="34" charset="0"/>
-              </a:rPr>
-              <a:t>. Sampling-Ort und –Zeit; </a:t>
-            </a:r>
-            <a:r>
-              <a:rPr lang="en-US" sz="2400" dirty="0" err="1">
-                <a:latin typeface="Futura Lt BT" panose="020B0402020204020303" pitchFamily="34" charset="0"/>
-              </a:rPr>
-              <a:t>wer</a:t>
-            </a:r>
-            <a:r>
-              <a:rPr lang="en-US" sz="2400" dirty="0">
-                <a:latin typeface="Futura Lt BT" panose="020B0402020204020303" pitchFamily="34" charset="0"/>
-              </a:rPr>
-              <a:t> </a:t>
-            </a:r>
-            <a:r>
-              <a:rPr lang="en-US" sz="2400" dirty="0" err="1">
-                <a:latin typeface="Futura Lt BT" panose="020B0402020204020303" pitchFamily="34" charset="0"/>
-              </a:rPr>
-              <a:t>hatte</a:t>
-            </a:r>
-            <a:r>
-              <a:rPr lang="en-US" sz="2400" dirty="0">
-                <a:latin typeface="Futura Lt BT" panose="020B0402020204020303" pitchFamily="34" charset="0"/>
-              </a:rPr>
-              <a:t> </a:t>
-            </a:r>
-            <a:r>
-              <a:rPr lang="en-US" sz="2400" dirty="0" err="1">
-                <a:latin typeface="Futura Lt BT" panose="020B0402020204020303" pitchFamily="34" charset="0"/>
-              </a:rPr>
-              <a:t>mit</a:t>
-            </a:r>
-            <a:r>
-              <a:rPr lang="en-US" sz="2400" dirty="0">
-                <a:latin typeface="Futura Lt BT" panose="020B0402020204020303" pitchFamily="34" charset="0"/>
-              </a:rPr>
-              <a:t> </a:t>
-            </a:r>
-            <a:r>
-              <a:rPr lang="en-US" sz="2400" dirty="0" err="1">
-                <a:latin typeface="Futura Lt BT" panose="020B0402020204020303" pitchFamily="34" charset="0"/>
-              </a:rPr>
-              <a:t>wem</a:t>
-            </a:r>
-            <a:r>
-              <a:rPr lang="en-US" sz="2400" dirty="0">
-                <a:latin typeface="Futura Lt BT" panose="020B0402020204020303" pitchFamily="34" charset="0"/>
-              </a:rPr>
-              <a:t> </a:t>
-            </a:r>
-            <a:r>
-              <a:rPr lang="en-US" sz="2400" dirty="0" err="1">
-                <a:latin typeface="Futura Lt BT" panose="020B0402020204020303" pitchFamily="34" charset="0"/>
-              </a:rPr>
-              <a:t>Kontakt</a:t>
-            </a:r>
-            <a:r>
-              <a:rPr lang="en-US" sz="2400" dirty="0">
-                <a:latin typeface="Futura Lt BT" panose="020B0402020204020303" pitchFamily="34" charset="0"/>
-              </a:rPr>
-              <a:t>? Wie </a:t>
-            </a:r>
-            <a:r>
-              <a:rPr lang="en-US" sz="2400" dirty="0" err="1">
-                <a:latin typeface="Futura Lt BT" panose="020B0402020204020303" pitchFamily="34" charset="0"/>
-              </a:rPr>
-              <a:t>wurden</a:t>
-            </a:r>
-            <a:r>
-              <a:rPr lang="en-US" sz="2400" dirty="0">
-                <a:latin typeface="Futura Lt BT" panose="020B0402020204020303" pitchFamily="34" charset="0"/>
-              </a:rPr>
-              <a:t> </a:t>
-            </a:r>
-            <a:r>
-              <a:rPr lang="en-US" sz="2400" dirty="0" err="1">
-                <a:latin typeface="Futura Lt BT" panose="020B0402020204020303" pitchFamily="34" charset="0"/>
-              </a:rPr>
-              <a:t>Patienten</a:t>
-            </a:r>
-            <a:r>
-              <a:rPr lang="en-US" sz="2400" dirty="0">
-                <a:latin typeface="Futura Lt BT" panose="020B0402020204020303" pitchFamily="34" charset="0"/>
-              </a:rPr>
-              <a:t> </a:t>
-            </a:r>
-            <a:r>
-              <a:rPr lang="en-US" sz="2400" dirty="0" err="1">
-                <a:latin typeface="Futura Lt BT" panose="020B0402020204020303" pitchFamily="34" charset="0"/>
-              </a:rPr>
-              <a:t>verlegt</a:t>
-            </a:r>
-            <a:r>
-              <a:rPr lang="en-US" sz="2400" dirty="0">
-                <a:latin typeface="Futura Lt BT" panose="020B0402020204020303" pitchFamily="34" charset="0"/>
-              </a:rPr>
-              <a:t>?</a:t>
-            </a:r>
-          </a:p>
-          <a:p>
-            <a:pPr marL="514350" indent="-514350">
-              <a:buFont typeface="+mj-lt"/>
-              <a:buAutoNum type="arabicPeriod"/>
-            </a:pPr>
-            <a:endParaRPr lang="en-US" sz="2400" dirty="0">
-              <a:latin typeface="Futura Lt BT" panose="020B0402020204020303" pitchFamily="34" charset="0"/>
-            </a:endParaRPr>
-          </a:p>
-          <a:p>
-            <a:pPr marL="514350" indent="-514350">
-              <a:buFont typeface="+mj-lt"/>
-              <a:buAutoNum type="arabicPeriod"/>
-            </a:pPr>
-            <a:r>
-              <a:rPr lang="en-US" sz="2400" dirty="0" err="1">
-                <a:latin typeface="Futura Lt BT" panose="020B0402020204020303" pitchFamily="34" charset="0"/>
-              </a:rPr>
-              <a:t>Anwendungen</a:t>
-            </a:r>
-            <a:r>
-              <a:rPr lang="en-US" sz="2400" dirty="0">
-                <a:latin typeface="Futura Lt BT" panose="020B0402020204020303" pitchFamily="34" charset="0"/>
-              </a:rPr>
-              <a:t> </a:t>
-            </a:r>
-            <a:r>
-              <a:rPr lang="en-US" sz="2400" dirty="0" err="1">
-                <a:latin typeface="Futura Lt BT" panose="020B0402020204020303" pitchFamily="34" charset="0"/>
-              </a:rPr>
-              <a:t>z.B</a:t>
-            </a:r>
-            <a:r>
-              <a:rPr lang="en-US" sz="2400" dirty="0">
-                <a:latin typeface="Futura Lt BT" panose="020B0402020204020303" pitchFamily="34" charset="0"/>
-              </a:rPr>
-              <a:t>.</a:t>
-            </a:r>
-          </a:p>
-          <a:p>
-            <a:pPr marL="971550" lvl="1" indent="-514350">
-              <a:buFont typeface="+mj-lt"/>
-              <a:buAutoNum type="arabicPeriod"/>
-            </a:pPr>
-            <a:r>
-              <a:rPr lang="en-US" sz="2400" dirty="0" err="1">
-                <a:latin typeface="Futura Lt BT" panose="020B0402020204020303" pitchFamily="34" charset="0"/>
-              </a:rPr>
-              <a:t>Aufdecken</a:t>
-            </a:r>
-            <a:r>
-              <a:rPr lang="en-US" sz="2400" dirty="0">
-                <a:latin typeface="Futura Lt BT" panose="020B0402020204020303" pitchFamily="34" charset="0"/>
-              </a:rPr>
-              <a:t> </a:t>
-            </a:r>
-            <a:r>
-              <a:rPr lang="en-US" sz="2400" dirty="0" err="1">
-                <a:latin typeface="Futura Lt BT" panose="020B0402020204020303" pitchFamily="34" charset="0"/>
-              </a:rPr>
-              <a:t>nosokomialer</a:t>
-            </a:r>
-            <a:r>
-              <a:rPr lang="en-US" sz="2400" dirty="0">
-                <a:latin typeface="Futura Lt BT" panose="020B0402020204020303" pitchFamily="34" charset="0"/>
-              </a:rPr>
-              <a:t> </a:t>
-            </a:r>
-            <a:r>
-              <a:rPr lang="en-US" sz="2400" dirty="0" err="1">
-                <a:latin typeface="Futura Lt BT" panose="020B0402020204020303" pitchFamily="34" charset="0"/>
-              </a:rPr>
-              <a:t>Infektionsketten</a:t>
-            </a:r>
-            <a:endParaRPr lang="en-US" sz="2400" dirty="0">
-              <a:latin typeface="Futura Lt BT" panose="020B0402020204020303" pitchFamily="34" charset="0"/>
-            </a:endParaRPr>
-          </a:p>
-          <a:p>
-            <a:pPr marL="971550" lvl="1" indent="-514350">
-              <a:buFont typeface="+mj-lt"/>
-              <a:buAutoNum type="arabicPeriod"/>
-            </a:pPr>
-            <a:r>
-              <a:rPr lang="en-US" sz="2400" dirty="0" err="1">
-                <a:latin typeface="Futura Lt BT" panose="020B0402020204020303" pitchFamily="34" charset="0"/>
-              </a:rPr>
-              <a:t>Insbesondere</a:t>
-            </a:r>
-            <a:r>
-              <a:rPr lang="en-US" sz="2400" dirty="0">
-                <a:latin typeface="Futura Lt BT" panose="020B0402020204020303" pitchFamily="34" charset="0"/>
-              </a:rPr>
-              <a:t>: “</a:t>
-            </a:r>
-            <a:r>
-              <a:rPr lang="en-US" sz="2400" dirty="0" err="1">
-                <a:latin typeface="Futura Lt BT" panose="020B0402020204020303" pitchFamily="34" charset="0"/>
-              </a:rPr>
-              <a:t>kryptische</a:t>
-            </a:r>
-            <a:r>
-              <a:rPr lang="en-US" sz="2400" dirty="0">
-                <a:latin typeface="Futura Lt BT" panose="020B0402020204020303" pitchFamily="34" charset="0"/>
-              </a:rPr>
-              <a:t>” </a:t>
-            </a:r>
-            <a:r>
-              <a:rPr lang="en-US" sz="2400" dirty="0" err="1">
-                <a:latin typeface="Futura Lt BT" panose="020B0402020204020303" pitchFamily="34" charset="0"/>
-              </a:rPr>
-              <a:t>Ausbrüche</a:t>
-            </a:r>
-            <a:r>
-              <a:rPr lang="en-US" sz="2400" dirty="0">
-                <a:latin typeface="Futura Lt BT" panose="020B0402020204020303" pitchFamily="34" charset="0"/>
-              </a:rPr>
-              <a:t> </a:t>
-            </a:r>
-            <a:r>
-              <a:rPr lang="en-US" sz="2400" dirty="0" err="1">
-                <a:latin typeface="Futura Lt BT" panose="020B0402020204020303" pitchFamily="34" charset="0"/>
-              </a:rPr>
-              <a:t>multiresistenter</a:t>
-            </a:r>
-            <a:r>
-              <a:rPr lang="en-US" sz="2400" dirty="0">
-                <a:latin typeface="Futura Lt BT" panose="020B0402020204020303" pitchFamily="34" charset="0"/>
-              </a:rPr>
-              <a:t> </a:t>
-            </a:r>
-            <a:r>
-              <a:rPr lang="en-US" sz="2400" dirty="0" err="1">
-                <a:latin typeface="Futura Lt BT" panose="020B0402020204020303" pitchFamily="34" charset="0"/>
-              </a:rPr>
-              <a:t>Keime</a:t>
-            </a:r>
-            <a:endParaRPr lang="en-US" sz="2400" dirty="0">
-              <a:latin typeface="Futura Lt BT" panose="020B0402020204020303" pitchFamily="34" charset="0"/>
-            </a:endParaRPr>
-          </a:p>
-          <a:p>
-            <a:pPr marL="971550" lvl="1" indent="-514350">
-              <a:buFont typeface="+mj-lt"/>
-              <a:buAutoNum type="arabicPeriod"/>
-            </a:pPr>
-            <a:r>
-              <a:rPr lang="en-US" sz="2400" dirty="0" err="1">
-                <a:latin typeface="Futura Lt BT" panose="020B0402020204020303" pitchFamily="34" charset="0"/>
-              </a:rPr>
-              <a:t>Infektionsketten-Untersuchung</a:t>
-            </a:r>
-            <a:r>
-              <a:rPr lang="en-US" sz="2400" dirty="0">
-                <a:latin typeface="Futura Lt BT" panose="020B0402020204020303" pitchFamily="34" charset="0"/>
-              </a:rPr>
-              <a:t> in </a:t>
-            </a:r>
-            <a:r>
-              <a:rPr lang="en-US" sz="2400" dirty="0" err="1">
-                <a:latin typeface="Futura Lt BT" panose="020B0402020204020303" pitchFamily="34" charset="0"/>
-              </a:rPr>
-              <a:t>pandemischen</a:t>
-            </a:r>
-            <a:r>
-              <a:rPr lang="en-US" sz="2400" dirty="0">
-                <a:latin typeface="Futura Lt BT" panose="020B0402020204020303" pitchFamily="34" charset="0"/>
-              </a:rPr>
-              <a:t> </a:t>
-            </a:r>
-            <a:r>
-              <a:rPr lang="en-US" sz="2400" dirty="0" err="1">
-                <a:latin typeface="Futura Lt BT" panose="020B0402020204020303" pitchFamily="34" charset="0"/>
-              </a:rPr>
-              <a:t>Situationen</a:t>
-            </a:r>
-            <a:endParaRPr lang="en-US" sz="2400" dirty="0">
-              <a:latin typeface="Futura Lt BT" panose="020B0402020204020303" pitchFamily="34" charset="0"/>
-            </a:endParaRPr>
-          </a:p>
-        </p:txBody>
-      </p:sp>
     </p:spTree>
     <p:extLst>
       <p:ext uri="{BB962C8B-B14F-4D97-AF65-F5344CB8AC3E}">
@@ -11195,407 +10859,6 @@
                       </p:childTnLst>
                     </p:cTn>
                   </p:par>
-                  <p:par>
-                    <p:cTn id="19" fill="hold">
-                      <p:stCondLst>
-                        <p:cond delay="indefinite"/>
-                      </p:stCondLst>
-                      <p:childTnLst>
-                        <p:par>
-                          <p:cTn id="20" fill="hold">
-                            <p:stCondLst>
-                              <p:cond delay="0"/>
-                            </p:stCondLst>
-                            <p:childTnLst>
-                              <p:par>
-                                <p:cTn id="21" presetID="10" presetClass="entr" presetSubtype="0" fill="hold" grpId="0" nodeType="clickEffect">
-                                  <p:stCondLst>
-                                    <p:cond delay="0"/>
-                                  </p:stCondLst>
-                                  <p:childTnLst>
-                                    <p:set>
-                                      <p:cBhvr>
-                                        <p:cTn id="22" dur="1" fill="hold">
-                                          <p:stCondLst>
-                                            <p:cond delay="0"/>
-                                          </p:stCondLst>
-                                        </p:cTn>
-                                        <p:tgtEl>
-                                          <p:spTgt spid="8"/>
-                                        </p:tgtEl>
-                                        <p:attrNameLst>
-                                          <p:attrName>style.visibility</p:attrName>
-                                        </p:attrNameLst>
-                                      </p:cBhvr>
-                                      <p:to>
-                                        <p:strVal val="visible"/>
-                                      </p:to>
-                                    </p:set>
-                                    <p:animEffect transition="in" filter="fade">
-                                      <p:cBhvr>
-                                        <p:cTn id="23" dur="500"/>
-                                        <p:tgtEl>
-                                          <p:spTgt spid="8"/>
-                                        </p:tgtEl>
-                                      </p:cBhvr>
-                                    </p:animEffect>
-                                  </p:childTnLst>
-                                </p:cTn>
-                              </p:par>
-                              <p:par>
-                                <p:cTn id="24" presetID="10" presetClass="entr" presetSubtype="0" fill="hold" nodeType="withEffect">
-                                  <p:stCondLst>
-                                    <p:cond delay="0"/>
-                                  </p:stCondLst>
-                                  <p:childTnLst>
-                                    <p:set>
-                                      <p:cBhvr>
-                                        <p:cTn id="25" dur="1" fill="hold">
-                                          <p:stCondLst>
-                                            <p:cond delay="0"/>
-                                          </p:stCondLst>
-                                        </p:cTn>
-                                        <p:tgtEl>
-                                          <p:spTgt spid="8">
-                                            <p:txEl>
-                                              <p:pRg st="0" end="0"/>
-                                            </p:txEl>
-                                          </p:spTgt>
-                                        </p:tgtEl>
-                                        <p:attrNameLst>
-                                          <p:attrName>style.visibility</p:attrName>
-                                        </p:attrNameLst>
-                                      </p:cBhvr>
-                                      <p:to>
-                                        <p:strVal val="visible"/>
-                                      </p:to>
-                                    </p:set>
-                                    <p:animEffect transition="in" filter="fade">
-                                      <p:cBhvr>
-                                        <p:cTn id="26" dur="500"/>
-                                        <p:tgtEl>
-                                          <p:spTgt spid="8">
-                                            <p:txEl>
-                                              <p:pRg st="0" end="0"/>
-                                            </p:txEl>
-                                          </p:spTgt>
-                                        </p:tgtEl>
-                                      </p:cBhvr>
-                                    </p:animEffect>
-                                  </p:childTnLst>
-                                </p:cTn>
-                              </p:par>
-                            </p:childTnLst>
-                          </p:cTn>
-                        </p:par>
-                      </p:childTnLst>
-                    </p:cTn>
-                  </p:par>
-                  <p:par>
-                    <p:cTn id="27" fill="hold">
-                      <p:stCondLst>
-                        <p:cond delay="indefinite"/>
-                      </p:stCondLst>
-                      <p:childTnLst>
-                        <p:par>
-                          <p:cTn id="28" fill="hold">
-                            <p:stCondLst>
-                              <p:cond delay="0"/>
-                            </p:stCondLst>
-                            <p:childTnLst>
-                              <p:par>
-                                <p:cTn id="29" presetID="10" presetClass="entr" presetSubtype="0" fill="hold" nodeType="clickEffect">
-                                  <p:stCondLst>
-                                    <p:cond delay="0"/>
-                                  </p:stCondLst>
-                                  <p:childTnLst>
-                                    <p:set>
-                                      <p:cBhvr>
-                                        <p:cTn id="30" dur="1" fill="hold">
-                                          <p:stCondLst>
-                                            <p:cond delay="0"/>
-                                          </p:stCondLst>
-                                        </p:cTn>
-                                        <p:tgtEl>
-                                          <p:spTgt spid="8">
-                                            <p:txEl>
-                                              <p:pRg st="2" end="2"/>
-                                            </p:txEl>
-                                          </p:spTgt>
-                                        </p:tgtEl>
-                                        <p:attrNameLst>
-                                          <p:attrName>style.visibility</p:attrName>
-                                        </p:attrNameLst>
-                                      </p:cBhvr>
-                                      <p:to>
-                                        <p:strVal val="visible"/>
-                                      </p:to>
-                                    </p:set>
-                                    <p:animEffect transition="in" filter="fade">
-                                      <p:cBhvr>
-                                        <p:cTn id="31" dur="500"/>
-                                        <p:tgtEl>
-                                          <p:spTgt spid="8">
-                                            <p:txEl>
-                                              <p:pRg st="2" end="2"/>
-                                            </p:txEl>
-                                          </p:spTgt>
-                                        </p:tgtEl>
-                                      </p:cBhvr>
-                                    </p:animEffect>
-                                  </p:childTnLst>
-                                </p:cTn>
-                              </p:par>
-                            </p:childTnLst>
-                          </p:cTn>
-                        </p:par>
-                      </p:childTnLst>
-                    </p:cTn>
-                  </p:par>
-                  <p:par>
-                    <p:cTn id="32" fill="hold">
-                      <p:stCondLst>
-                        <p:cond delay="indefinite"/>
-                      </p:stCondLst>
-                      <p:childTnLst>
-                        <p:par>
-                          <p:cTn id="33" fill="hold">
-                            <p:stCondLst>
-                              <p:cond delay="0"/>
-                            </p:stCondLst>
-                            <p:childTnLst>
-                              <p:par>
-                                <p:cTn id="34" presetID="10" presetClass="entr" presetSubtype="0" fill="hold" nodeType="clickEffect">
-                                  <p:stCondLst>
-                                    <p:cond delay="0"/>
-                                  </p:stCondLst>
-                                  <p:childTnLst>
-                                    <p:set>
-                                      <p:cBhvr>
-                                        <p:cTn id="35" dur="1" fill="hold">
-                                          <p:stCondLst>
-                                            <p:cond delay="0"/>
-                                          </p:stCondLst>
-                                        </p:cTn>
-                                        <p:tgtEl>
-                                          <p:spTgt spid="8">
-                                            <p:txEl>
-                                              <p:pRg st="4" end="4"/>
-                                            </p:txEl>
-                                          </p:spTgt>
-                                        </p:tgtEl>
-                                        <p:attrNameLst>
-                                          <p:attrName>style.visibility</p:attrName>
-                                        </p:attrNameLst>
-                                      </p:cBhvr>
-                                      <p:to>
-                                        <p:strVal val="visible"/>
-                                      </p:to>
-                                    </p:set>
-                                    <p:animEffect transition="in" filter="fade">
-                                      <p:cBhvr>
-                                        <p:cTn id="36" dur="500"/>
-                                        <p:tgtEl>
-                                          <p:spTgt spid="8">
-                                            <p:txEl>
-                                              <p:pRg st="4" end="4"/>
-                                            </p:txEl>
-                                          </p:spTgt>
-                                        </p:tgtEl>
-                                      </p:cBhvr>
-                                    </p:animEffect>
-                                  </p:childTnLst>
-                                </p:cTn>
-                              </p:par>
-                            </p:childTnLst>
-                          </p:cTn>
-                        </p:par>
-                      </p:childTnLst>
-                    </p:cTn>
-                  </p:par>
-                  <p:par>
-                    <p:cTn id="37" fill="hold">
-                      <p:stCondLst>
-                        <p:cond delay="indefinite"/>
-                      </p:stCondLst>
-                      <p:childTnLst>
-                        <p:par>
-                          <p:cTn id="38" fill="hold">
-                            <p:stCondLst>
-                              <p:cond delay="0"/>
-                            </p:stCondLst>
-                            <p:childTnLst>
-                              <p:par>
-                                <p:cTn id="39" presetID="10" presetClass="entr" presetSubtype="0" fill="hold" nodeType="clickEffect">
-                                  <p:stCondLst>
-                                    <p:cond delay="0"/>
-                                  </p:stCondLst>
-                                  <p:childTnLst>
-                                    <p:set>
-                                      <p:cBhvr>
-                                        <p:cTn id="40" dur="1" fill="hold">
-                                          <p:stCondLst>
-                                            <p:cond delay="0"/>
-                                          </p:stCondLst>
-                                        </p:cTn>
-                                        <p:tgtEl>
-                                          <p:spTgt spid="8">
-                                            <p:txEl>
-                                              <p:pRg st="5" end="5"/>
-                                            </p:txEl>
-                                          </p:spTgt>
-                                        </p:tgtEl>
-                                        <p:attrNameLst>
-                                          <p:attrName>style.visibility</p:attrName>
-                                        </p:attrNameLst>
-                                      </p:cBhvr>
-                                      <p:to>
-                                        <p:strVal val="visible"/>
-                                      </p:to>
-                                    </p:set>
-                                    <p:animEffect transition="in" filter="fade">
-                                      <p:cBhvr>
-                                        <p:cTn id="41" dur="500"/>
-                                        <p:tgtEl>
-                                          <p:spTgt spid="8">
-                                            <p:txEl>
-                                              <p:pRg st="5" end="5"/>
-                                            </p:txEl>
-                                          </p:spTgt>
-                                        </p:tgtEl>
-                                      </p:cBhvr>
-                                    </p:animEffect>
-                                  </p:childTnLst>
-                                </p:cTn>
-                              </p:par>
-                            </p:childTnLst>
-                          </p:cTn>
-                        </p:par>
-                      </p:childTnLst>
-                    </p:cTn>
-                  </p:par>
-                  <p:par>
-                    <p:cTn id="42" fill="hold">
-                      <p:stCondLst>
-                        <p:cond delay="indefinite"/>
-                      </p:stCondLst>
-                      <p:childTnLst>
-                        <p:par>
-                          <p:cTn id="43" fill="hold">
-                            <p:stCondLst>
-                              <p:cond delay="0"/>
-                            </p:stCondLst>
-                            <p:childTnLst>
-                              <p:par>
-                                <p:cTn id="44" presetID="10" presetClass="entr" presetSubtype="0" fill="hold" nodeType="clickEffect">
-                                  <p:stCondLst>
-                                    <p:cond delay="0"/>
-                                  </p:stCondLst>
-                                  <p:childTnLst>
-                                    <p:set>
-                                      <p:cBhvr>
-                                        <p:cTn id="45" dur="1" fill="hold">
-                                          <p:stCondLst>
-                                            <p:cond delay="0"/>
-                                          </p:stCondLst>
-                                        </p:cTn>
-                                        <p:tgtEl>
-                                          <p:spTgt spid="8">
-                                            <p:txEl>
-                                              <p:pRg st="6" end="6"/>
-                                            </p:txEl>
-                                          </p:spTgt>
-                                        </p:tgtEl>
-                                        <p:attrNameLst>
-                                          <p:attrName>style.visibility</p:attrName>
-                                        </p:attrNameLst>
-                                      </p:cBhvr>
-                                      <p:to>
-                                        <p:strVal val="visible"/>
-                                      </p:to>
-                                    </p:set>
-                                    <p:animEffect transition="in" filter="fade">
-                                      <p:cBhvr>
-                                        <p:cTn id="46" dur="500"/>
-                                        <p:tgtEl>
-                                          <p:spTgt spid="8">
-                                            <p:txEl>
-                                              <p:pRg st="6" end="6"/>
-                                            </p:txEl>
-                                          </p:spTgt>
-                                        </p:tgtEl>
-                                      </p:cBhvr>
-                                    </p:animEffect>
-                                  </p:childTnLst>
-                                </p:cTn>
-                              </p:par>
-                            </p:childTnLst>
-                          </p:cTn>
-                        </p:par>
-                      </p:childTnLst>
-                    </p:cTn>
-                  </p:par>
-                  <p:par>
-                    <p:cTn id="47" fill="hold">
-                      <p:stCondLst>
-                        <p:cond delay="indefinite"/>
-                      </p:stCondLst>
-                      <p:childTnLst>
-                        <p:par>
-                          <p:cTn id="48" fill="hold">
-                            <p:stCondLst>
-                              <p:cond delay="0"/>
-                            </p:stCondLst>
-                            <p:childTnLst>
-                              <p:par>
-                                <p:cTn id="49" presetID="10" presetClass="entr" presetSubtype="0" fill="hold" nodeType="clickEffect">
-                                  <p:stCondLst>
-                                    <p:cond delay="0"/>
-                                  </p:stCondLst>
-                                  <p:childTnLst>
-                                    <p:set>
-                                      <p:cBhvr>
-                                        <p:cTn id="50" dur="1" fill="hold">
-                                          <p:stCondLst>
-                                            <p:cond delay="0"/>
-                                          </p:stCondLst>
-                                        </p:cTn>
-                                        <p:tgtEl>
-                                          <p:spTgt spid="8">
-                                            <p:txEl>
-                                              <p:pRg st="7" end="7"/>
-                                            </p:txEl>
-                                          </p:spTgt>
-                                        </p:tgtEl>
-                                        <p:attrNameLst>
-                                          <p:attrName>style.visibility</p:attrName>
-                                        </p:attrNameLst>
-                                      </p:cBhvr>
-                                      <p:to>
-                                        <p:strVal val="visible"/>
-                                      </p:to>
-                                    </p:set>
-                                    <p:animEffect transition="in" filter="fade">
-                                      <p:cBhvr>
-                                        <p:cTn id="51" dur="500"/>
-                                        <p:tgtEl>
-                                          <p:spTgt spid="8">
-                                            <p:txEl>
-                                              <p:pRg st="7" end="7"/>
-                                            </p:txEl>
-                                          </p:spTgt>
-                                        </p:tgtEl>
-                                      </p:cBhvr>
-                                    </p:animEffect>
-                                  </p:childTnLst>
-                                </p:cTn>
-                              </p:par>
-                            </p:childTnLst>
-                          </p:cTn>
-                        </p:par>
-                      </p:childTnLst>
-                    </p:cTn>
-                  </p:par>
                 </p:childTnLst>
               </p:cTn>
               <p:prevCondLst>
@@ -11617,9 +10880,6 @@
         </p:cTn>
       </p:par>
     </p:tnLst>
-    <p:bldLst>
-      <p:bldP spid="8" grpId="0" animBg="1"/>
-    </p:bldLst>
   </p:timing>
 </p:sld>
 </file>
@@ -11837,15 +11097,7 @@
             <a:pPr lvl="1"/>
             <a:r>
               <a:rPr lang="de-DE" sz="1600" dirty="0"/>
-              <a:t>Ausbruchs-Diagnostik, </a:t>
-            </a:r>
-            <a:r>
-              <a:rPr lang="de-DE" sz="1600" dirty="0" err="1"/>
-              <a:t>wchtiges</a:t>
-            </a:r>
-            <a:r>
-              <a:rPr lang="de-DE" sz="1600" dirty="0"/>
-              <a:t> Tool der Krankenhaus-Hygiene</a:t>
+              <a:t>Ausbruchs-Diagnostik, wichtiges Tool der Krankenhaus-Hygiene</a:t>
             </a:r>
           </a:p>
           <a:p>
@@ -18612,7 +17864,7 @@
           <a:p>
             <a:r>
               <a:rPr lang="de-DE" dirty="0"/>
-              <a:t>Genomische Epidemiologie in 5 Schritten</a:t>
+              <a:t>Ausbruchs-Untersuchung in 5 Schritten</a:t>
             </a:r>
           </a:p>
         </p:txBody>
